--- a/07 Структуры.pptx
+++ b/07 Структуры.pptx
@@ -224,7 +224,7 @@
           <a:p>
             <a:fld id="{FE389364-41B5-4343-9AE4-547B2BBB7679}" type="datetimeFigureOut">
               <a:rPr lang="ru-RU" smtClean="0"/>
-              <a:t>09.11.2018</a:t>
+              <a:t>10.11.2025</a:t>
             </a:fld>
             <a:endParaRPr lang="ru-RU"/>
           </a:p>
@@ -288,35 +288,35 @@
           <a:p>
             <a:pPr lvl="0"/>
             <a:r>
-              <a:rPr lang="en-US" smtClean="0"/>
+              <a:rPr lang="en-US"/>
               <a:t>Click to edit Master text styles</a:t>
             </a:r>
           </a:p>
           <a:p>
             <a:pPr lvl="1"/>
             <a:r>
-              <a:rPr lang="en-US" smtClean="0"/>
+              <a:rPr lang="en-US"/>
               <a:t>Second level</a:t>
             </a:r>
           </a:p>
           <a:p>
             <a:pPr lvl="2"/>
             <a:r>
-              <a:rPr lang="en-US" smtClean="0"/>
+              <a:rPr lang="en-US"/>
               <a:t>Third level</a:t>
             </a:r>
           </a:p>
           <a:p>
             <a:pPr lvl="3"/>
             <a:r>
-              <a:rPr lang="en-US" smtClean="0"/>
+              <a:rPr lang="en-US"/>
               <a:t>Fourth level</a:t>
             </a:r>
           </a:p>
           <a:p>
             <a:pPr lvl="4"/>
             <a:r>
-              <a:rPr lang="en-US" smtClean="0"/>
+              <a:rPr lang="en-US"/>
               <a:t>Fifth level</a:t>
             </a:r>
             <a:endParaRPr lang="ru-RU"/>
@@ -530,7 +530,7 @@
           <a:lstStyle/>
           <a:p>
             <a:r>
-              <a:rPr lang="en-US" smtClean="0"/>
+              <a:rPr lang="en-US"/>
               <a:t>Click to edit Master title style</a:t>
             </a:r>
             <a:endParaRPr lang="ru-RU"/>
@@ -649,7 +649,7 @@
           </a:lstStyle>
           <a:p>
             <a:r>
-              <a:rPr lang="en-US" smtClean="0"/>
+              <a:rPr lang="en-US"/>
               <a:t>Click to edit Master subtitle style</a:t>
             </a:r>
             <a:endParaRPr lang="ru-RU"/>
@@ -673,7 +673,7 @@
           <a:p>
             <a:fld id="{A55E8346-1AE4-4D18-AE08-A571B45FDA13}" type="datetimeFigureOut">
               <a:rPr lang="ru-RU" smtClean="0"/>
-              <a:t>09.11.2018</a:t>
+              <a:t>10.11.2025</a:t>
             </a:fld>
             <a:endParaRPr lang="ru-RU"/>
           </a:p>
@@ -767,7 +767,7 @@
           <a:lstStyle/>
           <a:p>
             <a:r>
-              <a:rPr lang="en-US" smtClean="0"/>
+              <a:rPr lang="en-US"/>
               <a:t>Click to edit Master title style</a:t>
             </a:r>
             <a:endParaRPr lang="ru-RU"/>
@@ -791,35 +791,35 @@
           <a:p>
             <a:pPr lvl="0"/>
             <a:r>
-              <a:rPr lang="en-US" smtClean="0"/>
+              <a:rPr lang="en-US"/>
               <a:t>Click to edit Master text styles</a:t>
             </a:r>
           </a:p>
           <a:p>
             <a:pPr lvl="1"/>
             <a:r>
-              <a:rPr lang="en-US" smtClean="0"/>
+              <a:rPr lang="en-US"/>
               <a:t>Second level</a:t>
             </a:r>
           </a:p>
           <a:p>
             <a:pPr lvl="2"/>
             <a:r>
-              <a:rPr lang="en-US" smtClean="0"/>
+              <a:rPr lang="en-US"/>
               <a:t>Third level</a:t>
             </a:r>
           </a:p>
           <a:p>
             <a:pPr lvl="3"/>
             <a:r>
-              <a:rPr lang="en-US" smtClean="0"/>
+              <a:rPr lang="en-US"/>
               <a:t>Fourth level</a:t>
             </a:r>
           </a:p>
           <a:p>
             <a:pPr lvl="4"/>
             <a:r>
-              <a:rPr lang="en-US" smtClean="0"/>
+              <a:rPr lang="en-US"/>
               <a:t>Fifth level</a:t>
             </a:r>
             <a:endParaRPr lang="ru-RU"/>
@@ -843,7 +843,7 @@
           <a:p>
             <a:fld id="{A55E8346-1AE4-4D18-AE08-A571B45FDA13}" type="datetimeFigureOut">
               <a:rPr lang="ru-RU" smtClean="0"/>
-              <a:t>09.11.2018</a:t>
+              <a:t>10.11.2025</a:t>
             </a:fld>
             <a:endParaRPr lang="ru-RU"/>
           </a:p>
@@ -942,7 +942,7 @@
           <a:lstStyle/>
           <a:p>
             <a:r>
-              <a:rPr lang="en-US" smtClean="0"/>
+              <a:rPr lang="en-US"/>
               <a:t>Click to edit Master title style</a:t>
             </a:r>
             <a:endParaRPr lang="ru-RU"/>
@@ -971,35 +971,35 @@
           <a:p>
             <a:pPr lvl="0"/>
             <a:r>
-              <a:rPr lang="en-US" smtClean="0"/>
+              <a:rPr lang="en-US"/>
               <a:t>Click to edit Master text styles</a:t>
             </a:r>
           </a:p>
           <a:p>
             <a:pPr lvl="1"/>
             <a:r>
-              <a:rPr lang="en-US" smtClean="0"/>
+              <a:rPr lang="en-US"/>
               <a:t>Second level</a:t>
             </a:r>
           </a:p>
           <a:p>
             <a:pPr lvl="2"/>
             <a:r>
-              <a:rPr lang="en-US" smtClean="0"/>
+              <a:rPr lang="en-US"/>
               <a:t>Third level</a:t>
             </a:r>
           </a:p>
           <a:p>
             <a:pPr lvl="3"/>
             <a:r>
-              <a:rPr lang="en-US" smtClean="0"/>
+              <a:rPr lang="en-US"/>
               <a:t>Fourth level</a:t>
             </a:r>
           </a:p>
           <a:p>
             <a:pPr lvl="4"/>
             <a:r>
-              <a:rPr lang="en-US" smtClean="0"/>
+              <a:rPr lang="en-US"/>
               <a:t>Fifth level</a:t>
             </a:r>
             <a:endParaRPr lang="ru-RU"/>
@@ -1023,7 +1023,7 @@
           <a:p>
             <a:fld id="{A55E8346-1AE4-4D18-AE08-A571B45FDA13}" type="datetimeFigureOut">
               <a:rPr lang="ru-RU" smtClean="0"/>
-              <a:t>09.11.2018</a:t>
+              <a:t>10.11.2025</a:t>
             </a:fld>
             <a:endParaRPr lang="ru-RU"/>
           </a:p>
@@ -1117,7 +1117,7 @@
           <a:lstStyle/>
           <a:p>
             <a:r>
-              <a:rPr lang="en-US" smtClean="0"/>
+              <a:rPr lang="en-US"/>
               <a:t>Click to edit Master title style</a:t>
             </a:r>
             <a:endParaRPr lang="ru-RU"/>
@@ -1141,35 +1141,35 @@
           <a:p>
             <a:pPr lvl="0"/>
             <a:r>
-              <a:rPr lang="en-US" smtClean="0"/>
+              <a:rPr lang="en-US"/>
               <a:t>Click to edit Master text styles</a:t>
             </a:r>
           </a:p>
           <a:p>
             <a:pPr lvl="1"/>
             <a:r>
-              <a:rPr lang="en-US" smtClean="0"/>
+              <a:rPr lang="en-US"/>
               <a:t>Second level</a:t>
             </a:r>
           </a:p>
           <a:p>
             <a:pPr lvl="2"/>
             <a:r>
-              <a:rPr lang="en-US" smtClean="0"/>
+              <a:rPr lang="en-US"/>
               <a:t>Third level</a:t>
             </a:r>
           </a:p>
           <a:p>
             <a:pPr lvl="3"/>
             <a:r>
-              <a:rPr lang="en-US" smtClean="0"/>
+              <a:rPr lang="en-US"/>
               <a:t>Fourth level</a:t>
             </a:r>
           </a:p>
           <a:p>
             <a:pPr lvl="4"/>
             <a:r>
-              <a:rPr lang="en-US" smtClean="0"/>
+              <a:rPr lang="en-US"/>
               <a:t>Fifth level</a:t>
             </a:r>
             <a:endParaRPr lang="ru-RU"/>
@@ -1193,7 +1193,7 @@
           <a:p>
             <a:fld id="{A55E8346-1AE4-4D18-AE08-A571B45FDA13}" type="datetimeFigureOut">
               <a:rPr lang="ru-RU" smtClean="0"/>
-              <a:t>09.11.2018</a:t>
+              <a:t>10.11.2025</a:t>
             </a:fld>
             <a:endParaRPr lang="ru-RU"/>
           </a:p>
@@ -1296,7 +1296,7 @@
           </a:lstStyle>
           <a:p>
             <a:r>
-              <a:rPr lang="en-US" smtClean="0"/>
+              <a:rPr lang="en-US"/>
               <a:t>Click to edit Master title style</a:t>
             </a:r>
             <a:endParaRPr lang="ru-RU"/>
@@ -1416,7 +1416,7 @@
           <a:p>
             <a:pPr lvl="0"/>
             <a:r>
-              <a:rPr lang="en-US" smtClean="0"/>
+              <a:rPr lang="en-US"/>
               <a:t>Click to edit Master text styles</a:t>
             </a:r>
           </a:p>
@@ -1439,7 +1439,7 @@
           <a:p>
             <a:fld id="{A55E8346-1AE4-4D18-AE08-A571B45FDA13}" type="datetimeFigureOut">
               <a:rPr lang="ru-RU" smtClean="0"/>
-              <a:t>09.11.2018</a:t>
+              <a:t>10.11.2025</a:t>
             </a:fld>
             <a:endParaRPr lang="ru-RU"/>
           </a:p>
@@ -1533,7 +1533,7 @@
           <a:lstStyle/>
           <a:p>
             <a:r>
-              <a:rPr lang="en-US" smtClean="0"/>
+              <a:rPr lang="en-US"/>
               <a:t>Click to edit Master title style</a:t>
             </a:r>
             <a:endParaRPr lang="ru-RU"/>
@@ -1590,35 +1590,35 @@
           <a:p>
             <a:pPr lvl="0"/>
             <a:r>
-              <a:rPr lang="en-US" smtClean="0"/>
+              <a:rPr lang="en-US"/>
               <a:t>Click to edit Master text styles</a:t>
             </a:r>
           </a:p>
           <a:p>
             <a:pPr lvl="1"/>
             <a:r>
-              <a:rPr lang="en-US" smtClean="0"/>
+              <a:rPr lang="en-US"/>
               <a:t>Second level</a:t>
             </a:r>
           </a:p>
           <a:p>
             <a:pPr lvl="2"/>
             <a:r>
-              <a:rPr lang="en-US" smtClean="0"/>
+              <a:rPr lang="en-US"/>
               <a:t>Third level</a:t>
             </a:r>
           </a:p>
           <a:p>
             <a:pPr lvl="3"/>
             <a:r>
-              <a:rPr lang="en-US" smtClean="0"/>
+              <a:rPr lang="en-US"/>
               <a:t>Fourth level</a:t>
             </a:r>
           </a:p>
           <a:p>
             <a:pPr lvl="4"/>
             <a:r>
-              <a:rPr lang="en-US" smtClean="0"/>
+              <a:rPr lang="en-US"/>
               <a:t>Fifth level</a:t>
             </a:r>
             <a:endParaRPr lang="ru-RU"/>
@@ -1675,35 +1675,35 @@
           <a:p>
             <a:pPr lvl="0"/>
             <a:r>
-              <a:rPr lang="en-US" smtClean="0"/>
+              <a:rPr lang="en-US"/>
               <a:t>Click to edit Master text styles</a:t>
             </a:r>
           </a:p>
           <a:p>
             <a:pPr lvl="1"/>
             <a:r>
-              <a:rPr lang="en-US" smtClean="0"/>
+              <a:rPr lang="en-US"/>
               <a:t>Second level</a:t>
             </a:r>
           </a:p>
           <a:p>
             <a:pPr lvl="2"/>
             <a:r>
-              <a:rPr lang="en-US" smtClean="0"/>
+              <a:rPr lang="en-US"/>
               <a:t>Third level</a:t>
             </a:r>
           </a:p>
           <a:p>
             <a:pPr lvl="3"/>
             <a:r>
-              <a:rPr lang="en-US" smtClean="0"/>
+              <a:rPr lang="en-US"/>
               <a:t>Fourth level</a:t>
             </a:r>
           </a:p>
           <a:p>
             <a:pPr lvl="4"/>
             <a:r>
-              <a:rPr lang="en-US" smtClean="0"/>
+              <a:rPr lang="en-US"/>
               <a:t>Fifth level</a:t>
             </a:r>
             <a:endParaRPr lang="ru-RU"/>
@@ -1727,7 +1727,7 @@
           <a:p>
             <a:fld id="{A55E8346-1AE4-4D18-AE08-A571B45FDA13}" type="datetimeFigureOut">
               <a:rPr lang="ru-RU" smtClean="0"/>
-              <a:t>09.11.2018</a:t>
+              <a:t>10.11.2025</a:t>
             </a:fld>
             <a:endParaRPr lang="ru-RU"/>
           </a:p>
@@ -1825,7 +1825,7 @@
           </a:lstStyle>
           <a:p>
             <a:r>
-              <a:rPr lang="en-US" smtClean="0"/>
+              <a:rPr lang="en-US"/>
               <a:t>Click to edit Master title style</a:t>
             </a:r>
             <a:endParaRPr lang="ru-RU"/>
@@ -1891,7 +1891,7 @@
           <a:p>
             <a:pPr lvl="0"/>
             <a:r>
-              <a:rPr lang="en-US" smtClean="0"/>
+              <a:rPr lang="en-US"/>
               <a:t>Click to edit Master text styles</a:t>
             </a:r>
           </a:p>
@@ -1947,35 +1947,35 @@
           <a:p>
             <a:pPr lvl="0"/>
             <a:r>
-              <a:rPr lang="en-US" smtClean="0"/>
+              <a:rPr lang="en-US"/>
               <a:t>Click to edit Master text styles</a:t>
             </a:r>
           </a:p>
           <a:p>
             <a:pPr lvl="1"/>
             <a:r>
-              <a:rPr lang="en-US" smtClean="0"/>
+              <a:rPr lang="en-US"/>
               <a:t>Second level</a:t>
             </a:r>
           </a:p>
           <a:p>
             <a:pPr lvl="2"/>
             <a:r>
-              <a:rPr lang="en-US" smtClean="0"/>
+              <a:rPr lang="en-US"/>
               <a:t>Third level</a:t>
             </a:r>
           </a:p>
           <a:p>
             <a:pPr lvl="3"/>
             <a:r>
-              <a:rPr lang="en-US" smtClean="0"/>
+              <a:rPr lang="en-US"/>
               <a:t>Fourth level</a:t>
             </a:r>
           </a:p>
           <a:p>
             <a:pPr lvl="4"/>
             <a:r>
-              <a:rPr lang="en-US" smtClean="0"/>
+              <a:rPr lang="en-US"/>
               <a:t>Fifth level</a:t>
             </a:r>
             <a:endParaRPr lang="ru-RU"/>
@@ -2041,7 +2041,7 @@
           <a:p>
             <a:pPr lvl="0"/>
             <a:r>
-              <a:rPr lang="en-US" smtClean="0"/>
+              <a:rPr lang="en-US"/>
               <a:t>Click to edit Master text styles</a:t>
             </a:r>
           </a:p>
@@ -2097,35 +2097,35 @@
           <a:p>
             <a:pPr lvl="0"/>
             <a:r>
-              <a:rPr lang="en-US" smtClean="0"/>
+              <a:rPr lang="en-US"/>
               <a:t>Click to edit Master text styles</a:t>
             </a:r>
           </a:p>
           <a:p>
             <a:pPr lvl="1"/>
             <a:r>
-              <a:rPr lang="en-US" smtClean="0"/>
+              <a:rPr lang="en-US"/>
               <a:t>Second level</a:t>
             </a:r>
           </a:p>
           <a:p>
             <a:pPr lvl="2"/>
             <a:r>
-              <a:rPr lang="en-US" smtClean="0"/>
+              <a:rPr lang="en-US"/>
               <a:t>Third level</a:t>
             </a:r>
           </a:p>
           <a:p>
             <a:pPr lvl="3"/>
             <a:r>
-              <a:rPr lang="en-US" smtClean="0"/>
+              <a:rPr lang="en-US"/>
               <a:t>Fourth level</a:t>
             </a:r>
           </a:p>
           <a:p>
             <a:pPr lvl="4"/>
             <a:r>
-              <a:rPr lang="en-US" smtClean="0"/>
+              <a:rPr lang="en-US"/>
               <a:t>Fifth level</a:t>
             </a:r>
             <a:endParaRPr lang="ru-RU"/>
@@ -2149,7 +2149,7 @@
           <a:p>
             <a:fld id="{A55E8346-1AE4-4D18-AE08-A571B45FDA13}" type="datetimeFigureOut">
               <a:rPr lang="ru-RU" smtClean="0"/>
-              <a:t>09.11.2018</a:t>
+              <a:t>10.11.2025</a:t>
             </a:fld>
             <a:endParaRPr lang="ru-RU"/>
           </a:p>
@@ -2243,7 +2243,7 @@
           <a:lstStyle/>
           <a:p>
             <a:r>
-              <a:rPr lang="en-US" smtClean="0"/>
+              <a:rPr lang="en-US"/>
               <a:t>Click to edit Master title style</a:t>
             </a:r>
             <a:endParaRPr lang="ru-RU"/>
@@ -2267,7 +2267,7 @@
           <a:p>
             <a:fld id="{A55E8346-1AE4-4D18-AE08-A571B45FDA13}" type="datetimeFigureOut">
               <a:rPr lang="ru-RU" smtClean="0"/>
-              <a:t>09.11.2018</a:t>
+              <a:t>10.11.2025</a:t>
             </a:fld>
             <a:endParaRPr lang="ru-RU"/>
           </a:p>
@@ -2362,7 +2362,7 @@
           <a:p>
             <a:fld id="{A55E8346-1AE4-4D18-AE08-A571B45FDA13}" type="datetimeFigureOut">
               <a:rPr lang="ru-RU" smtClean="0"/>
-              <a:t>09.11.2018</a:t>
+              <a:t>10.11.2025</a:t>
             </a:fld>
             <a:endParaRPr lang="ru-RU"/>
           </a:p>
@@ -2465,7 +2465,7 @@
           </a:lstStyle>
           <a:p>
             <a:r>
-              <a:rPr lang="en-US" smtClean="0"/>
+              <a:rPr lang="en-US"/>
               <a:t>Click to edit Master title style</a:t>
             </a:r>
             <a:endParaRPr lang="ru-RU"/>
@@ -2522,35 +2522,35 @@
           <a:p>
             <a:pPr lvl="0"/>
             <a:r>
-              <a:rPr lang="en-US" smtClean="0"/>
+              <a:rPr lang="en-US"/>
               <a:t>Click to edit Master text styles</a:t>
             </a:r>
           </a:p>
           <a:p>
             <a:pPr lvl="1"/>
             <a:r>
-              <a:rPr lang="en-US" smtClean="0"/>
+              <a:rPr lang="en-US"/>
               <a:t>Second level</a:t>
             </a:r>
           </a:p>
           <a:p>
             <a:pPr lvl="2"/>
             <a:r>
-              <a:rPr lang="en-US" smtClean="0"/>
+              <a:rPr lang="en-US"/>
               <a:t>Third level</a:t>
             </a:r>
           </a:p>
           <a:p>
             <a:pPr lvl="3"/>
             <a:r>
-              <a:rPr lang="en-US" smtClean="0"/>
+              <a:rPr lang="en-US"/>
               <a:t>Fourth level</a:t>
             </a:r>
           </a:p>
           <a:p>
             <a:pPr lvl="4"/>
             <a:r>
-              <a:rPr lang="en-US" smtClean="0"/>
+              <a:rPr lang="en-US"/>
               <a:t>Fifth level</a:t>
             </a:r>
             <a:endParaRPr lang="ru-RU"/>
@@ -2616,7 +2616,7 @@
           <a:p>
             <a:pPr lvl="0"/>
             <a:r>
-              <a:rPr lang="en-US" smtClean="0"/>
+              <a:rPr lang="en-US"/>
               <a:t>Click to edit Master text styles</a:t>
             </a:r>
           </a:p>
@@ -2639,7 +2639,7 @@
           <a:p>
             <a:fld id="{A55E8346-1AE4-4D18-AE08-A571B45FDA13}" type="datetimeFigureOut">
               <a:rPr lang="ru-RU" smtClean="0"/>
-              <a:t>09.11.2018</a:t>
+              <a:t>10.11.2025</a:t>
             </a:fld>
             <a:endParaRPr lang="ru-RU"/>
           </a:p>
@@ -2742,7 +2742,7 @@
           </a:lstStyle>
           <a:p>
             <a:r>
-              <a:rPr lang="en-US" smtClean="0"/>
+              <a:rPr lang="en-US"/>
               <a:t>Click to edit Master title style</a:t>
             </a:r>
             <a:endParaRPr lang="ru-RU"/>
@@ -2869,7 +2869,7 @@
           <a:p>
             <a:pPr lvl="0"/>
             <a:r>
-              <a:rPr lang="en-US" smtClean="0"/>
+              <a:rPr lang="en-US"/>
               <a:t>Click to edit Master text styles</a:t>
             </a:r>
           </a:p>
@@ -2892,7 +2892,7 @@
           <a:p>
             <a:fld id="{A55E8346-1AE4-4D18-AE08-A571B45FDA13}" type="datetimeFigureOut">
               <a:rPr lang="ru-RU" smtClean="0"/>
-              <a:t>09.11.2018</a:t>
+              <a:t>10.11.2025</a:t>
             </a:fld>
             <a:endParaRPr lang="ru-RU"/>
           </a:p>
@@ -3001,7 +3001,7 @@
           <a:lstStyle/>
           <a:p>
             <a:r>
-              <a:rPr lang="en-US" smtClean="0"/>
+              <a:rPr lang="en-US"/>
               <a:t>Click to edit Master title style</a:t>
             </a:r>
             <a:endParaRPr lang="ru-RU"/>
@@ -3035,35 +3035,35 @@
           <a:p>
             <a:pPr lvl="0"/>
             <a:r>
-              <a:rPr lang="en-US" smtClean="0"/>
+              <a:rPr lang="en-US"/>
               <a:t>Click to edit Master text styles</a:t>
             </a:r>
           </a:p>
           <a:p>
             <a:pPr lvl="1"/>
             <a:r>
-              <a:rPr lang="en-US" smtClean="0"/>
+              <a:rPr lang="en-US"/>
               <a:t>Second level</a:t>
             </a:r>
           </a:p>
           <a:p>
             <a:pPr lvl="2"/>
             <a:r>
-              <a:rPr lang="en-US" smtClean="0"/>
+              <a:rPr lang="en-US"/>
               <a:t>Third level</a:t>
             </a:r>
           </a:p>
           <a:p>
             <a:pPr lvl="3"/>
             <a:r>
-              <a:rPr lang="en-US" smtClean="0"/>
+              <a:rPr lang="en-US"/>
               <a:t>Fourth level</a:t>
             </a:r>
           </a:p>
           <a:p>
             <a:pPr lvl="4"/>
             <a:r>
-              <a:rPr lang="en-US" smtClean="0"/>
+              <a:rPr lang="en-US"/>
               <a:t>Fifth level</a:t>
             </a:r>
             <a:endParaRPr lang="ru-RU"/>
@@ -3105,7 +3105,7 @@
           <a:p>
             <a:fld id="{A55E8346-1AE4-4D18-AE08-A571B45FDA13}" type="datetimeFigureOut">
               <a:rPr lang="ru-RU" smtClean="0"/>
-              <a:t>09.11.2018</a:t>
+              <a:t>10.11.2025</a:t>
             </a:fld>
             <a:endParaRPr lang="ru-RU"/>
           </a:p>
@@ -3496,18 +3496,17 @@
           <a:lstStyle/>
           <a:p>
             <a:r>
-              <a:rPr lang="ru-RU" dirty="0" smtClean="0"/>
+              <a:rPr lang="ru-RU" dirty="0"/>
               <a:t>Структуры</a:t>
             </a:r>
             <a:r>
-              <a:rPr lang="en-US" dirty="0" smtClean="0"/>
+              <a:rPr lang="en-US" dirty="0"/>
               <a:t> </a:t>
             </a:r>
             <a:r>
-              <a:rPr lang="ru-RU" dirty="0" smtClean="0"/>
+              <a:rPr lang="ru-RU" dirty="0"/>
               <a:t>и объединения</a:t>
             </a:r>
-            <a:endParaRPr lang="ru-RU" dirty="0"/>
           </a:p>
         </p:txBody>
       </p:sp>
@@ -3527,7 +3526,7 @@
           <a:lstStyle/>
           <a:p>
             <a:r>
-              <a:rPr lang="ru-RU" dirty="0" smtClean="0"/>
+              <a:rPr lang="ru-RU" dirty="0"/>
               <a:t>Лекция </a:t>
             </a:r>
             <a:r>
@@ -3548,13 +3547,6 @@
   <p:clrMapOvr>
     <a:masterClrMapping/>
   </p:clrMapOvr>
-  <p:timing>
-    <p:tnLst>
-      <p:par>
-        <p:cTn id="1" dur="indefinite" restart="never" nodeType="tmRoot"/>
-      </p:par>
-    </p:tnLst>
-  </p:timing>
 </p:sld>
 </file>
 
@@ -3591,10 +3583,9 @@
           <a:lstStyle/>
           <a:p>
             <a:r>
-              <a:rPr lang="ru-RU" dirty="0" smtClean="0"/>
+              <a:rPr lang="ru-RU" dirty="0"/>
               <a:t>Размещение структур в памяти</a:t>
             </a:r>
-            <a:endParaRPr lang="ru-RU" dirty="0"/>
           </a:p>
         </p:txBody>
       </p:sp>
@@ -3616,7 +3607,7 @@
           <a:lstStyle/>
           <a:p>
             <a:r>
-              <a:rPr lang="ru-RU" dirty="0" smtClean="0"/>
+              <a:rPr lang="ru-RU" dirty="0"/>
               <a:t>Адреса элементов структуры возрастают по мере объявления</a:t>
             </a:r>
           </a:p>
@@ -3625,7 +3616,7 @@
           </a:p>
           <a:p>
             <a:r>
-              <a:rPr lang="ru-RU" dirty="0" smtClean="0"/>
+              <a:rPr lang="ru-RU" dirty="0"/>
               <a:t>Адрес структуры равен адресу первого элемента структуры</a:t>
             </a:r>
           </a:p>
@@ -3634,15 +3625,15 @@
           </a:p>
           <a:p>
             <a:r>
-              <a:rPr lang="ru-RU" dirty="0" smtClean="0"/>
+              <a:rPr lang="ru-RU" dirty="0"/>
               <a:t>Размер структуры </a:t>
             </a:r>
             <a:r>
-              <a:rPr lang="en-US" dirty="0" smtClean="0"/>
+              <a:rPr lang="en-US" dirty="0"/>
               <a:t>&gt;= </a:t>
             </a:r>
             <a:r>
-              <a:rPr lang="ru-RU" dirty="0" smtClean="0"/>
+              <a:rPr lang="ru-RU" dirty="0"/>
               <a:t>суммы размеров её элементов</a:t>
             </a:r>
           </a:p>
@@ -3650,23 +3641,7 @@
             <a:pPr lvl="1"/>
             <a:r>
               <a:rPr lang="ru-RU" dirty="0"/>
-              <a:t>Элементы </a:t>
-            </a:r>
-            <a:r>
-              <a:rPr lang="ru-RU" dirty="0" smtClean="0"/>
-              <a:t>и </a:t>
-            </a:r>
-            <a:r>
-              <a:rPr lang="ru-RU" dirty="0"/>
-              <a:t>элементы </a:t>
-            </a:r>
-            <a:r>
-              <a:rPr lang="ru-RU" dirty="0" smtClean="0"/>
-              <a:t>элементов, имеющие встроенный тип </a:t>
-            </a:r>
-            <a:r>
-              <a:rPr lang="ru-RU" dirty="0"/>
-              <a:t>(</a:t>
+              <a:t>Элементы и элементы элементов, имеющие встроенный тип (</a:t>
             </a:r>
             <a:r>
               <a:rPr lang="en-US" dirty="0"/>
@@ -3682,29 +3657,16 @@
             </a:r>
             <a:r>
               <a:rPr lang="ru-RU" dirty="0"/>
-              <a:t>и т.п</a:t>
-            </a:r>
-            <a:r>
-              <a:rPr lang="ru-RU" dirty="0" smtClean="0"/>
-              <a:t>.), </a:t>
-            </a:r>
+              <a:t>и т.п.), хранятся по адресам, кратным их размеру </a:t>
+            </a:r>
+          </a:p>
+          <a:p>
+            <a:pPr lvl="2"/>
             <a:r>
               <a:rPr lang="ru-RU" dirty="0"/>
-              <a:t>хранятся по адресам, кратным их размеру </a:t>
-            </a:r>
-            <a:endParaRPr lang="ru-RU" dirty="0" smtClean="0"/>
-          </a:p>
-          <a:p>
-            <a:pPr lvl="2"/>
-            <a:r>
-              <a:rPr lang="ru-RU" dirty="0"/>
-              <a:t>Для этого может </a:t>
-            </a:r>
-            <a:r>
-              <a:rPr lang="ru-RU" dirty="0" smtClean="0"/>
-              <a:t>использоваться дополнительное место в памяти</a:t>
-            </a:r>
-            <a:endParaRPr lang="en-US" dirty="0" smtClean="0"/>
+              <a:t>Для этого может использоваться дополнительное место в памяти</a:t>
+            </a:r>
+            <a:endParaRPr lang="en-US" dirty="0"/>
           </a:p>
         </p:txBody>
       </p:sp>
@@ -3718,13 +3680,6 @@
   <p:clrMapOvr>
     <a:masterClrMapping/>
   </p:clrMapOvr>
-  <p:timing>
-    <p:tnLst>
-      <p:par>
-        <p:cTn id="1" dur="indefinite" restart="never" nodeType="tmRoot"/>
-      </p:par>
-    </p:tnLst>
-  </p:timing>
 </p:sld>
 </file>
 
@@ -3763,10 +3718,9 @@
           <a:lstStyle/>
           <a:p>
             <a:r>
-              <a:rPr lang="ru-RU" dirty="0" smtClean="0"/>
+              <a:rPr lang="ru-RU" dirty="0"/>
               <a:t>Размещение объединений в памяти</a:t>
             </a:r>
-            <a:endParaRPr lang="ru-RU" dirty="0"/>
           </a:p>
         </p:txBody>
       </p:sp>
@@ -3788,7 +3742,7 @@
           <a:lstStyle/>
           <a:p>
             <a:r>
-              <a:rPr lang="ru-RU" dirty="0" smtClean="0"/>
+              <a:rPr lang="ru-RU" dirty="0"/>
               <a:t>Адреса всех элементов объединения совпадают с адресом объединения</a:t>
             </a:r>
           </a:p>
@@ -3878,7 +3832,7 @@
               <a:t>hackDouble</a:t>
             </a:r>
             <a:r>
-              <a:rPr lang="en-US" dirty="0" smtClean="0">
+              <a:rPr lang="en-US" dirty="0">
                 <a:solidFill>
                   <a:srgbClr val="000000"/>
                 </a:solidFill>
@@ -3887,7 +3841,7 @@
               <a:t>;</a:t>
             </a:r>
             <a:br>
-              <a:rPr lang="en-US" dirty="0" smtClean="0">
+              <a:rPr lang="en-US" dirty="0">
                 <a:solidFill>
                   <a:srgbClr val="000000"/>
                 </a:solidFill>
@@ -3895,13 +3849,22 @@
               </a:rPr>
             </a:br>
             <a:r>
-              <a:rPr lang="en-US" dirty="0" smtClean="0">
+              <a:rPr lang="en-US" dirty="0">
                 <a:solidFill>
                   <a:srgbClr val="008000"/>
                 </a:solidFill>
                 <a:latin typeface="Consolas" panose="020B0609020204030204" pitchFamily="49" charset="0"/>
               </a:rPr>
-              <a:t>// </a:t>
+              <a:t>// &amp;</a:t>
+            </a:r>
+            <a:r>
+              <a:rPr lang="en-US" dirty="0" err="1">
+                <a:solidFill>
+                  <a:srgbClr val="008000"/>
+                </a:solidFill>
+                <a:latin typeface="Consolas" panose="020B0609020204030204" pitchFamily="49" charset="0"/>
+              </a:rPr>
+              <a:t>hackDouble</a:t>
             </a:r>
             <a:r>
               <a:rPr lang="en-US" dirty="0">
@@ -3910,7 +3873,7 @@
                 </a:solidFill>
                 <a:latin typeface="Consolas" panose="020B0609020204030204" pitchFamily="49" charset="0"/>
               </a:rPr>
-              <a:t>&amp;</a:t>
+              <a:t> == &amp;</a:t>
             </a:r>
             <a:r>
               <a:rPr lang="en-US" dirty="0" err="1">
@@ -3919,60 +3882,24 @@
                 </a:solidFill>
                 <a:latin typeface="Consolas" panose="020B0609020204030204" pitchFamily="49" charset="0"/>
               </a:rPr>
-              <a:t>hackDouble</a:t>
-            </a:r>
-            <a:r>
+              <a:t>hackDouble.LL</a:t>
+            </a:r>
+            <a:br>
               <a:rPr lang="en-US" dirty="0">
                 <a:solidFill>
                   <a:srgbClr val="008000"/>
                 </a:solidFill>
                 <a:latin typeface="Consolas" panose="020B0609020204030204" pitchFamily="49" charset="0"/>
               </a:rPr>
-              <a:t> == &amp;</a:t>
-            </a:r>
-            <a:r>
-              <a:rPr lang="en-US" dirty="0" err="1" smtClean="0">
+            </a:br>
+            <a:r>
+              <a:rPr lang="en-US" dirty="0">
                 <a:solidFill>
                   <a:srgbClr val="008000"/>
                 </a:solidFill>
                 <a:latin typeface="Consolas" panose="020B0609020204030204" pitchFamily="49" charset="0"/>
               </a:rPr>
-              <a:t>hackDouble.LL</a:t>
-            </a:r>
-            <a:r>
-              <a:rPr lang="en-US" dirty="0" smtClean="0">
-                <a:solidFill>
-                  <a:srgbClr val="008000"/>
-                </a:solidFill>
-                <a:latin typeface="Consolas" panose="020B0609020204030204" pitchFamily="49" charset="0"/>
-              </a:rPr>
-              <a:t/>
-            </a:r>
-            <a:br>
-              <a:rPr lang="en-US" dirty="0" smtClean="0">
-                <a:solidFill>
-                  <a:srgbClr val="008000"/>
-                </a:solidFill>
-                <a:latin typeface="Consolas" panose="020B0609020204030204" pitchFamily="49" charset="0"/>
-              </a:rPr>
-            </a:br>
-            <a:r>
-              <a:rPr lang="en-US" dirty="0" smtClean="0">
-                <a:solidFill>
-                  <a:srgbClr val="008000"/>
-                </a:solidFill>
-                <a:latin typeface="Consolas" panose="020B0609020204030204" pitchFamily="49" charset="0"/>
-              </a:rPr>
-              <a:t>// </a:t>
-            </a:r>
-            <a:r>
-              <a:rPr lang="en-US" dirty="0">
-                <a:solidFill>
-                  <a:srgbClr val="008000"/>
-                </a:solidFill>
-                <a:latin typeface="Consolas" panose="020B0609020204030204" pitchFamily="49" charset="0"/>
-              </a:rPr>
-              <a:t>&amp;</a:t>
+              <a:t>// &amp;</a:t>
             </a:r>
             <a:r>
               <a:rPr lang="en-US" dirty="0" err="1">
@@ -4009,7 +3936,7 @@
             </a:endParaRPr>
           </a:p>
           <a:p>
-            <a:endParaRPr lang="ru-RU" dirty="0" smtClean="0"/>
+            <a:endParaRPr lang="ru-RU" dirty="0"/>
           </a:p>
           <a:p>
             <a:r>
@@ -4051,13 +3978,6 @@
   <p:clrMapOvr>
     <a:masterClrMapping/>
   </p:clrMapOvr>
-  <p:timing>
-    <p:tnLst>
-      <p:par>
-        <p:cTn id="1" dur="indefinite" restart="never" nodeType="tmRoot"/>
-      </p:par>
-    </p:tnLst>
-  </p:timing>
 </p:sld>
 </file>
 
@@ -4100,7 +4020,7 @@
               <a:t>Пример использования </a:t>
             </a:r>
             <a:r>
-              <a:rPr lang="en-US" dirty="0" err="1" smtClean="0"/>
+              <a:rPr lang="en-US" dirty="0" err="1"/>
               <a:t>struct</a:t>
             </a:r>
             <a:endParaRPr lang="ru-RU" dirty="0"/>
@@ -4464,7 +4384,7 @@
             <a:pPr marL="68580" indent="0">
               <a:buNone/>
             </a:pPr>
-            <a:endParaRPr lang="en-US" sz="2800" dirty="0" smtClean="0"/>
+            <a:endParaRPr lang="en-US" sz="2800" dirty="0"/>
           </a:p>
         </p:txBody>
       </p:sp>
@@ -5193,13 +5113,6 @@
   <p:clrMapOvr>
     <a:masterClrMapping/>
   </p:clrMapOvr>
-  <p:timing>
-    <p:tnLst>
-      <p:par>
-        <p:cTn id="1" dur="indefinite" restart="never" nodeType="tmRoot"/>
-      </p:par>
-    </p:tnLst>
-  </p:timing>
 </p:sld>
 </file>
 
@@ -5242,7 +5155,7 @@
               <a:t>Пример </a:t>
             </a:r>
             <a:r>
-              <a:rPr lang="en-US" dirty="0" err="1" smtClean="0"/>
+              <a:rPr lang="en-US" dirty="0" err="1"/>
               <a:t>oop_main.c</a:t>
             </a:r>
             <a:endParaRPr lang="ru-RU" dirty="0"/>
@@ -5256,10 +5169,15 @@
             <a:spLocks noGrp="1"/>
           </p:cNvSpPr>
           <p:nvPr>
-            <p:ph idx="1"/>
+            <p:ph sz="half" idx="1"/>
           </p:nvPr>
         </p:nvSpPr>
-        <p:spPr/>
+        <p:spPr>
+          <a:xfrm>
+            <a:off x="609600" y="1600201"/>
+            <a:ext cx="6494512" cy="4525963"/>
+          </a:xfrm>
+        </p:spPr>
         <p:txBody>
           <a:bodyPr>
             <a:noAutofit/>
@@ -5270,7 +5188,7 @@
               <a:buNone/>
             </a:pPr>
             <a:r>
-              <a:rPr lang="en-US" sz="1000" dirty="0">
+              <a:rPr lang="en-US" sz="1600" dirty="0">
                 <a:solidFill>
                   <a:srgbClr val="808080"/>
                 </a:solidFill>
@@ -5279,7 +5197,7 @@
               <a:t>#include</a:t>
             </a:r>
             <a:r>
-              <a:rPr lang="en-US" sz="1000" dirty="0">
+              <a:rPr lang="en-US" sz="1600" dirty="0">
                 <a:solidFill>
                   <a:srgbClr val="000000"/>
                 </a:solidFill>
@@ -5288,7 +5206,7 @@
               <a:t> </a:t>
             </a:r>
             <a:r>
-              <a:rPr lang="en-US" sz="1000" dirty="0">
+              <a:rPr lang="en-US" sz="1600" dirty="0">
                 <a:solidFill>
                   <a:srgbClr val="A31515"/>
                 </a:solidFill>
@@ -5297,7 +5215,7 @@
               <a:t>"</a:t>
             </a:r>
             <a:r>
-              <a:rPr lang="en-US" sz="1000" dirty="0" err="1">
+              <a:rPr lang="en-US" sz="1600" dirty="0" err="1">
                 <a:solidFill>
                   <a:srgbClr val="A31515"/>
                 </a:solidFill>
@@ -5306,7 +5224,7 @@
               <a:t>oop_figures.h</a:t>
             </a:r>
             <a:r>
-              <a:rPr lang="en-US" sz="1000" dirty="0">
+              <a:rPr lang="en-US" sz="1600" dirty="0">
                 <a:solidFill>
                   <a:srgbClr val="A31515"/>
                 </a:solidFill>
@@ -5314,7 +5232,7 @@
               </a:rPr>
               <a:t>"</a:t>
             </a:r>
-            <a:endParaRPr lang="en-US" sz="1000" dirty="0">
+            <a:endParaRPr lang="en-US" sz="1600" dirty="0">
               <a:solidFill>
                 <a:srgbClr val="000000"/>
               </a:solidFill>
@@ -5326,7 +5244,7 @@
               <a:buNone/>
             </a:pPr>
             <a:r>
-              <a:rPr lang="en-US" sz="1000" dirty="0">
+              <a:rPr lang="en-US" sz="1600" dirty="0">
                 <a:solidFill>
                   <a:srgbClr val="808080"/>
                 </a:solidFill>
@@ -5335,7 +5253,7 @@
               <a:t>#include</a:t>
             </a:r>
             <a:r>
-              <a:rPr lang="en-US" sz="1000" dirty="0">
+              <a:rPr lang="en-US" sz="1600" dirty="0">
                 <a:solidFill>
                   <a:srgbClr val="000000"/>
                 </a:solidFill>
@@ -5344,7 +5262,7 @@
               <a:t> </a:t>
             </a:r>
             <a:r>
-              <a:rPr lang="en-US" sz="1000" dirty="0">
+              <a:rPr lang="en-US" sz="1600" dirty="0">
                 <a:solidFill>
                   <a:srgbClr val="A31515"/>
                 </a:solidFill>
@@ -5353,7 +5271,7 @@
               <a:t>"</a:t>
             </a:r>
             <a:r>
-              <a:rPr lang="en-US" sz="1000" dirty="0" err="1">
+              <a:rPr lang="en-US" sz="1600" dirty="0" err="1">
                 <a:solidFill>
                   <a:srgbClr val="A31515"/>
                 </a:solidFill>
@@ -5362,7 +5280,7 @@
               <a:t>oop_circle.h</a:t>
             </a:r>
             <a:r>
-              <a:rPr lang="en-US" sz="1000" dirty="0">
+              <a:rPr lang="en-US" sz="1600" dirty="0">
                 <a:solidFill>
                   <a:srgbClr val="A31515"/>
                 </a:solidFill>
@@ -5370,7 +5288,7 @@
               </a:rPr>
               <a:t>"</a:t>
             </a:r>
-            <a:endParaRPr lang="en-US" sz="1000" dirty="0">
+            <a:endParaRPr lang="en-US" sz="1600" dirty="0">
               <a:solidFill>
                 <a:srgbClr val="000000"/>
               </a:solidFill>
@@ -5382,7 +5300,7 @@
               <a:buNone/>
             </a:pPr>
             <a:r>
-              <a:rPr lang="en-US" sz="1000" dirty="0">
+              <a:rPr lang="en-US" sz="1600" dirty="0">
                 <a:solidFill>
                   <a:srgbClr val="808080"/>
                 </a:solidFill>
@@ -5391,7 +5309,7 @@
               <a:t>#include</a:t>
             </a:r>
             <a:r>
-              <a:rPr lang="en-US" sz="1000" dirty="0">
+              <a:rPr lang="en-US" sz="1600" dirty="0">
                 <a:solidFill>
                   <a:srgbClr val="000000"/>
                 </a:solidFill>
@@ -5400,7 +5318,7 @@
               <a:t> </a:t>
             </a:r>
             <a:r>
-              <a:rPr lang="en-US" sz="1000" dirty="0">
+              <a:rPr lang="en-US" sz="1600" dirty="0">
                 <a:solidFill>
                   <a:srgbClr val="A31515"/>
                 </a:solidFill>
@@ -5409,7 +5327,7 @@
               <a:t>"</a:t>
             </a:r>
             <a:r>
-              <a:rPr lang="en-US" sz="1000" dirty="0" err="1">
+              <a:rPr lang="en-US" sz="1600" dirty="0" err="1">
                 <a:solidFill>
                   <a:srgbClr val="A31515"/>
                 </a:solidFill>
@@ -5418,7 +5336,7 @@
               <a:t>oop_rectangle.h</a:t>
             </a:r>
             <a:r>
-              <a:rPr lang="en-US" sz="1000" dirty="0">
+              <a:rPr lang="en-US" sz="1600" dirty="0">
                 <a:solidFill>
                   <a:srgbClr val="A31515"/>
                 </a:solidFill>
@@ -5426,7 +5344,7 @@
               </a:rPr>
               <a:t>"</a:t>
             </a:r>
-            <a:endParaRPr lang="en-US" sz="1000" dirty="0">
+            <a:endParaRPr lang="en-US" sz="1600" dirty="0">
               <a:solidFill>
                 <a:srgbClr val="000000"/>
               </a:solidFill>
@@ -5438,25 +5356,16 @@
               <a:buNone/>
             </a:pPr>
             <a:r>
-              <a:rPr lang="en-US" sz="1000" dirty="0" smtClean="0">
+              <a:rPr lang="en-US" sz="1600" dirty="0">
                 <a:solidFill>
                   <a:srgbClr val="808080"/>
                 </a:solidFill>
                 <a:latin typeface="Consolas" panose="020B0609020204030204" pitchFamily="49" charset="0"/>
               </a:rPr>
-              <a:t>#</a:t>
-            </a:r>
-            <a:r>
-              <a:rPr lang="en-US" sz="1000" dirty="0">
-                <a:solidFill>
-                  <a:srgbClr val="808080"/>
-                </a:solidFill>
-                <a:latin typeface="Consolas" panose="020B0609020204030204" pitchFamily="49" charset="0"/>
-              </a:rPr>
-              <a:t>include</a:t>
-            </a:r>
-            <a:r>
-              <a:rPr lang="en-US" sz="1000" dirty="0">
+              <a:t>#include</a:t>
+            </a:r>
+            <a:r>
+              <a:rPr lang="en-US" sz="1600" dirty="0">
                 <a:solidFill>
                   <a:srgbClr val="000000"/>
                 </a:solidFill>
@@ -5465,7 +5374,7 @@
               <a:t> </a:t>
             </a:r>
             <a:r>
-              <a:rPr lang="en-US" sz="1000" dirty="0">
+              <a:rPr lang="en-US" sz="1600" dirty="0">
                 <a:solidFill>
                   <a:srgbClr val="A31515"/>
                 </a:solidFill>
@@ -5474,7 +5383,7 @@
               <a:t>&lt;</a:t>
             </a:r>
             <a:r>
-              <a:rPr lang="en-US" sz="1000" dirty="0" err="1">
+              <a:rPr lang="en-US" sz="1600" dirty="0" err="1">
                 <a:solidFill>
                   <a:srgbClr val="A31515"/>
                 </a:solidFill>
@@ -5483,7 +5392,7 @@
               <a:t>stdio.h</a:t>
             </a:r>
             <a:r>
-              <a:rPr lang="en-US" sz="1000" dirty="0">
+              <a:rPr lang="en-US" sz="1600" dirty="0">
                 <a:solidFill>
                   <a:srgbClr val="A31515"/>
                 </a:solidFill>
@@ -5491,7 +5400,12 @@
               </a:rPr>
               <a:t>&gt;</a:t>
             </a:r>
-            <a:endParaRPr lang="en-US" sz="1000" dirty="0">
+          </a:p>
+          <a:p>
+            <a:pPr marL="0" indent="0">
+              <a:buNone/>
+            </a:pPr>
+            <a:endParaRPr lang="en-US" sz="1600" dirty="0">
               <a:solidFill>
                 <a:srgbClr val="000000"/>
               </a:solidFill>
@@ -5503,7 +5417,7 @@
               <a:buNone/>
             </a:pPr>
             <a:r>
-              <a:rPr lang="en-US" sz="1000" dirty="0" smtClean="0">
+              <a:rPr lang="en-US" sz="1600" dirty="0">
                 <a:solidFill>
                   <a:srgbClr val="0000FF"/>
                 </a:solidFill>
@@ -5512,7 +5426,7 @@
               <a:t>double</a:t>
             </a:r>
             <a:r>
-              <a:rPr lang="en-US" sz="1000" dirty="0" smtClean="0">
+              <a:rPr lang="en-US" sz="1600" dirty="0">
                 <a:solidFill>
                   <a:srgbClr val="000000"/>
                 </a:solidFill>
@@ -5521,7 +5435,7 @@
               <a:t> </a:t>
             </a:r>
             <a:r>
-              <a:rPr lang="en-US" sz="1000" dirty="0" err="1">
+              <a:rPr lang="en-US" sz="1600" dirty="0" err="1">
                 <a:solidFill>
                   <a:srgbClr val="000000"/>
                 </a:solidFill>
@@ -5530,7 +5444,7 @@
               <a:t>CalcMaxArea</a:t>
             </a:r>
             <a:r>
-              <a:rPr lang="en-US" sz="1000" dirty="0">
+              <a:rPr lang="en-US" sz="1600" dirty="0">
                 <a:solidFill>
                   <a:srgbClr val="000000"/>
                 </a:solidFill>
@@ -5539,7 +5453,7 @@
               <a:t>(</a:t>
             </a:r>
             <a:r>
-              <a:rPr lang="en-US" sz="1000" dirty="0" err="1">
+              <a:rPr lang="en-US" sz="1600" dirty="0">
                 <a:solidFill>
                   <a:srgbClr val="0000FF"/>
                 </a:solidFill>
@@ -5548,7 +5462,7 @@
               <a:t>const</a:t>
             </a:r>
             <a:r>
-              <a:rPr lang="en-US" sz="1000" dirty="0">
+              <a:rPr lang="en-US" sz="1600" dirty="0">
                 <a:solidFill>
                   <a:srgbClr val="000000"/>
                 </a:solidFill>
@@ -5557,7 +5471,7 @@
               <a:t> </a:t>
             </a:r>
             <a:r>
-              <a:rPr lang="en-US" sz="1000" dirty="0" err="1">
+              <a:rPr lang="en-US" sz="1600" dirty="0" err="1">
                 <a:solidFill>
                   <a:srgbClr val="2B91AF"/>
                 </a:solidFill>
@@ -5566,7 +5480,7 @@
               <a:t>TFigure</a:t>
             </a:r>
             <a:r>
-              <a:rPr lang="en-US" sz="1000" dirty="0">
+              <a:rPr lang="en-US" sz="1600" dirty="0">
                 <a:solidFill>
                   <a:srgbClr val="000000"/>
                 </a:solidFill>
@@ -5575,16 +5489,16 @@
               <a:t> </a:t>
             </a:r>
             <a:r>
-              <a:rPr lang="en-US" sz="1000" dirty="0">
+              <a:rPr lang="en-US" sz="1600" dirty="0">
                 <a:solidFill>
                   <a:srgbClr val="808080"/>
                 </a:solidFill>
                 <a:latin typeface="Consolas" panose="020B0609020204030204" pitchFamily="49" charset="0"/>
               </a:rPr>
-              <a:t>figures</a:t>
-            </a:r>
-            <a:r>
-              <a:rPr lang="en-US" sz="1000" dirty="0">
+              <a:t>fs</a:t>
+            </a:r>
+            <a:r>
+              <a:rPr lang="en-US" sz="1600" dirty="0">
                 <a:solidFill>
                   <a:srgbClr val="000000"/>
                 </a:solidFill>
@@ -5593,7 +5507,7 @@
               <a:t>[], </a:t>
             </a:r>
             <a:r>
-              <a:rPr lang="en-US" sz="1000" dirty="0" err="1">
+              <a:rPr lang="en-US" sz="1600" dirty="0">
                 <a:solidFill>
                   <a:srgbClr val="0000FF"/>
                 </a:solidFill>
@@ -5602,7 +5516,7 @@
               <a:t>int</a:t>
             </a:r>
             <a:r>
-              <a:rPr lang="en-US" sz="1000" dirty="0">
+              <a:rPr lang="en-US" sz="1600" dirty="0">
                 <a:solidFill>
                   <a:srgbClr val="000000"/>
                 </a:solidFill>
@@ -5611,16 +5525,16 @@
               <a:t> </a:t>
             </a:r>
             <a:r>
-              <a:rPr lang="en-US" sz="1000" dirty="0" err="1">
+              <a:rPr lang="en-US" sz="1600" dirty="0">
                 <a:solidFill>
                   <a:srgbClr val="808080"/>
                 </a:solidFill>
                 <a:latin typeface="Consolas" panose="020B0609020204030204" pitchFamily="49" charset="0"/>
               </a:rPr>
-              <a:t>figureCount</a:t>
-            </a:r>
-            <a:r>
-              <a:rPr lang="en-US" sz="1000" dirty="0">
+              <a:t>n</a:t>
+            </a:r>
+            <a:r>
+              <a:rPr lang="en-US" sz="1600" dirty="0">
                 <a:solidFill>
                   <a:srgbClr val="000000"/>
                 </a:solidFill>
@@ -5634,7 +5548,161 @@
               <a:buNone/>
             </a:pPr>
             <a:r>
-              <a:rPr lang="en-US" sz="1000" dirty="0">
+              <a:rPr lang="en-US" sz="1600" dirty="0">
+                <a:solidFill>
+                  <a:srgbClr val="0000FF"/>
+                </a:solidFill>
+                <a:latin typeface="Consolas" panose="020B0609020204030204" pitchFamily="49" charset="0"/>
+              </a:rPr>
+              <a:t>  double</a:t>
+            </a:r>
+            <a:r>
+              <a:rPr lang="en-US" sz="1600" dirty="0">
+                <a:solidFill>
+                  <a:srgbClr val="000000"/>
+                </a:solidFill>
+                <a:latin typeface="Consolas" panose="020B0609020204030204" pitchFamily="49" charset="0"/>
+              </a:rPr>
+              <a:t> </a:t>
+            </a:r>
+            <a:r>
+              <a:rPr lang="en-US" sz="1600" dirty="0" err="1">
+                <a:solidFill>
+                  <a:srgbClr val="000000"/>
+                </a:solidFill>
+                <a:latin typeface="Consolas" panose="020B0609020204030204" pitchFamily="49" charset="0"/>
+              </a:rPr>
+              <a:t>maxArea</a:t>
+            </a:r>
+            <a:r>
+              <a:rPr lang="en-US" sz="1600" dirty="0">
+                <a:solidFill>
+                  <a:srgbClr val="000000"/>
+                </a:solidFill>
+                <a:latin typeface="Consolas" panose="020B0609020204030204" pitchFamily="49" charset="0"/>
+              </a:rPr>
+              <a:t> = 0;</a:t>
+            </a:r>
+          </a:p>
+          <a:p>
+            <a:pPr marL="0" indent="0">
+              <a:buNone/>
+            </a:pPr>
+            <a:r>
+              <a:rPr lang="en-US" sz="1600" dirty="0">
+                <a:solidFill>
+                  <a:srgbClr val="0000FF"/>
+                </a:solidFill>
+                <a:latin typeface="Consolas" panose="020B0609020204030204" pitchFamily="49" charset="0"/>
+              </a:rPr>
+              <a:t>  for</a:t>
+            </a:r>
+            <a:r>
+              <a:rPr lang="en-US" sz="1600" dirty="0">
+                <a:solidFill>
+                  <a:srgbClr val="000000"/>
+                </a:solidFill>
+                <a:latin typeface="Consolas" panose="020B0609020204030204" pitchFamily="49" charset="0"/>
+              </a:rPr>
+              <a:t> (</a:t>
+            </a:r>
+            <a:r>
+              <a:rPr lang="en-US" sz="1600" dirty="0">
+                <a:solidFill>
+                  <a:srgbClr val="0000FF"/>
+                </a:solidFill>
+                <a:latin typeface="Consolas" panose="020B0609020204030204" pitchFamily="49" charset="0"/>
+              </a:rPr>
+              <a:t>int</a:t>
+            </a:r>
+            <a:r>
+              <a:rPr lang="en-US" sz="1600" dirty="0">
+                <a:solidFill>
+                  <a:srgbClr val="000000"/>
+                </a:solidFill>
+                <a:latin typeface="Consolas" panose="020B0609020204030204" pitchFamily="49" charset="0"/>
+              </a:rPr>
+              <a:t> </a:t>
+            </a:r>
+            <a:r>
+              <a:rPr lang="en-US" sz="1600" dirty="0" err="1">
+                <a:solidFill>
+                  <a:srgbClr val="000000"/>
+                </a:solidFill>
+                <a:latin typeface="Consolas" panose="020B0609020204030204" pitchFamily="49" charset="0"/>
+              </a:rPr>
+              <a:t>i</a:t>
+            </a:r>
+            <a:r>
+              <a:rPr lang="en-US" sz="1600" dirty="0">
+                <a:solidFill>
+                  <a:srgbClr val="000000"/>
+                </a:solidFill>
+                <a:latin typeface="Consolas" panose="020B0609020204030204" pitchFamily="49" charset="0"/>
+              </a:rPr>
+              <a:t> = 0; </a:t>
+            </a:r>
+            <a:r>
+              <a:rPr lang="en-US" sz="1600" dirty="0" err="1">
+                <a:solidFill>
+                  <a:srgbClr val="000000"/>
+                </a:solidFill>
+                <a:latin typeface="Consolas" panose="020B0609020204030204" pitchFamily="49" charset="0"/>
+              </a:rPr>
+              <a:t>i</a:t>
+            </a:r>
+            <a:r>
+              <a:rPr lang="en-US" sz="1600" dirty="0">
+                <a:solidFill>
+                  <a:srgbClr val="000000"/>
+                </a:solidFill>
+                <a:latin typeface="Consolas" panose="020B0609020204030204" pitchFamily="49" charset="0"/>
+              </a:rPr>
+              <a:t> &lt; </a:t>
+            </a:r>
+            <a:r>
+              <a:rPr lang="en-US" sz="1600" dirty="0">
+                <a:solidFill>
+                  <a:srgbClr val="808080"/>
+                </a:solidFill>
+                <a:latin typeface="Consolas" panose="020B0609020204030204" pitchFamily="49" charset="0"/>
+              </a:rPr>
+              <a:t>n</a:t>
+            </a:r>
+            <a:r>
+              <a:rPr lang="en-US" sz="1600" dirty="0">
+                <a:solidFill>
+                  <a:srgbClr val="000000"/>
+                </a:solidFill>
+                <a:latin typeface="Consolas" panose="020B0609020204030204" pitchFamily="49" charset="0"/>
+              </a:rPr>
+              <a:t>; ++</a:t>
+            </a:r>
+            <a:r>
+              <a:rPr lang="en-US" sz="1600" dirty="0" err="1">
+                <a:solidFill>
+                  <a:srgbClr val="000000"/>
+                </a:solidFill>
+                <a:latin typeface="Consolas" panose="020B0609020204030204" pitchFamily="49" charset="0"/>
+              </a:rPr>
+              <a:t>i</a:t>
+            </a:r>
+            <a:r>
+              <a:rPr lang="en-US" sz="1600" dirty="0">
+                <a:solidFill>
+                  <a:srgbClr val="000000"/>
+                </a:solidFill>
+                <a:latin typeface="Consolas" panose="020B0609020204030204" pitchFamily="49" charset="0"/>
+              </a:rPr>
+              <a:t>) {</a:t>
+            </a:r>
+          </a:p>
+          <a:p>
+            <a:pPr marL="0" indent="0">
+              <a:buNone/>
+            </a:pPr>
+            <a:r>
+              <a:rPr lang="en-US" sz="1600" dirty="0">
                 <a:solidFill>
                   <a:srgbClr val="000000"/>
                 </a:solidFill>
@@ -5643,25 +5711,165 @@
               <a:t>    </a:t>
             </a:r>
             <a:r>
-              <a:rPr lang="en-US" sz="1000" dirty="0">
+              <a:rPr lang="en-US" sz="1600" dirty="0">
                 <a:solidFill>
                   <a:srgbClr val="0000FF"/>
                 </a:solidFill>
                 <a:latin typeface="Consolas" panose="020B0609020204030204" pitchFamily="49" charset="0"/>
               </a:rPr>
+              <a:t>const</a:t>
+            </a:r>
+            <a:r>
+              <a:rPr lang="en-US" sz="1600" dirty="0">
+                <a:solidFill>
+                  <a:srgbClr val="000000"/>
+                </a:solidFill>
+                <a:latin typeface="Consolas" panose="020B0609020204030204" pitchFamily="49" charset="0"/>
+              </a:rPr>
+              <a:t> </a:t>
+            </a:r>
+            <a:r>
+              <a:rPr lang="en-US" sz="1600" dirty="0">
+                <a:solidFill>
+                  <a:srgbClr val="0000FF"/>
+                </a:solidFill>
+                <a:latin typeface="Consolas" panose="020B0609020204030204" pitchFamily="49" charset="0"/>
+              </a:rPr>
               <a:t>double</a:t>
             </a:r>
             <a:r>
-              <a:rPr lang="en-US" sz="1000" dirty="0">
-                <a:solidFill>
-                  <a:srgbClr val="000000"/>
-                </a:solidFill>
-                <a:latin typeface="Consolas" panose="020B0609020204030204" pitchFamily="49" charset="0"/>
-              </a:rPr>
-              <a:t> </a:t>
-            </a:r>
-            <a:r>
-              <a:rPr lang="en-US" sz="1000" dirty="0" err="1">
+              <a:rPr lang="en-US" sz="1600" dirty="0">
+                <a:solidFill>
+                  <a:srgbClr val="000000"/>
+                </a:solidFill>
+                <a:latin typeface="Consolas" panose="020B0609020204030204" pitchFamily="49" charset="0"/>
+              </a:rPr>
+              <a:t> area = </a:t>
+            </a:r>
+            <a:r>
+              <a:rPr lang="en-US" sz="1600" dirty="0">
+                <a:solidFill>
+                  <a:srgbClr val="808080"/>
+                </a:solidFill>
+                <a:latin typeface="Consolas" panose="020B0609020204030204" pitchFamily="49" charset="0"/>
+              </a:rPr>
+              <a:t>fs</a:t>
+            </a:r>
+            <a:r>
+              <a:rPr lang="en-US" sz="1600" dirty="0">
+                <a:solidFill>
+                  <a:srgbClr val="000000"/>
+                </a:solidFill>
+                <a:latin typeface="Consolas" panose="020B0609020204030204" pitchFamily="49" charset="0"/>
+              </a:rPr>
+              <a:t>[</a:t>
+            </a:r>
+            <a:r>
+              <a:rPr lang="en-US" sz="1600" dirty="0" err="1">
+                <a:solidFill>
+                  <a:srgbClr val="000000"/>
+                </a:solidFill>
+                <a:latin typeface="Consolas" panose="020B0609020204030204" pitchFamily="49" charset="0"/>
+              </a:rPr>
+              <a:t>i</a:t>
+            </a:r>
+            <a:r>
+              <a:rPr lang="en-US" sz="1600" dirty="0">
+                <a:solidFill>
+                  <a:srgbClr val="000000"/>
+                </a:solidFill>
+                <a:latin typeface="Consolas" panose="020B0609020204030204" pitchFamily="49" charset="0"/>
+              </a:rPr>
+              <a:t>].</a:t>
+            </a:r>
+            <a:r>
+              <a:rPr lang="en-US" sz="1600" dirty="0" err="1">
+                <a:solidFill>
+                  <a:srgbClr val="000000"/>
+                </a:solidFill>
+                <a:latin typeface="Consolas" panose="020B0609020204030204" pitchFamily="49" charset="0"/>
+              </a:rPr>
+              <a:t>Methods.CalcArea</a:t>
+            </a:r>
+            <a:r>
+              <a:rPr lang="en-US" sz="1600" dirty="0">
+                <a:solidFill>
+                  <a:srgbClr val="000000"/>
+                </a:solidFill>
+                <a:latin typeface="Consolas" panose="020B0609020204030204" pitchFamily="49" charset="0"/>
+              </a:rPr>
+              <a:t>(&amp;</a:t>
+            </a:r>
+            <a:r>
+              <a:rPr lang="en-US" sz="1600" dirty="0">
+                <a:solidFill>
+                  <a:srgbClr val="808080"/>
+                </a:solidFill>
+                <a:latin typeface="Consolas" panose="020B0609020204030204" pitchFamily="49" charset="0"/>
+              </a:rPr>
+              <a:t>fs</a:t>
+            </a:r>
+            <a:r>
+              <a:rPr lang="en-US" sz="1600" dirty="0">
+                <a:solidFill>
+                  <a:srgbClr val="000000"/>
+                </a:solidFill>
+                <a:latin typeface="Consolas" panose="020B0609020204030204" pitchFamily="49" charset="0"/>
+              </a:rPr>
+              <a:t>[</a:t>
+            </a:r>
+            <a:r>
+              <a:rPr lang="en-US" sz="1600" dirty="0" err="1">
+                <a:solidFill>
+                  <a:srgbClr val="000000"/>
+                </a:solidFill>
+                <a:latin typeface="Consolas" panose="020B0609020204030204" pitchFamily="49" charset="0"/>
+              </a:rPr>
+              <a:t>i</a:t>
+            </a:r>
+            <a:r>
+              <a:rPr lang="en-US" sz="1600" dirty="0">
+                <a:solidFill>
+                  <a:srgbClr val="000000"/>
+                </a:solidFill>
+                <a:latin typeface="Consolas" panose="020B0609020204030204" pitchFamily="49" charset="0"/>
+              </a:rPr>
+              <a:t>]);</a:t>
+            </a:r>
+          </a:p>
+          <a:p>
+            <a:pPr marL="0" indent="0">
+              <a:buNone/>
+            </a:pPr>
+            <a:r>
+              <a:rPr lang="en-US" sz="1600" dirty="0">
+                <a:solidFill>
+                  <a:srgbClr val="000000"/>
+                </a:solidFill>
+                <a:latin typeface="Consolas" panose="020B0609020204030204" pitchFamily="49" charset="0"/>
+              </a:rPr>
+              <a:t>    </a:t>
+            </a:r>
+            <a:r>
+              <a:rPr lang="en-US" sz="1600" dirty="0">
+                <a:solidFill>
+                  <a:srgbClr val="0000FF"/>
+                </a:solidFill>
+                <a:latin typeface="Consolas" panose="020B0609020204030204" pitchFamily="49" charset="0"/>
+              </a:rPr>
+              <a:t>if</a:t>
+            </a:r>
+            <a:r>
+              <a:rPr lang="en-US" sz="1600" dirty="0">
+                <a:solidFill>
+                  <a:srgbClr val="000000"/>
+                </a:solidFill>
+                <a:latin typeface="Consolas" panose="020B0609020204030204" pitchFamily="49" charset="0"/>
+              </a:rPr>
+              <a:t> (area &gt; </a:t>
+            </a:r>
+            <a:r>
+              <a:rPr lang="en-US" sz="1600" dirty="0" err="1">
                 <a:solidFill>
                   <a:srgbClr val="000000"/>
                 </a:solidFill>
@@ -5670,13 +5878,13 @@
               <a:t>maxArea</a:t>
             </a:r>
             <a:r>
-              <a:rPr lang="en-US" sz="1000" dirty="0">
-                <a:solidFill>
-                  <a:srgbClr val="000000"/>
-                </a:solidFill>
-                <a:latin typeface="Consolas" panose="020B0609020204030204" pitchFamily="49" charset="0"/>
-              </a:rPr>
-              <a:t> = 0;</a:t>
+              <a:rPr lang="en-US" sz="1600" dirty="0">
+                <a:solidFill>
+                  <a:srgbClr val="000000"/>
+                </a:solidFill>
+                <a:latin typeface="Consolas" panose="020B0609020204030204" pitchFamily="49" charset="0"/>
+              </a:rPr>
+              <a:t>) {</a:t>
             </a:r>
           </a:p>
           <a:p>
@@ -5684,49 +5892,31 @@
               <a:buNone/>
             </a:pPr>
             <a:r>
-              <a:rPr lang="en-US" sz="1000" dirty="0">
-                <a:solidFill>
-                  <a:srgbClr val="000000"/>
-                </a:solidFill>
-                <a:latin typeface="Consolas" panose="020B0609020204030204" pitchFamily="49" charset="0"/>
-              </a:rPr>
-              <a:t>    </a:t>
-            </a:r>
-            <a:r>
-              <a:rPr lang="en-US" sz="1000" dirty="0" err="1">
-                <a:solidFill>
-                  <a:srgbClr val="0000FF"/>
-                </a:solidFill>
-                <a:latin typeface="Consolas" panose="020B0609020204030204" pitchFamily="49" charset="0"/>
-              </a:rPr>
-              <a:t>int</a:t>
-            </a:r>
-            <a:r>
-              <a:rPr lang="en-US" sz="1000" dirty="0">
-                <a:solidFill>
-                  <a:srgbClr val="000000"/>
-                </a:solidFill>
-                <a:latin typeface="Consolas" panose="020B0609020204030204" pitchFamily="49" charset="0"/>
-              </a:rPr>
-              <a:t> </a:t>
-            </a:r>
-            <a:r>
-              <a:rPr lang="en-US" sz="1000" dirty="0" err="1">
-                <a:solidFill>
-                  <a:srgbClr val="000000"/>
-                </a:solidFill>
-                <a:latin typeface="Consolas" panose="020B0609020204030204" pitchFamily="49" charset="0"/>
-              </a:rPr>
-              <a:t>figureIdx</a:t>
-            </a:r>
-            <a:r>
-              <a:rPr lang="en-US" sz="1000" dirty="0">
-                <a:solidFill>
-                  <a:srgbClr val="000000"/>
-                </a:solidFill>
-                <a:latin typeface="Consolas" panose="020B0609020204030204" pitchFamily="49" charset="0"/>
-              </a:rPr>
-              <a:t>;</a:t>
+              <a:rPr lang="en-US" sz="1600" dirty="0">
+                <a:solidFill>
+                  <a:srgbClr val="000000"/>
+                </a:solidFill>
+                <a:latin typeface="Consolas" panose="020B0609020204030204" pitchFamily="49" charset="0"/>
+              </a:rPr>
+              <a:t>      </a:t>
+            </a:r>
+            <a:r>
+              <a:rPr lang="en-US" sz="1600" dirty="0" err="1">
+                <a:solidFill>
+                  <a:srgbClr val="000000"/>
+                </a:solidFill>
+                <a:latin typeface="Consolas" panose="020B0609020204030204" pitchFamily="49" charset="0"/>
+              </a:rPr>
+              <a:t>maxArea</a:t>
+            </a:r>
+            <a:r>
+              <a:rPr lang="en-US" sz="1600" dirty="0">
+                <a:solidFill>
+                  <a:srgbClr val="000000"/>
+                </a:solidFill>
+                <a:latin typeface="Consolas" panose="020B0609020204030204" pitchFamily="49" charset="0"/>
+              </a:rPr>
+              <a:t> = area;</a:t>
             </a:r>
           </a:p>
           <a:p>
@@ -5734,350 +5924,33 @@
               <a:buNone/>
             </a:pPr>
             <a:r>
-              <a:rPr lang="en-US" sz="1000" dirty="0">
-                <a:solidFill>
-                  <a:srgbClr val="000000"/>
-                </a:solidFill>
-                <a:latin typeface="Consolas" panose="020B0609020204030204" pitchFamily="49" charset="0"/>
-              </a:rPr>
-              <a:t>    </a:t>
-            </a:r>
-            <a:r>
-              <a:rPr lang="en-US" sz="1000" dirty="0">
-                <a:solidFill>
-                  <a:srgbClr val="0000FF"/>
-                </a:solidFill>
-                <a:latin typeface="Consolas" panose="020B0609020204030204" pitchFamily="49" charset="0"/>
-              </a:rPr>
-              <a:t>for</a:t>
-            </a:r>
-            <a:r>
-              <a:rPr lang="en-US" sz="1000" dirty="0">
-                <a:solidFill>
-                  <a:srgbClr val="000000"/>
-                </a:solidFill>
-                <a:latin typeface="Consolas" panose="020B0609020204030204" pitchFamily="49" charset="0"/>
-              </a:rPr>
-              <a:t> (</a:t>
-            </a:r>
-            <a:r>
-              <a:rPr lang="en-US" sz="1000" dirty="0" err="1">
-                <a:solidFill>
-                  <a:srgbClr val="000000"/>
-                </a:solidFill>
-                <a:latin typeface="Consolas" panose="020B0609020204030204" pitchFamily="49" charset="0"/>
-              </a:rPr>
-              <a:t>figureIdx</a:t>
-            </a:r>
-            <a:r>
-              <a:rPr lang="en-US" sz="1000" dirty="0">
-                <a:solidFill>
-                  <a:srgbClr val="000000"/>
-                </a:solidFill>
-                <a:latin typeface="Consolas" panose="020B0609020204030204" pitchFamily="49" charset="0"/>
-              </a:rPr>
-              <a:t> = 0; </a:t>
-            </a:r>
-            <a:r>
-              <a:rPr lang="en-US" sz="1000" dirty="0" err="1">
-                <a:solidFill>
-                  <a:srgbClr val="000000"/>
-                </a:solidFill>
-                <a:latin typeface="Consolas" panose="020B0609020204030204" pitchFamily="49" charset="0"/>
-              </a:rPr>
-              <a:t>figureIdx</a:t>
-            </a:r>
-            <a:r>
-              <a:rPr lang="en-US" sz="1000" dirty="0">
-                <a:solidFill>
-                  <a:srgbClr val="000000"/>
-                </a:solidFill>
-                <a:latin typeface="Consolas" panose="020B0609020204030204" pitchFamily="49" charset="0"/>
-              </a:rPr>
-              <a:t> &lt; </a:t>
-            </a:r>
-            <a:r>
-              <a:rPr lang="en-US" sz="1000" dirty="0" err="1">
-                <a:solidFill>
-                  <a:srgbClr val="808080"/>
-                </a:solidFill>
-                <a:latin typeface="Consolas" panose="020B0609020204030204" pitchFamily="49" charset="0"/>
-              </a:rPr>
-              <a:t>figureCount</a:t>
-            </a:r>
-            <a:r>
-              <a:rPr lang="en-US" sz="1000" dirty="0">
-                <a:solidFill>
-                  <a:srgbClr val="000000"/>
-                </a:solidFill>
-                <a:latin typeface="Consolas" panose="020B0609020204030204" pitchFamily="49" charset="0"/>
-              </a:rPr>
-              <a:t>; ++</a:t>
-            </a:r>
-            <a:r>
-              <a:rPr lang="en-US" sz="1000" dirty="0" err="1">
-                <a:solidFill>
-                  <a:srgbClr val="000000"/>
-                </a:solidFill>
-                <a:latin typeface="Consolas" panose="020B0609020204030204" pitchFamily="49" charset="0"/>
-              </a:rPr>
-              <a:t>figureIdx</a:t>
-            </a:r>
-            <a:r>
-              <a:rPr lang="en-US" sz="1000" dirty="0">
-                <a:solidFill>
-                  <a:srgbClr val="000000"/>
-                </a:solidFill>
-                <a:latin typeface="Consolas" panose="020B0609020204030204" pitchFamily="49" charset="0"/>
-              </a:rPr>
-              <a:t>) {</a:t>
-            </a:r>
-          </a:p>
-          <a:p>
-            <a:pPr marL="0" indent="0">
-              <a:buNone/>
-            </a:pPr>
-            <a:r>
-              <a:rPr lang="en-US" sz="1000" dirty="0">
-                <a:solidFill>
-                  <a:srgbClr val="000000"/>
-                </a:solidFill>
-                <a:latin typeface="Consolas" panose="020B0609020204030204" pitchFamily="49" charset="0"/>
-              </a:rPr>
-              <a:t>        </a:t>
-            </a:r>
-            <a:r>
-              <a:rPr lang="en-US" sz="1000" dirty="0" err="1">
-                <a:solidFill>
-                  <a:srgbClr val="0000FF"/>
-                </a:solidFill>
-                <a:latin typeface="Consolas" panose="020B0609020204030204" pitchFamily="49" charset="0"/>
-              </a:rPr>
-              <a:t>const</a:t>
-            </a:r>
-            <a:r>
-              <a:rPr lang="en-US" sz="1000" dirty="0">
-                <a:solidFill>
-                  <a:srgbClr val="000000"/>
-                </a:solidFill>
-                <a:latin typeface="Consolas" panose="020B0609020204030204" pitchFamily="49" charset="0"/>
-              </a:rPr>
-              <a:t> </a:t>
-            </a:r>
-            <a:r>
-              <a:rPr lang="en-US" sz="1000" dirty="0">
-                <a:solidFill>
-                  <a:srgbClr val="0000FF"/>
-                </a:solidFill>
-                <a:latin typeface="Consolas" panose="020B0609020204030204" pitchFamily="49" charset="0"/>
-              </a:rPr>
-              <a:t>double</a:t>
-            </a:r>
-            <a:r>
-              <a:rPr lang="en-US" sz="1000" dirty="0">
-                <a:solidFill>
-                  <a:srgbClr val="000000"/>
-                </a:solidFill>
-                <a:latin typeface="Consolas" panose="020B0609020204030204" pitchFamily="49" charset="0"/>
-              </a:rPr>
-              <a:t> area = </a:t>
-            </a:r>
-            <a:r>
-              <a:rPr lang="en-US" sz="1000" dirty="0">
-                <a:solidFill>
-                  <a:srgbClr val="808080"/>
-                </a:solidFill>
-                <a:latin typeface="Consolas" panose="020B0609020204030204" pitchFamily="49" charset="0"/>
-              </a:rPr>
-              <a:t>figures</a:t>
-            </a:r>
-            <a:r>
-              <a:rPr lang="en-US" sz="1000" dirty="0">
-                <a:solidFill>
-                  <a:srgbClr val="000000"/>
-                </a:solidFill>
-                <a:latin typeface="Consolas" panose="020B0609020204030204" pitchFamily="49" charset="0"/>
-              </a:rPr>
-              <a:t>[</a:t>
-            </a:r>
-            <a:r>
-              <a:rPr lang="en-US" sz="1000" dirty="0" err="1">
-                <a:solidFill>
-                  <a:srgbClr val="000000"/>
-                </a:solidFill>
-                <a:latin typeface="Consolas" panose="020B0609020204030204" pitchFamily="49" charset="0"/>
-              </a:rPr>
-              <a:t>figureIdx</a:t>
-            </a:r>
-            <a:r>
-              <a:rPr lang="en-US" sz="1000" dirty="0">
-                <a:solidFill>
-                  <a:srgbClr val="000000"/>
-                </a:solidFill>
-                <a:latin typeface="Consolas" panose="020B0609020204030204" pitchFamily="49" charset="0"/>
-              </a:rPr>
-              <a:t>].</a:t>
-            </a:r>
-            <a:r>
-              <a:rPr lang="en-US" sz="1000" dirty="0" err="1">
-                <a:solidFill>
-                  <a:srgbClr val="000000"/>
-                </a:solidFill>
-                <a:latin typeface="Consolas" panose="020B0609020204030204" pitchFamily="49" charset="0"/>
-              </a:rPr>
-              <a:t>Methods.CalcArea</a:t>
-            </a:r>
-            <a:r>
-              <a:rPr lang="en-US" sz="1000" dirty="0">
-                <a:solidFill>
-                  <a:srgbClr val="000000"/>
-                </a:solidFill>
-                <a:latin typeface="Consolas" panose="020B0609020204030204" pitchFamily="49" charset="0"/>
-              </a:rPr>
-              <a:t>(&amp;</a:t>
-            </a:r>
-            <a:r>
-              <a:rPr lang="en-US" sz="1000" dirty="0">
-                <a:solidFill>
-                  <a:srgbClr val="808080"/>
-                </a:solidFill>
-                <a:latin typeface="Consolas" panose="020B0609020204030204" pitchFamily="49" charset="0"/>
-              </a:rPr>
-              <a:t>figures</a:t>
-            </a:r>
-            <a:r>
-              <a:rPr lang="en-US" sz="1000" dirty="0">
-                <a:solidFill>
-                  <a:srgbClr val="000000"/>
-                </a:solidFill>
-                <a:latin typeface="Consolas" panose="020B0609020204030204" pitchFamily="49" charset="0"/>
-              </a:rPr>
-              <a:t>[</a:t>
-            </a:r>
-            <a:r>
-              <a:rPr lang="en-US" sz="1000" dirty="0" err="1">
-                <a:solidFill>
-                  <a:srgbClr val="000000"/>
-                </a:solidFill>
-                <a:latin typeface="Consolas" panose="020B0609020204030204" pitchFamily="49" charset="0"/>
-              </a:rPr>
-              <a:t>figureIdx</a:t>
-            </a:r>
-            <a:r>
-              <a:rPr lang="en-US" sz="1000" dirty="0">
-                <a:solidFill>
-                  <a:srgbClr val="000000"/>
-                </a:solidFill>
-                <a:latin typeface="Consolas" panose="020B0609020204030204" pitchFamily="49" charset="0"/>
-              </a:rPr>
-              <a:t>]);</a:t>
-            </a:r>
-          </a:p>
-          <a:p>
-            <a:pPr marL="0" indent="0">
-              <a:buNone/>
-            </a:pPr>
-            <a:r>
-              <a:rPr lang="en-US" sz="1000" dirty="0">
-                <a:solidFill>
-                  <a:srgbClr val="000000"/>
-                </a:solidFill>
-                <a:latin typeface="Consolas" panose="020B0609020204030204" pitchFamily="49" charset="0"/>
-              </a:rPr>
-              <a:t>        </a:t>
-            </a:r>
-            <a:r>
-              <a:rPr lang="en-US" sz="1000" dirty="0">
-                <a:solidFill>
-                  <a:srgbClr val="0000FF"/>
-                </a:solidFill>
-                <a:latin typeface="Consolas" panose="020B0609020204030204" pitchFamily="49" charset="0"/>
-              </a:rPr>
-              <a:t>if</a:t>
-            </a:r>
-            <a:r>
-              <a:rPr lang="en-US" sz="1000" dirty="0">
-                <a:solidFill>
-                  <a:srgbClr val="000000"/>
-                </a:solidFill>
-                <a:latin typeface="Consolas" panose="020B0609020204030204" pitchFamily="49" charset="0"/>
-              </a:rPr>
-              <a:t> (area &gt; </a:t>
-            </a:r>
-            <a:r>
-              <a:rPr lang="en-US" sz="1000" dirty="0" err="1">
-                <a:solidFill>
-                  <a:srgbClr val="000000"/>
-                </a:solidFill>
-                <a:latin typeface="Consolas" panose="020B0609020204030204" pitchFamily="49" charset="0"/>
-              </a:rPr>
-              <a:t>maxArea</a:t>
-            </a:r>
-            <a:r>
-              <a:rPr lang="en-US" sz="1000" dirty="0">
-                <a:solidFill>
-                  <a:srgbClr val="000000"/>
-                </a:solidFill>
-                <a:latin typeface="Consolas" panose="020B0609020204030204" pitchFamily="49" charset="0"/>
-              </a:rPr>
-              <a:t>) {</a:t>
-            </a:r>
-          </a:p>
-          <a:p>
-            <a:pPr marL="0" indent="0">
-              <a:buNone/>
-            </a:pPr>
-            <a:r>
-              <a:rPr lang="en-US" sz="1000" dirty="0">
-                <a:solidFill>
-                  <a:srgbClr val="000000"/>
-                </a:solidFill>
-                <a:latin typeface="Consolas" panose="020B0609020204030204" pitchFamily="49" charset="0"/>
-              </a:rPr>
-              <a:t>            </a:t>
-            </a:r>
-            <a:r>
-              <a:rPr lang="en-US" sz="1000" dirty="0" err="1">
-                <a:solidFill>
-                  <a:srgbClr val="000000"/>
-                </a:solidFill>
-                <a:latin typeface="Consolas" panose="020B0609020204030204" pitchFamily="49" charset="0"/>
-              </a:rPr>
-              <a:t>maxArea</a:t>
-            </a:r>
-            <a:r>
-              <a:rPr lang="en-US" sz="1000" dirty="0">
-                <a:solidFill>
-                  <a:srgbClr val="000000"/>
-                </a:solidFill>
-                <a:latin typeface="Consolas" panose="020B0609020204030204" pitchFamily="49" charset="0"/>
-              </a:rPr>
-              <a:t> = area;</a:t>
-            </a:r>
-          </a:p>
-          <a:p>
-            <a:pPr marL="0" indent="0">
-              <a:buNone/>
-            </a:pPr>
-            <a:r>
-              <a:rPr lang="ru-RU" sz="1000" dirty="0">
-                <a:solidFill>
-                  <a:srgbClr val="000000"/>
-                </a:solidFill>
-                <a:latin typeface="Consolas" panose="020B0609020204030204" pitchFamily="49" charset="0"/>
-              </a:rPr>
-              <a:t>    </a:t>
-            </a:r>
-            <a:r>
-              <a:rPr lang="ru-RU" sz="1000" dirty="0" smtClean="0">
-                <a:solidFill>
-                  <a:srgbClr val="000000"/>
-                </a:solidFill>
-                <a:latin typeface="Consolas" panose="020B0609020204030204" pitchFamily="49" charset="0"/>
-              </a:rPr>
-              <a:t>}}</a:t>
-            </a:r>
-            <a:endParaRPr lang="ru-RU" sz="1000" dirty="0">
+              <a:rPr lang="ru-RU" sz="1600" dirty="0">
+                <a:solidFill>
+                  <a:srgbClr val="000000"/>
+                </a:solidFill>
+                <a:latin typeface="Consolas" panose="020B0609020204030204" pitchFamily="49" charset="0"/>
+              </a:rPr>
+              <a:t>  </a:t>
+            </a:r>
+            <a:r>
+              <a:rPr lang="en-US" sz="1600" dirty="0">
+                <a:solidFill>
+                  <a:srgbClr val="000000"/>
+                </a:solidFill>
+                <a:latin typeface="Consolas" panose="020B0609020204030204" pitchFamily="49" charset="0"/>
+              </a:rPr>
+              <a:t>  </a:t>
+            </a:r>
+            <a:r>
+              <a:rPr lang="ru-RU" sz="1600" dirty="0">
+                <a:solidFill>
+                  <a:srgbClr val="000000"/>
+                </a:solidFill>
+                <a:latin typeface="Consolas" panose="020B0609020204030204" pitchFamily="49" charset="0"/>
+              </a:rPr>
+              <a:t>}</a:t>
+            </a:r>
+            <a:endParaRPr lang="en-US" sz="1600" dirty="0">
               <a:solidFill>
                 <a:srgbClr val="000000"/>
               </a:solidFill>
@@ -6089,16 +5962,783 @@
               <a:buNone/>
             </a:pPr>
             <a:r>
-              <a:rPr lang="en-US" sz="1000" dirty="0">
-                <a:solidFill>
-                  <a:srgbClr val="000000"/>
+              <a:rPr lang="en-US" sz="1600" dirty="0">
+                <a:solidFill>
+                  <a:srgbClr val="000000"/>
+                </a:solidFill>
+                <a:latin typeface="Consolas" panose="020B0609020204030204" pitchFamily="49" charset="0"/>
+              </a:rPr>
+              <a:t>  </a:t>
+            </a:r>
+            <a:r>
+              <a:rPr lang="ru-RU" sz="1600" dirty="0">
+                <a:solidFill>
+                  <a:srgbClr val="000000"/>
+                </a:solidFill>
+                <a:latin typeface="Consolas" panose="020B0609020204030204" pitchFamily="49" charset="0"/>
+              </a:rPr>
+              <a:t>}</a:t>
+            </a:r>
+          </a:p>
+          <a:p>
+            <a:pPr marL="0" indent="0">
+              <a:buNone/>
+            </a:pPr>
+            <a:r>
+              <a:rPr lang="en-US" sz="1600" dirty="0">
+                <a:solidFill>
+                  <a:srgbClr val="000000"/>
+                </a:solidFill>
+                <a:latin typeface="Consolas" panose="020B0609020204030204" pitchFamily="49" charset="0"/>
+              </a:rPr>
+              <a:t>  </a:t>
+            </a:r>
+            <a:r>
+              <a:rPr lang="en-US" sz="1600" dirty="0">
+                <a:solidFill>
+                  <a:srgbClr val="0000FF"/>
+                </a:solidFill>
+                <a:latin typeface="Consolas" panose="020B0609020204030204" pitchFamily="49" charset="0"/>
+              </a:rPr>
+              <a:t>return</a:t>
+            </a:r>
+            <a:r>
+              <a:rPr lang="en-US" sz="1600" dirty="0">
+                <a:solidFill>
+                  <a:srgbClr val="000000"/>
+                </a:solidFill>
+                <a:latin typeface="Consolas" panose="020B0609020204030204" pitchFamily="49" charset="0"/>
+              </a:rPr>
+              <a:t> </a:t>
+            </a:r>
+            <a:r>
+              <a:rPr lang="en-US" sz="1600" dirty="0" err="1">
+                <a:solidFill>
+                  <a:srgbClr val="000000"/>
+                </a:solidFill>
+                <a:latin typeface="Consolas" panose="020B0609020204030204" pitchFamily="49" charset="0"/>
+              </a:rPr>
+              <a:t>maxArea</a:t>
+            </a:r>
+            <a:r>
+              <a:rPr lang="en-US" sz="1600" dirty="0">
+                <a:solidFill>
+                  <a:srgbClr val="000000"/>
+                </a:solidFill>
+                <a:latin typeface="Consolas" panose="020B0609020204030204" pitchFamily="49" charset="0"/>
+              </a:rPr>
+              <a:t>;</a:t>
+            </a:r>
+          </a:p>
+          <a:p>
+            <a:pPr marL="0" indent="0">
+              <a:buNone/>
+            </a:pPr>
+            <a:r>
+              <a:rPr lang="ru-RU" sz="1600" dirty="0">
+                <a:solidFill>
+                  <a:srgbClr val="000000"/>
+                </a:solidFill>
+                <a:latin typeface="Consolas" panose="020B0609020204030204" pitchFamily="49" charset="0"/>
+              </a:rPr>
+              <a:t>}</a:t>
+            </a:r>
+          </a:p>
+        </p:txBody>
+      </p:sp>
+      <p:sp>
+        <p:nvSpPr>
+          <p:cNvPr id="4" name="Content Placeholder 3">
+            <a:extLst>
+              <a:ext uri="{FF2B5EF4-FFF2-40B4-BE49-F238E27FC236}">
+                <a16:creationId xmlns:a16="http://schemas.microsoft.com/office/drawing/2014/main" id="{DF6E2536-F2BF-B064-A6B6-989F96FD06A4}"/>
+              </a:ext>
+            </a:extLst>
+          </p:cNvPr>
+          <p:cNvSpPr>
+            <a:spLocks noGrp="1"/>
+          </p:cNvSpPr>
+          <p:nvPr>
+            <p:ph sz="half" idx="2"/>
+          </p:nvPr>
+        </p:nvSpPr>
+        <p:spPr>
+          <a:xfrm>
+            <a:off x="7104112" y="1600201"/>
+            <a:ext cx="4478288" cy="4525963"/>
+          </a:xfrm>
+        </p:spPr>
+        <p:txBody>
+          <a:bodyPr>
+            <a:normAutofit/>
+          </a:bodyPr>
+          <a:lstStyle/>
+          <a:p>
+            <a:pPr marL="0" indent="0">
+              <a:buNone/>
+            </a:pPr>
+            <a:r>
+              <a:rPr lang="en-US" sz="1600" dirty="0">
+                <a:solidFill>
+                  <a:srgbClr val="0000FF"/>
+                </a:solidFill>
+                <a:latin typeface="Consolas" panose="020B0609020204030204" pitchFamily="49" charset="0"/>
+              </a:rPr>
+              <a:t>int</a:t>
+            </a:r>
+            <a:r>
+              <a:rPr lang="en-US" sz="1600" dirty="0">
+                <a:solidFill>
+                  <a:srgbClr val="000000"/>
+                </a:solidFill>
+                <a:latin typeface="Consolas" panose="020B0609020204030204" pitchFamily="49" charset="0"/>
+              </a:rPr>
+              <a:t> main() {</a:t>
+            </a:r>
+          </a:p>
+          <a:p>
+            <a:pPr marL="0" indent="0">
+              <a:buNone/>
+            </a:pPr>
+            <a:r>
+              <a:rPr lang="en-US" sz="1600" dirty="0">
+                <a:solidFill>
+                  <a:srgbClr val="000000"/>
+                </a:solidFill>
+                <a:latin typeface="Consolas" panose="020B0609020204030204" pitchFamily="49" charset="0"/>
+              </a:rPr>
+              <a:t>  </a:t>
+            </a:r>
+            <a:r>
+              <a:rPr lang="en-US" sz="1600" dirty="0" err="1">
+                <a:solidFill>
+                  <a:srgbClr val="2B91AF"/>
+                </a:solidFill>
+                <a:latin typeface="Consolas" panose="020B0609020204030204" pitchFamily="49" charset="0"/>
+              </a:rPr>
+              <a:t>TFigure</a:t>
+            </a:r>
+            <a:r>
+              <a:rPr lang="en-US" sz="1600" dirty="0">
+                <a:solidFill>
+                  <a:srgbClr val="000000"/>
+                </a:solidFill>
+                <a:latin typeface="Consolas" panose="020B0609020204030204" pitchFamily="49" charset="0"/>
+              </a:rPr>
+              <a:t> fs[5];</a:t>
+            </a:r>
+          </a:p>
+          <a:p>
+            <a:pPr marL="0" indent="0">
+              <a:buNone/>
+            </a:pPr>
+            <a:r>
+              <a:rPr lang="en-US" sz="1600" dirty="0">
+                <a:solidFill>
+                  <a:srgbClr val="000000"/>
+                </a:solidFill>
+                <a:latin typeface="Consolas" panose="020B0609020204030204" pitchFamily="49" charset="0"/>
+              </a:rPr>
+              <a:t>  fs[0].Rectangle </a:t>
+            </a:r>
+            <a:r>
+              <a:rPr lang="en-US" sz="1600" dirty="0">
+                <a:solidFill>
+                  <a:srgbClr val="008080"/>
+                </a:solidFill>
+                <a:latin typeface="Consolas" panose="020B0609020204030204" pitchFamily="49" charset="0"/>
+              </a:rPr>
+              <a:t>=</a:t>
+            </a:r>
+            <a:r>
+              <a:rPr lang="en-US" sz="1600" dirty="0">
+                <a:solidFill>
+                  <a:srgbClr val="000000"/>
+                </a:solidFill>
+                <a:latin typeface="Consolas" panose="020B0609020204030204" pitchFamily="49" charset="0"/>
+              </a:rPr>
+              <a:t> </a:t>
+            </a:r>
+            <a:r>
+              <a:rPr lang="en-US" sz="1600" dirty="0" err="1">
+                <a:solidFill>
+                  <a:srgbClr val="000000"/>
+                </a:solidFill>
+                <a:latin typeface="Consolas" panose="020B0609020204030204" pitchFamily="49" charset="0"/>
+              </a:rPr>
+              <a:t>MakeRectangle</a:t>
+            </a:r>
+            <a:r>
+              <a:rPr lang="en-US" sz="1600" dirty="0">
+                <a:solidFill>
+                  <a:srgbClr val="000000"/>
+                </a:solidFill>
+                <a:latin typeface="Consolas" panose="020B0609020204030204" pitchFamily="49" charset="0"/>
+              </a:rPr>
+              <a:t>(</a:t>
+            </a:r>
+            <a:endParaRPr lang="ru-RU" sz="1600" dirty="0">
+              <a:solidFill>
+                <a:srgbClr val="000000"/>
+              </a:solidFill>
+              <a:latin typeface="Consolas" panose="020B0609020204030204" pitchFamily="49" charset="0"/>
+            </a:endParaRPr>
+          </a:p>
+          <a:p>
+            <a:pPr marL="0" indent="0">
+              <a:buNone/>
+            </a:pPr>
+            <a:r>
+              <a:rPr lang="ru-RU" sz="1600" dirty="0">
+                <a:solidFill>
+                  <a:srgbClr val="008000"/>
                 </a:solidFill>
                 <a:latin typeface="Consolas" panose="020B0609020204030204" pitchFamily="49" charset="0"/>
               </a:rPr>
               <a:t>    </a:t>
             </a:r>
             <a:r>
-              <a:rPr lang="en-US" sz="1000" dirty="0">
+              <a:rPr lang="en-US" sz="1600" dirty="0">
+                <a:solidFill>
+                  <a:srgbClr val="008000"/>
+                </a:solidFill>
+                <a:latin typeface="Consolas" panose="020B0609020204030204" pitchFamily="49" charset="0"/>
+              </a:rPr>
+              <a:t>/*w*/</a:t>
+            </a:r>
+            <a:r>
+              <a:rPr lang="en-US" sz="1600" dirty="0">
+                <a:solidFill>
+                  <a:srgbClr val="000000"/>
+                </a:solidFill>
+                <a:latin typeface="Consolas" panose="020B0609020204030204" pitchFamily="49" charset="0"/>
+              </a:rPr>
+              <a:t>5, </a:t>
+            </a:r>
+            <a:r>
+              <a:rPr lang="en-US" sz="1600" dirty="0">
+                <a:solidFill>
+                  <a:srgbClr val="008000"/>
+                </a:solidFill>
+                <a:latin typeface="Consolas" panose="020B0609020204030204" pitchFamily="49" charset="0"/>
+              </a:rPr>
+              <a:t>/*h*/</a:t>
+            </a:r>
+            <a:r>
+              <a:rPr lang="en-US" sz="1600" dirty="0">
+                <a:solidFill>
+                  <a:srgbClr val="000000"/>
+                </a:solidFill>
+                <a:latin typeface="Consolas" panose="020B0609020204030204" pitchFamily="49" charset="0"/>
+              </a:rPr>
+              <a:t>3);</a:t>
+            </a:r>
+          </a:p>
+          <a:p>
+            <a:pPr marL="0" indent="0">
+              <a:buNone/>
+            </a:pPr>
+            <a:r>
+              <a:rPr lang="fr-FR" sz="1600" dirty="0">
+                <a:solidFill>
+                  <a:srgbClr val="000000"/>
+                </a:solidFill>
+                <a:latin typeface="Consolas" panose="020B0609020204030204" pitchFamily="49" charset="0"/>
+              </a:rPr>
+              <a:t>  </a:t>
+            </a:r>
+            <a:r>
+              <a:rPr lang="fr-FR" sz="1600" dirty="0" err="1">
+                <a:solidFill>
+                  <a:srgbClr val="000000"/>
+                </a:solidFill>
+                <a:latin typeface="Consolas" panose="020B0609020204030204" pitchFamily="49" charset="0"/>
+              </a:rPr>
+              <a:t>fs</a:t>
+            </a:r>
+            <a:r>
+              <a:rPr lang="fr-FR" sz="1600" dirty="0">
+                <a:solidFill>
+                  <a:srgbClr val="000000"/>
+                </a:solidFill>
+                <a:latin typeface="Consolas" panose="020B0609020204030204" pitchFamily="49" charset="0"/>
+              </a:rPr>
+              <a:t>[1].Circle </a:t>
+            </a:r>
+            <a:r>
+              <a:rPr lang="fr-FR" sz="1600" dirty="0">
+                <a:solidFill>
+                  <a:srgbClr val="008080"/>
+                </a:solidFill>
+                <a:latin typeface="Consolas" panose="020B0609020204030204" pitchFamily="49" charset="0"/>
+              </a:rPr>
+              <a:t>=</a:t>
+            </a:r>
+            <a:r>
+              <a:rPr lang="fr-FR" sz="1600" dirty="0">
+                <a:solidFill>
+                  <a:srgbClr val="000000"/>
+                </a:solidFill>
+                <a:latin typeface="Consolas" panose="020B0609020204030204" pitchFamily="49" charset="0"/>
+              </a:rPr>
+              <a:t> </a:t>
+            </a:r>
+            <a:r>
+              <a:rPr lang="fr-FR" sz="1600" dirty="0" err="1">
+                <a:solidFill>
+                  <a:srgbClr val="000000"/>
+                </a:solidFill>
+                <a:latin typeface="Consolas" panose="020B0609020204030204" pitchFamily="49" charset="0"/>
+              </a:rPr>
+              <a:t>MakeCircle</a:t>
+            </a:r>
+            <a:r>
+              <a:rPr lang="fr-FR" sz="1600" dirty="0">
+                <a:solidFill>
+                  <a:srgbClr val="000000"/>
+                </a:solidFill>
+                <a:latin typeface="Consolas" panose="020B0609020204030204" pitchFamily="49" charset="0"/>
+              </a:rPr>
+              <a:t>(</a:t>
+            </a:r>
+            <a:r>
+              <a:rPr lang="fr-FR" sz="1600" dirty="0">
+                <a:solidFill>
+                  <a:srgbClr val="008000"/>
+                </a:solidFill>
+                <a:latin typeface="Consolas" panose="020B0609020204030204" pitchFamily="49" charset="0"/>
+              </a:rPr>
+              <a:t>/*r*/</a:t>
+            </a:r>
+            <a:r>
+              <a:rPr lang="fr-FR" sz="1600" dirty="0">
+                <a:solidFill>
+                  <a:srgbClr val="000000"/>
+                </a:solidFill>
+                <a:latin typeface="Consolas" panose="020B0609020204030204" pitchFamily="49" charset="0"/>
+              </a:rPr>
+              <a:t>3);</a:t>
+            </a:r>
+          </a:p>
+          <a:p>
+            <a:pPr marL="0" indent="0">
+              <a:buNone/>
+            </a:pPr>
+            <a:r>
+              <a:rPr lang="en-US" sz="1600" dirty="0">
+                <a:solidFill>
+                  <a:srgbClr val="000000"/>
+                </a:solidFill>
+                <a:latin typeface="Consolas" panose="020B0609020204030204" pitchFamily="49" charset="0"/>
+              </a:rPr>
+              <a:t>  fs[2].Rectangle </a:t>
+            </a:r>
+            <a:r>
+              <a:rPr lang="en-US" sz="1600" dirty="0">
+                <a:solidFill>
+                  <a:srgbClr val="008080"/>
+                </a:solidFill>
+                <a:latin typeface="Consolas" panose="020B0609020204030204" pitchFamily="49" charset="0"/>
+              </a:rPr>
+              <a:t>=</a:t>
+            </a:r>
+            <a:r>
+              <a:rPr lang="en-US" sz="1600" dirty="0">
+                <a:solidFill>
+                  <a:srgbClr val="000000"/>
+                </a:solidFill>
+                <a:latin typeface="Consolas" panose="020B0609020204030204" pitchFamily="49" charset="0"/>
+              </a:rPr>
+              <a:t> </a:t>
+            </a:r>
+            <a:r>
+              <a:rPr lang="en-US" sz="1600" dirty="0" err="1">
+                <a:solidFill>
+                  <a:srgbClr val="000000"/>
+                </a:solidFill>
+                <a:latin typeface="Consolas" panose="020B0609020204030204" pitchFamily="49" charset="0"/>
+              </a:rPr>
+              <a:t>MakeRectangle</a:t>
+            </a:r>
+            <a:r>
+              <a:rPr lang="en-US" sz="1600" dirty="0">
+                <a:solidFill>
+                  <a:srgbClr val="000000"/>
+                </a:solidFill>
+                <a:latin typeface="Consolas" panose="020B0609020204030204" pitchFamily="49" charset="0"/>
+              </a:rPr>
+              <a:t>(</a:t>
+            </a:r>
+            <a:endParaRPr lang="ru-RU" sz="1600" dirty="0">
+              <a:solidFill>
+                <a:srgbClr val="000000"/>
+              </a:solidFill>
+              <a:latin typeface="Consolas" panose="020B0609020204030204" pitchFamily="49" charset="0"/>
+            </a:endParaRPr>
+          </a:p>
+          <a:p>
+            <a:pPr marL="0" indent="0">
+              <a:buNone/>
+            </a:pPr>
+            <a:r>
+              <a:rPr lang="ru-RU" sz="1600" dirty="0">
+                <a:solidFill>
+                  <a:srgbClr val="000000"/>
+                </a:solidFill>
+                <a:latin typeface="Consolas" panose="020B0609020204030204" pitchFamily="49" charset="0"/>
+              </a:rPr>
+              <a:t>    </a:t>
+            </a:r>
+            <a:r>
+              <a:rPr lang="en-US" sz="1600" dirty="0">
+                <a:solidFill>
+                  <a:srgbClr val="008000"/>
+                </a:solidFill>
+                <a:latin typeface="Consolas" panose="020B0609020204030204" pitchFamily="49" charset="0"/>
+              </a:rPr>
+              <a:t>/*w*/</a:t>
+            </a:r>
+            <a:r>
+              <a:rPr lang="en-US" sz="1600" dirty="0">
+                <a:solidFill>
+                  <a:srgbClr val="000000"/>
+                </a:solidFill>
+                <a:latin typeface="Consolas" panose="020B0609020204030204" pitchFamily="49" charset="0"/>
+              </a:rPr>
+              <a:t>2, </a:t>
+            </a:r>
+            <a:r>
+              <a:rPr lang="en-US" sz="1600" dirty="0">
+                <a:solidFill>
+                  <a:srgbClr val="008000"/>
+                </a:solidFill>
+                <a:latin typeface="Consolas" panose="020B0609020204030204" pitchFamily="49" charset="0"/>
+              </a:rPr>
+              <a:t>/*h*/</a:t>
+            </a:r>
+            <a:r>
+              <a:rPr lang="en-US" sz="1600" dirty="0">
+                <a:solidFill>
+                  <a:srgbClr val="000000"/>
+                </a:solidFill>
+                <a:latin typeface="Consolas" panose="020B0609020204030204" pitchFamily="49" charset="0"/>
+              </a:rPr>
+              <a:t>9);</a:t>
+            </a:r>
+          </a:p>
+          <a:p>
+            <a:pPr marL="0" indent="0">
+              <a:buNone/>
+            </a:pPr>
+            <a:r>
+              <a:rPr lang="fr-FR" sz="1600" dirty="0">
+                <a:solidFill>
+                  <a:srgbClr val="000000"/>
+                </a:solidFill>
+                <a:latin typeface="Consolas" panose="020B0609020204030204" pitchFamily="49" charset="0"/>
+              </a:rPr>
+              <a:t>  </a:t>
+            </a:r>
+            <a:r>
+              <a:rPr lang="fr-FR" sz="1600" dirty="0" err="1">
+                <a:solidFill>
+                  <a:srgbClr val="000000"/>
+                </a:solidFill>
+                <a:latin typeface="Consolas" panose="020B0609020204030204" pitchFamily="49" charset="0"/>
+              </a:rPr>
+              <a:t>fs</a:t>
+            </a:r>
+            <a:r>
+              <a:rPr lang="fr-FR" sz="1600" dirty="0">
+                <a:solidFill>
+                  <a:srgbClr val="000000"/>
+                </a:solidFill>
+                <a:latin typeface="Consolas" panose="020B0609020204030204" pitchFamily="49" charset="0"/>
+              </a:rPr>
+              <a:t>[3].Circle </a:t>
+            </a:r>
+            <a:r>
+              <a:rPr lang="fr-FR" sz="1600" dirty="0">
+                <a:solidFill>
+                  <a:srgbClr val="008080"/>
+                </a:solidFill>
+                <a:latin typeface="Consolas" panose="020B0609020204030204" pitchFamily="49" charset="0"/>
+              </a:rPr>
+              <a:t>=</a:t>
+            </a:r>
+            <a:r>
+              <a:rPr lang="fr-FR" sz="1600" dirty="0">
+                <a:solidFill>
+                  <a:srgbClr val="000000"/>
+                </a:solidFill>
+                <a:latin typeface="Consolas" panose="020B0609020204030204" pitchFamily="49" charset="0"/>
+              </a:rPr>
+              <a:t> </a:t>
+            </a:r>
+            <a:r>
+              <a:rPr lang="fr-FR" sz="1600" dirty="0" err="1">
+                <a:solidFill>
+                  <a:srgbClr val="000000"/>
+                </a:solidFill>
+                <a:latin typeface="Consolas" panose="020B0609020204030204" pitchFamily="49" charset="0"/>
+              </a:rPr>
+              <a:t>MakeCircle</a:t>
+            </a:r>
+            <a:r>
+              <a:rPr lang="fr-FR" sz="1600" dirty="0">
+                <a:solidFill>
+                  <a:srgbClr val="000000"/>
+                </a:solidFill>
+                <a:latin typeface="Consolas" panose="020B0609020204030204" pitchFamily="49" charset="0"/>
+              </a:rPr>
+              <a:t>(</a:t>
+            </a:r>
+            <a:r>
+              <a:rPr lang="fr-FR" sz="1600" dirty="0">
+                <a:solidFill>
+                  <a:srgbClr val="008000"/>
+                </a:solidFill>
+                <a:latin typeface="Consolas" panose="020B0609020204030204" pitchFamily="49" charset="0"/>
+              </a:rPr>
+              <a:t>/*r*/</a:t>
+            </a:r>
+            <a:r>
+              <a:rPr lang="fr-FR" sz="1600" dirty="0">
+                <a:solidFill>
+                  <a:srgbClr val="000000"/>
+                </a:solidFill>
+                <a:latin typeface="Consolas" panose="020B0609020204030204" pitchFamily="49" charset="0"/>
+              </a:rPr>
+              <a:t>7);</a:t>
+            </a:r>
+          </a:p>
+          <a:p>
+            <a:pPr marL="0" indent="0">
+              <a:buNone/>
+            </a:pPr>
+            <a:r>
+              <a:rPr lang="en-US" sz="1600" dirty="0">
+                <a:solidFill>
+                  <a:srgbClr val="000000"/>
+                </a:solidFill>
+                <a:latin typeface="Consolas" panose="020B0609020204030204" pitchFamily="49" charset="0"/>
+              </a:rPr>
+              <a:t>  fs[4].Rectangle </a:t>
+            </a:r>
+            <a:r>
+              <a:rPr lang="en-US" sz="1600" dirty="0">
+                <a:solidFill>
+                  <a:srgbClr val="008080"/>
+                </a:solidFill>
+                <a:latin typeface="Consolas" panose="020B0609020204030204" pitchFamily="49" charset="0"/>
+              </a:rPr>
+              <a:t>=</a:t>
+            </a:r>
+            <a:r>
+              <a:rPr lang="en-US" sz="1600" dirty="0">
+                <a:solidFill>
+                  <a:srgbClr val="000000"/>
+                </a:solidFill>
+                <a:latin typeface="Consolas" panose="020B0609020204030204" pitchFamily="49" charset="0"/>
+              </a:rPr>
+              <a:t> </a:t>
+            </a:r>
+            <a:r>
+              <a:rPr lang="en-US" sz="1600" dirty="0" err="1">
+                <a:solidFill>
+                  <a:srgbClr val="000000"/>
+                </a:solidFill>
+                <a:latin typeface="Consolas" panose="020B0609020204030204" pitchFamily="49" charset="0"/>
+              </a:rPr>
+              <a:t>MakeRectangle</a:t>
+            </a:r>
+            <a:r>
+              <a:rPr lang="en-US" sz="1600" dirty="0">
+                <a:solidFill>
+                  <a:srgbClr val="000000"/>
+                </a:solidFill>
+                <a:latin typeface="Consolas" panose="020B0609020204030204" pitchFamily="49" charset="0"/>
+              </a:rPr>
+              <a:t>(</a:t>
+            </a:r>
+            <a:endParaRPr lang="ru-RU" sz="1600" dirty="0">
+              <a:solidFill>
+                <a:srgbClr val="000000"/>
+              </a:solidFill>
+              <a:latin typeface="Consolas" panose="020B0609020204030204" pitchFamily="49" charset="0"/>
+            </a:endParaRPr>
+          </a:p>
+          <a:p>
+            <a:pPr marL="0" indent="0">
+              <a:buNone/>
+            </a:pPr>
+            <a:r>
+              <a:rPr lang="ru-RU" sz="1600" dirty="0">
+                <a:solidFill>
+                  <a:srgbClr val="000000"/>
+                </a:solidFill>
+                <a:latin typeface="Consolas" panose="020B0609020204030204" pitchFamily="49" charset="0"/>
+              </a:rPr>
+              <a:t>    </a:t>
+            </a:r>
+            <a:r>
+              <a:rPr lang="en-US" sz="1600" dirty="0">
+                <a:solidFill>
+                  <a:srgbClr val="008000"/>
+                </a:solidFill>
+                <a:latin typeface="Consolas" panose="020B0609020204030204" pitchFamily="49" charset="0"/>
+              </a:rPr>
+              <a:t>/*w*/</a:t>
+            </a:r>
+            <a:r>
+              <a:rPr lang="en-US" sz="1600" dirty="0">
+                <a:solidFill>
+                  <a:srgbClr val="000000"/>
+                </a:solidFill>
+                <a:latin typeface="Consolas" panose="020B0609020204030204" pitchFamily="49" charset="0"/>
+              </a:rPr>
+              <a:t>3, </a:t>
+            </a:r>
+            <a:r>
+              <a:rPr lang="en-US" sz="1600" dirty="0">
+                <a:solidFill>
+                  <a:srgbClr val="008000"/>
+                </a:solidFill>
+                <a:latin typeface="Consolas" panose="020B0609020204030204" pitchFamily="49" charset="0"/>
+              </a:rPr>
+              <a:t>/*h*/</a:t>
+            </a:r>
+            <a:r>
+              <a:rPr lang="en-US" sz="1600" dirty="0">
+                <a:solidFill>
+                  <a:srgbClr val="000000"/>
+                </a:solidFill>
+                <a:latin typeface="Consolas" panose="020B0609020204030204" pitchFamily="49" charset="0"/>
+              </a:rPr>
+              <a:t>7);</a:t>
+            </a:r>
+          </a:p>
+          <a:p>
+            <a:pPr marL="0" indent="0">
+              <a:buNone/>
+            </a:pPr>
+            <a:r>
+              <a:rPr lang="en-US" sz="1600" dirty="0">
+                <a:solidFill>
+                  <a:srgbClr val="000000"/>
+                </a:solidFill>
+                <a:latin typeface="Consolas" panose="020B0609020204030204" pitchFamily="49" charset="0"/>
+              </a:rPr>
+              <a:t>  </a:t>
+            </a:r>
+            <a:r>
+              <a:rPr lang="en-US" sz="1600" dirty="0" err="1">
+                <a:solidFill>
+                  <a:srgbClr val="000000"/>
+                </a:solidFill>
+                <a:latin typeface="Consolas" panose="020B0609020204030204" pitchFamily="49" charset="0"/>
+              </a:rPr>
+              <a:t>printf</a:t>
+            </a:r>
+            <a:r>
+              <a:rPr lang="en-US" sz="1600" dirty="0">
+                <a:solidFill>
+                  <a:srgbClr val="000000"/>
+                </a:solidFill>
+                <a:latin typeface="Consolas" panose="020B0609020204030204" pitchFamily="49" charset="0"/>
+              </a:rPr>
+              <a:t>(</a:t>
+            </a:r>
+            <a:r>
+              <a:rPr lang="en-US" sz="1600" dirty="0">
+                <a:solidFill>
+                  <a:srgbClr val="A31515"/>
+                </a:solidFill>
+                <a:latin typeface="Consolas" panose="020B0609020204030204" pitchFamily="49" charset="0"/>
+              </a:rPr>
+              <a:t>"Maximum area is %f\n"</a:t>
+            </a:r>
+            <a:r>
+              <a:rPr lang="en-US" sz="1600" dirty="0">
+                <a:solidFill>
+                  <a:srgbClr val="000000"/>
+                </a:solidFill>
+                <a:latin typeface="Consolas" panose="020B0609020204030204" pitchFamily="49" charset="0"/>
+              </a:rPr>
+              <a:t>,</a:t>
+            </a:r>
+            <a:endParaRPr lang="ru-RU" sz="1600" dirty="0">
+              <a:solidFill>
+                <a:srgbClr val="000000"/>
+              </a:solidFill>
+              <a:latin typeface="Consolas" panose="020B0609020204030204" pitchFamily="49" charset="0"/>
+            </a:endParaRPr>
+          </a:p>
+          <a:p>
+            <a:pPr marL="0" indent="0">
+              <a:buNone/>
+            </a:pPr>
+            <a:r>
+              <a:rPr lang="ru-RU" sz="1600" dirty="0">
+                <a:solidFill>
+                  <a:srgbClr val="000000"/>
+                </a:solidFill>
+                <a:latin typeface="Consolas" panose="020B0609020204030204" pitchFamily="49" charset="0"/>
+              </a:rPr>
+              <a:t>    </a:t>
+            </a:r>
+            <a:r>
+              <a:rPr lang="en-US" sz="1600" dirty="0" err="1">
+                <a:solidFill>
+                  <a:srgbClr val="000000"/>
+                </a:solidFill>
+                <a:latin typeface="Consolas" panose="020B0609020204030204" pitchFamily="49" charset="0"/>
+              </a:rPr>
+              <a:t>CalcMaxArea</a:t>
+            </a:r>
+            <a:r>
+              <a:rPr lang="en-US" sz="1600" dirty="0">
+                <a:solidFill>
+                  <a:srgbClr val="000000"/>
+                </a:solidFill>
+                <a:latin typeface="Consolas" panose="020B0609020204030204" pitchFamily="49" charset="0"/>
+              </a:rPr>
+              <a:t>(fs, </a:t>
+            </a:r>
+            <a:r>
+              <a:rPr lang="en-US" sz="1600" dirty="0">
+                <a:solidFill>
+                  <a:srgbClr val="008000"/>
+                </a:solidFill>
+                <a:latin typeface="Consolas" panose="020B0609020204030204" pitchFamily="49" charset="0"/>
+              </a:rPr>
+              <a:t>/*n*/</a:t>
+            </a:r>
+            <a:r>
+              <a:rPr lang="en-US" sz="1600" dirty="0">
+                <a:solidFill>
+                  <a:srgbClr val="000000"/>
+                </a:solidFill>
+                <a:latin typeface="Consolas" panose="020B0609020204030204" pitchFamily="49" charset="0"/>
+              </a:rPr>
+              <a:t>5));</a:t>
+            </a:r>
+          </a:p>
+          <a:p>
+            <a:pPr marL="0" indent="0">
+              <a:buNone/>
+            </a:pPr>
+            <a:r>
+              <a:rPr lang="en-US" sz="1600" dirty="0">
+                <a:solidFill>
+                  <a:srgbClr val="000000"/>
+                </a:solidFill>
+                <a:latin typeface="Consolas" panose="020B0609020204030204" pitchFamily="49" charset="0"/>
+              </a:rPr>
+              <a:t>  </a:t>
+            </a:r>
+            <a:r>
+              <a:rPr lang="en-US" sz="1600" dirty="0">
                 <a:solidFill>
                   <a:srgbClr val="0000FF"/>
                 </a:solidFill>
@@ -6107,31 +6747,13 @@
               <a:t>return</a:t>
             </a:r>
             <a:r>
-              <a:rPr lang="en-US" sz="1000" dirty="0">
-                <a:solidFill>
-                  <a:srgbClr val="000000"/>
-                </a:solidFill>
-                <a:latin typeface="Consolas" panose="020B0609020204030204" pitchFamily="49" charset="0"/>
-              </a:rPr>
-              <a:t> </a:t>
-            </a:r>
-            <a:r>
-              <a:rPr lang="en-US" sz="1000" dirty="0" err="1">
-                <a:solidFill>
-                  <a:srgbClr val="000000"/>
-                </a:solidFill>
-                <a:latin typeface="Consolas" panose="020B0609020204030204" pitchFamily="49" charset="0"/>
-              </a:rPr>
-              <a:t>maxArea</a:t>
-            </a:r>
-            <a:r>
-              <a:rPr lang="en-US" sz="1000" dirty="0">
-                <a:solidFill>
-                  <a:srgbClr val="000000"/>
-                </a:solidFill>
-                <a:latin typeface="Consolas" panose="020B0609020204030204" pitchFamily="49" charset="0"/>
-              </a:rPr>
-              <a:t>;</a:t>
+              <a:rPr lang="en-US" sz="1600" dirty="0">
+                <a:solidFill>
+                  <a:srgbClr val="000000"/>
+                </a:solidFill>
+                <a:latin typeface="Consolas" panose="020B0609020204030204" pitchFamily="49" charset="0"/>
+              </a:rPr>
+              <a:t> 0;</a:t>
             </a:r>
           </a:p>
           <a:p>
@@ -6139,7 +6761,7 @@
               <a:buNone/>
             </a:pPr>
             <a:r>
-              <a:rPr lang="ru-RU" sz="1000" dirty="0">
+              <a:rPr lang="ru-RU" sz="1600" dirty="0">
                 <a:solidFill>
                   <a:srgbClr val="000000"/>
                 </a:solidFill>
@@ -6149,571 +6771,8 @@
             </a:r>
           </a:p>
           <a:p>
-            <a:pPr marL="0" indent="0">
-              <a:buNone/>
-            </a:pPr>
-            <a:r>
-              <a:rPr lang="en-US" sz="1000" dirty="0" err="1" smtClean="0">
-                <a:solidFill>
-                  <a:srgbClr val="0000FF"/>
-                </a:solidFill>
-                <a:latin typeface="Consolas" panose="020B0609020204030204" pitchFamily="49" charset="0"/>
-              </a:rPr>
-              <a:t>int</a:t>
-            </a:r>
-            <a:r>
-              <a:rPr lang="en-US" sz="1000" dirty="0" smtClean="0">
-                <a:solidFill>
-                  <a:srgbClr val="000000"/>
-                </a:solidFill>
-                <a:latin typeface="Consolas" panose="020B0609020204030204" pitchFamily="49" charset="0"/>
-              </a:rPr>
-              <a:t> main() {</a:t>
-            </a:r>
-          </a:p>
-          <a:p>
-            <a:pPr marL="0" indent="0">
-              <a:buNone/>
-            </a:pPr>
-            <a:r>
-              <a:rPr lang="en-US" sz="1000" dirty="0" smtClean="0">
-                <a:solidFill>
-                  <a:srgbClr val="000000"/>
-                </a:solidFill>
-                <a:latin typeface="Consolas" panose="020B0609020204030204" pitchFamily="49" charset="0"/>
-              </a:rPr>
-              <a:t>    </a:t>
-            </a:r>
-            <a:r>
-              <a:rPr lang="en-US" sz="1000" dirty="0" err="1" smtClean="0">
-                <a:solidFill>
-                  <a:srgbClr val="2B91AF"/>
-                </a:solidFill>
-                <a:latin typeface="Consolas" panose="020B0609020204030204" pitchFamily="49" charset="0"/>
-              </a:rPr>
-              <a:t>TFigure</a:t>
-            </a:r>
-            <a:r>
-              <a:rPr lang="en-US" sz="1000" dirty="0" smtClean="0">
-                <a:solidFill>
-                  <a:srgbClr val="000000"/>
-                </a:solidFill>
-                <a:latin typeface="Consolas" panose="020B0609020204030204" pitchFamily="49" charset="0"/>
-              </a:rPr>
-              <a:t> figures[5];</a:t>
-            </a:r>
-          </a:p>
-          <a:p>
-            <a:pPr marL="0" indent="0">
-              <a:buNone/>
-            </a:pPr>
-            <a:r>
-              <a:rPr lang="en-US" sz="1000" dirty="0" smtClean="0">
-                <a:solidFill>
-                  <a:srgbClr val="000000"/>
-                </a:solidFill>
-                <a:latin typeface="Consolas" panose="020B0609020204030204" pitchFamily="49" charset="0"/>
-              </a:rPr>
-              <a:t>    figures[0].Rectangle </a:t>
-            </a:r>
-            <a:r>
-              <a:rPr lang="en-US" sz="1000" dirty="0" smtClean="0">
-                <a:solidFill>
-                  <a:srgbClr val="008080"/>
-                </a:solidFill>
-                <a:latin typeface="Consolas" panose="020B0609020204030204" pitchFamily="49" charset="0"/>
-              </a:rPr>
-              <a:t>=</a:t>
-            </a:r>
-            <a:r>
-              <a:rPr lang="en-US" sz="1000" dirty="0" smtClean="0">
-                <a:solidFill>
-                  <a:srgbClr val="000000"/>
-                </a:solidFill>
-                <a:latin typeface="Consolas" panose="020B0609020204030204" pitchFamily="49" charset="0"/>
-              </a:rPr>
-              <a:t> </a:t>
-            </a:r>
-            <a:r>
-              <a:rPr lang="en-US" sz="1000" dirty="0" err="1" smtClean="0">
-                <a:solidFill>
-                  <a:srgbClr val="000000"/>
-                </a:solidFill>
-                <a:latin typeface="Consolas" panose="020B0609020204030204" pitchFamily="49" charset="0"/>
-              </a:rPr>
-              <a:t>MakeRectangle</a:t>
-            </a:r>
-            <a:r>
-              <a:rPr lang="en-US" sz="1000" dirty="0" smtClean="0">
-                <a:solidFill>
-                  <a:srgbClr val="000000"/>
-                </a:solidFill>
-                <a:latin typeface="Consolas" panose="020B0609020204030204" pitchFamily="49" charset="0"/>
-              </a:rPr>
-              <a:t>(</a:t>
-            </a:r>
-            <a:r>
-              <a:rPr lang="en-US" sz="1000" dirty="0" smtClean="0">
-                <a:solidFill>
-                  <a:srgbClr val="008000"/>
-                </a:solidFill>
-                <a:latin typeface="Consolas" panose="020B0609020204030204" pitchFamily="49" charset="0"/>
-              </a:rPr>
-              <a:t>/*width*/</a:t>
-            </a:r>
-            <a:r>
-              <a:rPr lang="en-US" sz="1000" dirty="0" smtClean="0">
-                <a:solidFill>
-                  <a:srgbClr val="000000"/>
-                </a:solidFill>
-                <a:latin typeface="Consolas" panose="020B0609020204030204" pitchFamily="49" charset="0"/>
-              </a:rPr>
-              <a:t>5, </a:t>
-            </a:r>
-            <a:r>
-              <a:rPr lang="en-US" sz="1000" dirty="0" smtClean="0">
-                <a:solidFill>
-                  <a:srgbClr val="008000"/>
-                </a:solidFill>
-                <a:latin typeface="Consolas" panose="020B0609020204030204" pitchFamily="49" charset="0"/>
-              </a:rPr>
-              <a:t>/*height*/</a:t>
-            </a:r>
-            <a:r>
-              <a:rPr lang="en-US" sz="1000" dirty="0" smtClean="0">
-                <a:solidFill>
-                  <a:srgbClr val="000000"/>
-                </a:solidFill>
-                <a:latin typeface="Consolas" panose="020B0609020204030204" pitchFamily="49" charset="0"/>
-              </a:rPr>
-              <a:t>3);</a:t>
-            </a:r>
-          </a:p>
-          <a:p>
-            <a:pPr marL="0" indent="0">
-              <a:buNone/>
-            </a:pPr>
-            <a:r>
-              <a:rPr lang="fr-FR" sz="1000" dirty="0" smtClean="0">
-                <a:solidFill>
-                  <a:srgbClr val="000000"/>
-                </a:solidFill>
-                <a:latin typeface="Consolas" panose="020B0609020204030204" pitchFamily="49" charset="0"/>
-              </a:rPr>
-              <a:t>    figures[1].Circle </a:t>
-            </a:r>
-            <a:r>
-              <a:rPr lang="fr-FR" sz="1000" dirty="0" smtClean="0">
-                <a:solidFill>
-                  <a:srgbClr val="008080"/>
-                </a:solidFill>
-                <a:latin typeface="Consolas" panose="020B0609020204030204" pitchFamily="49" charset="0"/>
-              </a:rPr>
-              <a:t>=</a:t>
-            </a:r>
-            <a:r>
-              <a:rPr lang="fr-FR" sz="1000" dirty="0" smtClean="0">
-                <a:solidFill>
-                  <a:srgbClr val="000000"/>
-                </a:solidFill>
-                <a:latin typeface="Consolas" panose="020B0609020204030204" pitchFamily="49" charset="0"/>
-              </a:rPr>
-              <a:t> MakeCircle(</a:t>
-            </a:r>
-            <a:r>
-              <a:rPr lang="fr-FR" sz="1000" dirty="0" smtClean="0">
-                <a:solidFill>
-                  <a:srgbClr val="008000"/>
-                </a:solidFill>
-                <a:latin typeface="Consolas" panose="020B0609020204030204" pitchFamily="49" charset="0"/>
-              </a:rPr>
-              <a:t>/*radius*/</a:t>
-            </a:r>
-            <a:r>
-              <a:rPr lang="fr-FR" sz="1000" dirty="0" smtClean="0">
-                <a:solidFill>
-                  <a:srgbClr val="000000"/>
-                </a:solidFill>
-                <a:latin typeface="Consolas" panose="020B0609020204030204" pitchFamily="49" charset="0"/>
-              </a:rPr>
-              <a:t>3);</a:t>
-            </a:r>
-          </a:p>
-          <a:p>
-            <a:pPr marL="0" indent="0">
-              <a:buNone/>
-            </a:pPr>
-            <a:r>
-              <a:rPr lang="en-US" sz="1000" dirty="0" smtClean="0">
-                <a:solidFill>
-                  <a:srgbClr val="000000"/>
-                </a:solidFill>
-                <a:latin typeface="Consolas" panose="020B0609020204030204" pitchFamily="49" charset="0"/>
-              </a:rPr>
-              <a:t>    figures[2].Rectangle </a:t>
-            </a:r>
-            <a:r>
-              <a:rPr lang="en-US" sz="1000" dirty="0" smtClean="0">
-                <a:solidFill>
-                  <a:srgbClr val="008080"/>
-                </a:solidFill>
-                <a:latin typeface="Consolas" panose="020B0609020204030204" pitchFamily="49" charset="0"/>
-              </a:rPr>
-              <a:t>=</a:t>
-            </a:r>
-            <a:r>
-              <a:rPr lang="en-US" sz="1000" dirty="0" smtClean="0">
-                <a:solidFill>
-                  <a:srgbClr val="000000"/>
-                </a:solidFill>
-                <a:latin typeface="Consolas" panose="020B0609020204030204" pitchFamily="49" charset="0"/>
-              </a:rPr>
-              <a:t> </a:t>
-            </a:r>
-            <a:r>
-              <a:rPr lang="en-US" sz="1000" dirty="0" err="1" smtClean="0">
-                <a:solidFill>
-                  <a:srgbClr val="000000"/>
-                </a:solidFill>
-                <a:latin typeface="Consolas" panose="020B0609020204030204" pitchFamily="49" charset="0"/>
-              </a:rPr>
-              <a:t>MakeRectangle</a:t>
-            </a:r>
-            <a:r>
-              <a:rPr lang="en-US" sz="1000" dirty="0" smtClean="0">
-                <a:solidFill>
-                  <a:srgbClr val="000000"/>
-                </a:solidFill>
-                <a:latin typeface="Consolas" panose="020B0609020204030204" pitchFamily="49" charset="0"/>
-              </a:rPr>
-              <a:t>(</a:t>
-            </a:r>
-            <a:r>
-              <a:rPr lang="en-US" sz="1000" dirty="0" smtClean="0">
-                <a:solidFill>
-                  <a:srgbClr val="008000"/>
-                </a:solidFill>
-                <a:latin typeface="Consolas" panose="020B0609020204030204" pitchFamily="49" charset="0"/>
-              </a:rPr>
-              <a:t>/*width*/</a:t>
-            </a:r>
-            <a:r>
-              <a:rPr lang="en-US" sz="1000" dirty="0" smtClean="0">
-                <a:solidFill>
-                  <a:srgbClr val="000000"/>
-                </a:solidFill>
-                <a:latin typeface="Consolas" panose="020B0609020204030204" pitchFamily="49" charset="0"/>
-              </a:rPr>
-              <a:t>2, </a:t>
-            </a:r>
-            <a:r>
-              <a:rPr lang="en-US" sz="1000" dirty="0" smtClean="0">
-                <a:solidFill>
-                  <a:srgbClr val="008000"/>
-                </a:solidFill>
-                <a:latin typeface="Consolas" panose="020B0609020204030204" pitchFamily="49" charset="0"/>
-              </a:rPr>
-              <a:t>/*height*/</a:t>
-            </a:r>
-            <a:r>
-              <a:rPr lang="en-US" sz="1000" dirty="0" smtClean="0">
-                <a:solidFill>
-                  <a:srgbClr val="000000"/>
-                </a:solidFill>
-                <a:latin typeface="Consolas" panose="020B0609020204030204" pitchFamily="49" charset="0"/>
-              </a:rPr>
-              <a:t>9);</a:t>
-            </a:r>
-          </a:p>
-          <a:p>
-            <a:pPr marL="0" indent="0">
-              <a:buNone/>
-            </a:pPr>
-            <a:r>
-              <a:rPr lang="fr-FR" sz="1000" dirty="0" smtClean="0">
-                <a:solidFill>
-                  <a:srgbClr val="000000"/>
-                </a:solidFill>
-                <a:latin typeface="Consolas" panose="020B0609020204030204" pitchFamily="49" charset="0"/>
-              </a:rPr>
-              <a:t>    figures[3].Circle </a:t>
-            </a:r>
-            <a:r>
-              <a:rPr lang="fr-FR" sz="1000" dirty="0" smtClean="0">
-                <a:solidFill>
-                  <a:srgbClr val="008080"/>
-                </a:solidFill>
-                <a:latin typeface="Consolas" panose="020B0609020204030204" pitchFamily="49" charset="0"/>
-              </a:rPr>
-              <a:t>=</a:t>
-            </a:r>
-            <a:r>
-              <a:rPr lang="fr-FR" sz="1000" dirty="0" smtClean="0">
-                <a:solidFill>
-                  <a:srgbClr val="000000"/>
-                </a:solidFill>
-                <a:latin typeface="Consolas" panose="020B0609020204030204" pitchFamily="49" charset="0"/>
-              </a:rPr>
-              <a:t> MakeCircle(</a:t>
-            </a:r>
-            <a:r>
-              <a:rPr lang="fr-FR" sz="1000" dirty="0" smtClean="0">
-                <a:solidFill>
-                  <a:srgbClr val="008000"/>
-                </a:solidFill>
-                <a:latin typeface="Consolas" panose="020B0609020204030204" pitchFamily="49" charset="0"/>
-              </a:rPr>
-              <a:t>/*radius*/</a:t>
-            </a:r>
-            <a:r>
-              <a:rPr lang="fr-FR" sz="1000" dirty="0" smtClean="0">
-                <a:solidFill>
-                  <a:srgbClr val="000000"/>
-                </a:solidFill>
-                <a:latin typeface="Consolas" panose="020B0609020204030204" pitchFamily="49" charset="0"/>
-              </a:rPr>
-              <a:t>7);</a:t>
-            </a:r>
-          </a:p>
-          <a:p>
-            <a:pPr marL="0" indent="0">
-              <a:buNone/>
-            </a:pPr>
-            <a:r>
-              <a:rPr lang="en-US" sz="1000" dirty="0" smtClean="0">
-                <a:solidFill>
-                  <a:srgbClr val="000000"/>
-                </a:solidFill>
-                <a:latin typeface="Consolas" panose="020B0609020204030204" pitchFamily="49" charset="0"/>
-              </a:rPr>
-              <a:t>    figures[4].Rectangle </a:t>
-            </a:r>
-            <a:r>
-              <a:rPr lang="en-US" sz="1000" dirty="0" smtClean="0">
-                <a:solidFill>
-                  <a:srgbClr val="008080"/>
-                </a:solidFill>
-                <a:latin typeface="Consolas" panose="020B0609020204030204" pitchFamily="49" charset="0"/>
-              </a:rPr>
-              <a:t>=</a:t>
-            </a:r>
-            <a:r>
-              <a:rPr lang="en-US" sz="1000" dirty="0" smtClean="0">
-                <a:solidFill>
-                  <a:srgbClr val="000000"/>
-                </a:solidFill>
-                <a:latin typeface="Consolas" panose="020B0609020204030204" pitchFamily="49" charset="0"/>
-              </a:rPr>
-              <a:t> </a:t>
-            </a:r>
-            <a:r>
-              <a:rPr lang="en-US" sz="1000" dirty="0" err="1" smtClean="0">
-                <a:solidFill>
-                  <a:srgbClr val="000000"/>
-                </a:solidFill>
-                <a:latin typeface="Consolas" panose="020B0609020204030204" pitchFamily="49" charset="0"/>
-              </a:rPr>
-              <a:t>MakeRectangle</a:t>
-            </a:r>
-            <a:r>
-              <a:rPr lang="en-US" sz="1000" dirty="0" smtClean="0">
-                <a:solidFill>
-                  <a:srgbClr val="000000"/>
-                </a:solidFill>
-                <a:latin typeface="Consolas" panose="020B0609020204030204" pitchFamily="49" charset="0"/>
-              </a:rPr>
-              <a:t>(</a:t>
-            </a:r>
-            <a:r>
-              <a:rPr lang="en-US" sz="1000" dirty="0" smtClean="0">
-                <a:solidFill>
-                  <a:srgbClr val="008000"/>
-                </a:solidFill>
-                <a:latin typeface="Consolas" panose="020B0609020204030204" pitchFamily="49" charset="0"/>
-              </a:rPr>
-              <a:t>/*width*/</a:t>
-            </a:r>
-            <a:r>
-              <a:rPr lang="en-US" sz="1000" dirty="0" smtClean="0">
-                <a:solidFill>
-                  <a:srgbClr val="000000"/>
-                </a:solidFill>
-                <a:latin typeface="Consolas" panose="020B0609020204030204" pitchFamily="49" charset="0"/>
-              </a:rPr>
-              <a:t>3, </a:t>
-            </a:r>
-            <a:r>
-              <a:rPr lang="en-US" sz="1000" dirty="0" smtClean="0">
-                <a:solidFill>
-                  <a:srgbClr val="008000"/>
-                </a:solidFill>
-                <a:latin typeface="Consolas" panose="020B0609020204030204" pitchFamily="49" charset="0"/>
-              </a:rPr>
-              <a:t>/*height*/</a:t>
-            </a:r>
-            <a:r>
-              <a:rPr lang="en-US" sz="1000" dirty="0" smtClean="0">
-                <a:solidFill>
-                  <a:srgbClr val="000000"/>
-                </a:solidFill>
-                <a:latin typeface="Consolas" panose="020B0609020204030204" pitchFamily="49" charset="0"/>
-              </a:rPr>
-              <a:t>7);</a:t>
-            </a:r>
-          </a:p>
-          <a:p>
-            <a:pPr marL="0" indent="0">
-              <a:buNone/>
-            </a:pPr>
-            <a:r>
-              <a:rPr lang="en-US" sz="1000" dirty="0" smtClean="0">
-                <a:solidFill>
-                  <a:srgbClr val="000000"/>
-                </a:solidFill>
-                <a:latin typeface="Consolas" panose="020B0609020204030204" pitchFamily="49" charset="0"/>
-              </a:rPr>
-              <a:t>    </a:t>
-            </a:r>
-            <a:r>
-              <a:rPr lang="en-US" sz="1000" dirty="0" err="1" smtClean="0">
-                <a:solidFill>
-                  <a:srgbClr val="000000"/>
-                </a:solidFill>
-                <a:latin typeface="Consolas" panose="020B0609020204030204" pitchFamily="49" charset="0"/>
-              </a:rPr>
-              <a:t>printf</a:t>
-            </a:r>
-            <a:r>
-              <a:rPr lang="en-US" sz="1000" dirty="0" smtClean="0">
-                <a:solidFill>
-                  <a:srgbClr val="000000"/>
-                </a:solidFill>
-                <a:latin typeface="Consolas" panose="020B0609020204030204" pitchFamily="49" charset="0"/>
-              </a:rPr>
-              <a:t>(</a:t>
-            </a:r>
-            <a:r>
-              <a:rPr lang="en-US" sz="1000" dirty="0" smtClean="0">
-                <a:solidFill>
-                  <a:srgbClr val="A31515"/>
-                </a:solidFill>
-                <a:latin typeface="Consolas" panose="020B0609020204030204" pitchFamily="49" charset="0"/>
-              </a:rPr>
-              <a:t>"Maximum area is %f\n"</a:t>
-            </a:r>
-            <a:r>
-              <a:rPr lang="en-US" sz="1000" dirty="0" smtClean="0">
-                <a:solidFill>
-                  <a:srgbClr val="000000"/>
-                </a:solidFill>
-                <a:latin typeface="Consolas" panose="020B0609020204030204" pitchFamily="49" charset="0"/>
-              </a:rPr>
-              <a:t>, </a:t>
-            </a:r>
-            <a:r>
-              <a:rPr lang="en-US" sz="1000" dirty="0" err="1" smtClean="0">
-                <a:solidFill>
-                  <a:srgbClr val="000000"/>
-                </a:solidFill>
-                <a:latin typeface="Consolas" panose="020B0609020204030204" pitchFamily="49" charset="0"/>
-              </a:rPr>
-              <a:t>CalcMaxArea</a:t>
-            </a:r>
-            <a:r>
-              <a:rPr lang="en-US" sz="1000" dirty="0" smtClean="0">
-                <a:solidFill>
-                  <a:srgbClr val="000000"/>
-                </a:solidFill>
-                <a:latin typeface="Consolas" panose="020B0609020204030204" pitchFamily="49" charset="0"/>
-              </a:rPr>
-              <a:t>(figures, </a:t>
-            </a:r>
-            <a:r>
-              <a:rPr lang="en-US" sz="1000" dirty="0" smtClean="0">
-                <a:solidFill>
-                  <a:srgbClr val="008000"/>
-                </a:solidFill>
-                <a:latin typeface="Consolas" panose="020B0609020204030204" pitchFamily="49" charset="0"/>
-              </a:rPr>
-              <a:t>/*</a:t>
-            </a:r>
-            <a:r>
-              <a:rPr lang="en-US" sz="1000" dirty="0" err="1" smtClean="0">
-                <a:solidFill>
-                  <a:srgbClr val="008000"/>
-                </a:solidFill>
-                <a:latin typeface="Consolas" panose="020B0609020204030204" pitchFamily="49" charset="0"/>
-              </a:rPr>
-              <a:t>figureCount</a:t>
-            </a:r>
-            <a:r>
-              <a:rPr lang="en-US" sz="1000" dirty="0" smtClean="0">
-                <a:solidFill>
-                  <a:srgbClr val="008000"/>
-                </a:solidFill>
-                <a:latin typeface="Consolas" panose="020B0609020204030204" pitchFamily="49" charset="0"/>
-              </a:rPr>
-              <a:t>*/</a:t>
-            </a:r>
-            <a:r>
-              <a:rPr lang="en-US" sz="1000" dirty="0" smtClean="0">
-                <a:solidFill>
-                  <a:srgbClr val="000000"/>
-                </a:solidFill>
-                <a:latin typeface="Consolas" panose="020B0609020204030204" pitchFamily="49" charset="0"/>
-              </a:rPr>
-              <a:t>5));</a:t>
-            </a:r>
-          </a:p>
-          <a:p>
-            <a:pPr marL="0" indent="0">
-              <a:buNone/>
-            </a:pPr>
-            <a:r>
-              <a:rPr lang="en-US" sz="1000" dirty="0" smtClean="0">
-                <a:solidFill>
-                  <a:srgbClr val="000000"/>
-                </a:solidFill>
-                <a:latin typeface="Consolas" panose="020B0609020204030204" pitchFamily="49" charset="0"/>
-              </a:rPr>
-              <a:t>    </a:t>
-            </a:r>
-            <a:r>
-              <a:rPr lang="en-US" sz="1000" dirty="0" smtClean="0">
-                <a:solidFill>
-                  <a:srgbClr val="0000FF"/>
-                </a:solidFill>
-                <a:latin typeface="Consolas" panose="020B0609020204030204" pitchFamily="49" charset="0"/>
-              </a:rPr>
-              <a:t>return</a:t>
-            </a:r>
-            <a:r>
-              <a:rPr lang="en-US" sz="1000" dirty="0" smtClean="0">
-                <a:solidFill>
-                  <a:srgbClr val="000000"/>
-                </a:solidFill>
-                <a:latin typeface="Consolas" panose="020B0609020204030204" pitchFamily="49" charset="0"/>
-              </a:rPr>
-              <a:t> 0;</a:t>
-            </a:r>
-          </a:p>
-          <a:p>
-            <a:pPr marL="0" indent="0">
-              <a:buNone/>
-            </a:pPr>
-            <a:r>
-              <a:rPr lang="ru-RU" sz="1000" dirty="0" smtClean="0">
-                <a:solidFill>
-                  <a:srgbClr val="000000"/>
-                </a:solidFill>
-                <a:latin typeface="Consolas" panose="020B0609020204030204" pitchFamily="49" charset="0"/>
-              </a:rPr>
-              <a:t>}</a:t>
-            </a:r>
-          </a:p>
-          <a:p>
             <a:pPr marL="525780" indent="-457200"/>
-            <a:endParaRPr lang="en-US" sz="1000" dirty="0" smtClean="0"/>
+            <a:endParaRPr lang="en-US" sz="1600" dirty="0"/>
           </a:p>
         </p:txBody>
       </p:sp>
@@ -6727,13 +6786,6 @@
   <p:clrMapOvr>
     <a:masterClrMapping/>
   </p:clrMapOvr>
-  <p:timing>
-    <p:tnLst>
-      <p:par>
-        <p:cTn id="1" dur="indefinite" restart="never" nodeType="tmRoot"/>
-      </p:par>
-    </p:tnLst>
-  </p:timing>
 </p:sld>
 </file>
 
@@ -6776,7 +6828,7 @@
               <a:t>Пример </a:t>
             </a:r>
             <a:r>
-              <a:rPr lang="en-US" dirty="0" err="1" smtClean="0"/>
+              <a:rPr lang="en-US" dirty="0" err="1"/>
               <a:t>oop_figures.h</a:t>
             </a:r>
             <a:endParaRPr lang="ru-RU" dirty="0"/>
@@ -6793,7 +6845,12 @@
             <p:ph sz="half" idx="1"/>
           </p:nvPr>
         </p:nvSpPr>
-        <p:spPr/>
+        <p:spPr>
+          <a:xfrm>
+            <a:off x="652016" y="1600201"/>
+            <a:ext cx="6020048" cy="4525963"/>
+          </a:xfrm>
+        </p:spPr>
         <p:txBody>
           <a:bodyPr>
             <a:normAutofit fontScale="62500" lnSpcReduction="20000"/>
@@ -7431,7 +7488,12 @@
             <p:ph sz="half" idx="2"/>
           </p:nvPr>
         </p:nvSpPr>
-        <p:spPr/>
+        <p:spPr>
+          <a:xfrm>
+            <a:off x="7680176" y="1600201"/>
+            <a:ext cx="3902224" cy="4525963"/>
+          </a:xfrm>
+        </p:spPr>
         <p:txBody>
           <a:bodyPr>
             <a:normAutofit fontScale="62500" lnSpcReduction="20000"/>
@@ -7794,13 +7856,6 @@
   <p:clrMapOvr>
     <a:masterClrMapping/>
   </p:clrMapOvr>
-  <p:timing>
-    <p:tnLst>
-      <p:par>
-        <p:cTn id="1" dur="indefinite" restart="never" nodeType="tmRoot"/>
-      </p:par>
-    </p:tnLst>
-  </p:timing>
 </p:sld>
 </file>
 
@@ -7843,30 +7898,29 @@
               <a:t>Пример </a:t>
             </a:r>
             <a:r>
-              <a:rPr lang="en-US" dirty="0" err="1" smtClean="0"/>
+              <a:rPr lang="en-US" dirty="0" err="1"/>
               <a:t>oop_circle.h</a:t>
             </a:r>
             <a:r>
-              <a:rPr lang="en-US" dirty="0" smtClean="0"/>
+              <a:rPr lang="en-US" dirty="0"/>
               <a:t> </a:t>
             </a:r>
             <a:r>
-              <a:rPr lang="ru-RU" dirty="0" smtClean="0"/>
+              <a:rPr lang="ru-RU" dirty="0"/>
               <a:t>и </a:t>
             </a:r>
             <a:r>
-              <a:rPr lang="en-US" dirty="0" err="1" smtClean="0"/>
+              <a:rPr lang="en-US" dirty="0" err="1"/>
               <a:t>oop_circle</a:t>
             </a:r>
             <a:r>
-              <a:rPr lang="en-US" dirty="0" smtClean="0"/>
+              <a:rPr lang="en-US" dirty="0"/>
               <a:t>.</a:t>
             </a:r>
             <a:r>
-              <a:rPr lang="ru-RU" dirty="0" smtClean="0"/>
+              <a:rPr lang="ru-RU" dirty="0"/>
               <a:t>с</a:t>
             </a:r>
-            <a:endParaRPr lang="ru-RU" dirty="0"/>
           </a:p>
         </p:txBody>
       </p:sp>
@@ -7883,7 +7937,7 @@
         <p:spPr/>
         <p:txBody>
           <a:bodyPr>
-            <a:normAutofit fontScale="55000" lnSpcReduction="20000"/>
+            <a:normAutofit lnSpcReduction="10000"/>
           </a:bodyPr>
           <a:lstStyle/>
           <a:p>
@@ -7891,7 +7945,7 @@
               <a:buNone/>
             </a:pPr>
             <a:r>
-              <a:rPr lang="en-US" dirty="0">
+              <a:rPr lang="en-US" sz="1600" dirty="0">
                 <a:solidFill>
                   <a:srgbClr val="808080"/>
                 </a:solidFill>
@@ -7900,7 +7954,7 @@
               <a:t>#pragma</a:t>
             </a:r>
             <a:r>
-              <a:rPr lang="en-US" dirty="0">
+              <a:rPr lang="en-US" sz="1600" dirty="0">
                 <a:solidFill>
                   <a:srgbClr val="000000"/>
                 </a:solidFill>
@@ -7909,7 +7963,7 @@
               <a:t> </a:t>
             </a:r>
             <a:r>
-              <a:rPr lang="en-US" dirty="0">
+              <a:rPr lang="en-US" sz="1600" dirty="0">
                 <a:solidFill>
                   <a:srgbClr val="808080"/>
                 </a:solidFill>
@@ -7917,7 +7971,7 @@
               </a:rPr>
               <a:t>once</a:t>
             </a:r>
-            <a:endParaRPr lang="en-US" dirty="0">
+            <a:endParaRPr lang="en-US" sz="1600" dirty="0">
               <a:solidFill>
                 <a:srgbClr val="000000"/>
               </a:solidFill>
@@ -7929,7 +7983,7 @@
               <a:buNone/>
             </a:pPr>
             <a:r>
-              <a:rPr lang="en-US" dirty="0">
+              <a:rPr lang="en-US" sz="1600" dirty="0">
                 <a:solidFill>
                   <a:srgbClr val="808080"/>
                 </a:solidFill>
@@ -7938,7 +7992,7 @@
               <a:t>#include</a:t>
             </a:r>
             <a:r>
-              <a:rPr lang="en-US" dirty="0">
+              <a:rPr lang="en-US" sz="1600" dirty="0">
                 <a:solidFill>
                   <a:srgbClr val="000000"/>
                 </a:solidFill>
@@ -7947,7 +8001,7 @@
               <a:t> </a:t>
             </a:r>
             <a:r>
-              <a:rPr lang="en-US" dirty="0">
+              <a:rPr lang="en-US" sz="1600" dirty="0">
                 <a:solidFill>
                   <a:srgbClr val="A31515"/>
                 </a:solidFill>
@@ -7956,7 +8010,7 @@
               <a:t>"</a:t>
             </a:r>
             <a:r>
-              <a:rPr lang="en-US" dirty="0" err="1">
+              <a:rPr lang="en-US" sz="1600" dirty="0" err="1">
                 <a:solidFill>
                   <a:srgbClr val="A31515"/>
                 </a:solidFill>
@@ -7965,7 +8019,7 @@
               <a:t>oop_figures.h</a:t>
             </a:r>
             <a:r>
-              <a:rPr lang="en-US" dirty="0">
+              <a:rPr lang="en-US" sz="1600" dirty="0">
                 <a:solidFill>
                   <a:srgbClr val="A31515"/>
                 </a:solidFill>
@@ -7973,7 +8027,7 @@
               </a:rPr>
               <a:t>"</a:t>
             </a:r>
-            <a:endParaRPr lang="en-US" dirty="0">
+            <a:endParaRPr lang="en-US" sz="1600" dirty="0">
               <a:solidFill>
                 <a:srgbClr val="000000"/>
               </a:solidFill>
@@ -7984,7 +8038,7 @@
             <a:pPr marL="0" indent="0">
               <a:buNone/>
             </a:pPr>
-            <a:endParaRPr lang="ru-RU" dirty="0">
+            <a:endParaRPr lang="ru-RU" sz="1600" dirty="0">
               <a:solidFill>
                 <a:srgbClr val="000000"/>
               </a:solidFill>
@@ -7996,7 +8050,7 @@
               <a:buNone/>
             </a:pPr>
             <a:r>
-              <a:rPr lang="en-US" dirty="0" err="1">
+              <a:rPr lang="en-US" sz="1600" dirty="0" err="1">
                 <a:solidFill>
                   <a:srgbClr val="2B91AF"/>
                 </a:solidFill>
@@ -8005,7 +8059,7 @@
               <a:t>TCircle</a:t>
             </a:r>
             <a:r>
-              <a:rPr lang="en-US" dirty="0">
+              <a:rPr lang="en-US" sz="1600" dirty="0">
                 <a:solidFill>
                   <a:srgbClr val="000000"/>
                 </a:solidFill>
@@ -8014,7 +8068,7 @@
               <a:t> </a:t>
             </a:r>
             <a:r>
-              <a:rPr lang="en-US" dirty="0" err="1">
+              <a:rPr lang="en-US" sz="1600" dirty="0" err="1">
                 <a:solidFill>
                   <a:srgbClr val="000000"/>
                 </a:solidFill>
@@ -8023,7 +8077,7 @@
               <a:t>MakeCircle</a:t>
             </a:r>
             <a:r>
-              <a:rPr lang="en-US" dirty="0">
+              <a:rPr lang="en-US" sz="1600" dirty="0">
                 <a:solidFill>
                   <a:srgbClr val="000000"/>
                 </a:solidFill>
@@ -8032,7 +8086,7 @@
               <a:t>(</a:t>
             </a:r>
             <a:r>
-              <a:rPr lang="en-US" dirty="0">
+              <a:rPr lang="en-US" sz="1600" dirty="0">
                 <a:solidFill>
                   <a:srgbClr val="0000FF"/>
                 </a:solidFill>
@@ -8041,7 +8095,7 @@
               <a:t>double</a:t>
             </a:r>
             <a:r>
-              <a:rPr lang="en-US" dirty="0">
+              <a:rPr lang="en-US" sz="1600" dirty="0">
                 <a:solidFill>
                   <a:srgbClr val="000000"/>
                 </a:solidFill>
@@ -8050,16 +8104,16 @@
               <a:t> </a:t>
             </a:r>
             <a:r>
-              <a:rPr lang="en-US" dirty="0">
+              <a:rPr lang="en-US" sz="1600" dirty="0">
                 <a:solidFill>
                   <a:srgbClr val="808080"/>
                 </a:solidFill>
                 <a:latin typeface="Consolas" panose="020B0609020204030204" pitchFamily="49" charset="0"/>
               </a:rPr>
-              <a:t>radius</a:t>
-            </a:r>
-            <a:r>
-              <a:rPr lang="en-US" dirty="0">
+              <a:t>r</a:t>
+            </a:r>
+            <a:r>
+              <a:rPr lang="en-US" sz="1600" dirty="0">
                 <a:solidFill>
                   <a:srgbClr val="000000"/>
                 </a:solidFill>
@@ -8072,7 +8126,7 @@
             <a:pPr marL="0" indent="0">
               <a:buNone/>
             </a:pPr>
-            <a:endParaRPr lang="ru-RU" dirty="0">
+            <a:endParaRPr lang="ru-RU" sz="1600" dirty="0">
               <a:solidFill>
                 <a:srgbClr val="000000"/>
               </a:solidFill>
@@ -8091,10 +8145,15 @@
             <p:ph sz="half" idx="2"/>
           </p:nvPr>
         </p:nvSpPr>
-        <p:spPr/>
+        <p:spPr>
+          <a:xfrm>
+            <a:off x="5951984" y="1600201"/>
+            <a:ext cx="5630416" cy="4525963"/>
+          </a:xfrm>
+        </p:spPr>
         <p:txBody>
           <a:bodyPr>
-            <a:normAutofit fontScale="55000" lnSpcReduction="20000"/>
+            <a:normAutofit lnSpcReduction="10000"/>
           </a:bodyPr>
           <a:lstStyle/>
           <a:p>
@@ -8102,7 +8161,7 @@
               <a:buNone/>
             </a:pPr>
             <a:r>
-              <a:rPr lang="en-US" dirty="0">
+              <a:rPr lang="en-US" sz="1600" dirty="0">
                 <a:solidFill>
                   <a:srgbClr val="808080"/>
                 </a:solidFill>
@@ -8111,7 +8170,7 @@
               <a:t>#include</a:t>
             </a:r>
             <a:r>
-              <a:rPr lang="en-US" dirty="0">
+              <a:rPr lang="en-US" sz="1600" dirty="0">
                 <a:solidFill>
                   <a:srgbClr val="000000"/>
                 </a:solidFill>
@@ -8120,7 +8179,7 @@
               <a:t> </a:t>
             </a:r>
             <a:r>
-              <a:rPr lang="en-US" dirty="0">
+              <a:rPr lang="en-US" sz="1600" dirty="0">
                 <a:solidFill>
                   <a:srgbClr val="A31515"/>
                 </a:solidFill>
@@ -8129,7 +8188,7 @@
               <a:t>"</a:t>
             </a:r>
             <a:r>
-              <a:rPr lang="en-US" dirty="0" err="1">
+              <a:rPr lang="en-US" sz="1600" dirty="0" err="1">
                 <a:solidFill>
                   <a:srgbClr val="A31515"/>
                 </a:solidFill>
@@ -8138,7 +8197,7 @@
               <a:t>oop_circle.h</a:t>
             </a:r>
             <a:r>
-              <a:rPr lang="en-US" dirty="0">
+              <a:rPr lang="en-US" sz="1600" dirty="0">
                 <a:solidFill>
                   <a:srgbClr val="A31515"/>
                 </a:solidFill>
@@ -8146,7 +8205,60 @@
               </a:rPr>
               <a:t>"</a:t>
             </a:r>
-            <a:endParaRPr lang="en-US" dirty="0">
+            <a:br>
+              <a:rPr lang="en-US" sz="1600" dirty="0">
+                <a:solidFill>
+                  <a:srgbClr val="A31515"/>
+                </a:solidFill>
+                <a:latin typeface="Consolas" panose="020B0609020204030204" pitchFamily="49" charset="0"/>
+              </a:rPr>
+            </a:br>
+            <a:r>
+              <a:rPr lang="en-US" sz="1600" dirty="0">
+                <a:solidFill>
+                  <a:srgbClr val="808080"/>
+                </a:solidFill>
+                <a:latin typeface="Consolas" panose="020B0609020204030204" pitchFamily="49" charset="0"/>
+              </a:rPr>
+              <a:t>#include</a:t>
+            </a:r>
+            <a:r>
+              <a:rPr lang="en-US" sz="1600" dirty="0">
+                <a:solidFill>
+                  <a:srgbClr val="000000"/>
+                </a:solidFill>
+                <a:latin typeface="Consolas" panose="020B0609020204030204" pitchFamily="49" charset="0"/>
+              </a:rPr>
+              <a:t> </a:t>
+            </a:r>
+            <a:r>
+              <a:rPr lang="en-US" sz="1600" dirty="0">
+                <a:solidFill>
+                  <a:srgbClr val="A31515"/>
+                </a:solidFill>
+                <a:latin typeface="Consolas" panose="020B0609020204030204" pitchFamily="49" charset="0"/>
+              </a:rPr>
+              <a:t>&lt;</a:t>
+            </a:r>
+            <a:r>
+              <a:rPr lang="en-US" sz="1600" dirty="0" err="1">
+                <a:solidFill>
+                  <a:srgbClr val="A31515"/>
+                </a:solidFill>
+                <a:latin typeface="Consolas" panose="020B0609020204030204" pitchFamily="49" charset="0"/>
+              </a:rPr>
+              <a:t>math.h</a:t>
+            </a:r>
+            <a:r>
+              <a:rPr lang="en-US" sz="1600" dirty="0">
+                <a:solidFill>
+                  <a:srgbClr val="A31515"/>
+                </a:solidFill>
+                <a:latin typeface="Consolas" panose="020B0609020204030204" pitchFamily="49" charset="0"/>
+              </a:rPr>
+              <a:t>&gt;</a:t>
+            </a:r>
+            <a:endParaRPr lang="en-US" sz="1600" dirty="0">
               <a:solidFill>
                 <a:srgbClr val="000000"/>
               </a:solidFill>
@@ -8157,7 +8269,7 @@
             <a:pPr marL="0" indent="0">
               <a:buNone/>
             </a:pPr>
-            <a:endParaRPr lang="ru-RU" dirty="0">
+            <a:endParaRPr lang="ru-RU" sz="1600" dirty="0">
               <a:solidFill>
                 <a:srgbClr val="000000"/>
               </a:solidFill>
@@ -8169,7 +8281,7 @@
               <a:buNone/>
             </a:pPr>
             <a:r>
-              <a:rPr lang="en-US" dirty="0">
+              <a:rPr lang="en-US" sz="1600" dirty="0">
                 <a:solidFill>
                   <a:srgbClr val="0000FF"/>
                 </a:solidFill>
@@ -8178,7 +8290,7 @@
               <a:t>static</a:t>
             </a:r>
             <a:r>
-              <a:rPr lang="en-US" dirty="0">
+              <a:rPr lang="en-US" sz="1600" dirty="0">
                 <a:solidFill>
                   <a:srgbClr val="000000"/>
                 </a:solidFill>
@@ -8187,7 +8299,7 @@
               <a:t> </a:t>
             </a:r>
             <a:r>
-              <a:rPr lang="en-US" dirty="0">
+              <a:rPr lang="en-US" sz="1600" dirty="0">
                 <a:solidFill>
                   <a:srgbClr val="0000FF"/>
                 </a:solidFill>
@@ -8196,7 +8308,7 @@
               <a:t>double</a:t>
             </a:r>
             <a:r>
-              <a:rPr lang="en-US" dirty="0">
+              <a:rPr lang="en-US" sz="1600" dirty="0">
                 <a:solidFill>
                   <a:srgbClr val="000000"/>
                 </a:solidFill>
@@ -8205,16 +8317,16 @@
               <a:t> </a:t>
             </a:r>
             <a:r>
-              <a:rPr lang="en-US" dirty="0" err="1">
-                <a:solidFill>
-                  <a:srgbClr val="000000"/>
-                </a:solidFill>
-                <a:latin typeface="Consolas" panose="020B0609020204030204" pitchFamily="49" charset="0"/>
-              </a:rPr>
-              <a:t>CircleCalcArea</a:t>
-            </a:r>
-            <a:r>
-              <a:rPr lang="en-US" dirty="0">
+              <a:rPr lang="en-US" sz="1600" dirty="0" err="1">
+                <a:solidFill>
+                  <a:srgbClr val="000000"/>
+                </a:solidFill>
+                <a:latin typeface="Consolas" panose="020B0609020204030204" pitchFamily="49" charset="0"/>
+              </a:rPr>
+              <a:t>CalcArea</a:t>
+            </a:r>
+            <a:r>
+              <a:rPr lang="en-US" sz="1600" dirty="0">
                 <a:solidFill>
                   <a:srgbClr val="000000"/>
                 </a:solidFill>
@@ -8223,7 +8335,7 @@
               <a:t>(</a:t>
             </a:r>
             <a:r>
-              <a:rPr lang="en-US" dirty="0" err="1">
+              <a:rPr lang="en-US" sz="1600" dirty="0">
                 <a:solidFill>
                   <a:srgbClr val="0000FF"/>
                 </a:solidFill>
@@ -8232,7 +8344,7 @@
               <a:t>const</a:t>
             </a:r>
             <a:r>
-              <a:rPr lang="en-US" dirty="0">
+              <a:rPr lang="en-US" sz="1600" dirty="0">
                 <a:solidFill>
                   <a:srgbClr val="000000"/>
                 </a:solidFill>
@@ -8241,7 +8353,7 @@
               <a:t> </a:t>
             </a:r>
             <a:r>
-              <a:rPr lang="en-US" dirty="0" err="1">
+              <a:rPr lang="en-US" sz="1600" dirty="0" err="1">
                 <a:solidFill>
                   <a:srgbClr val="2B91AF"/>
                 </a:solidFill>
@@ -8250,7 +8362,7 @@
               <a:t>TFigure</a:t>
             </a:r>
             <a:r>
-              <a:rPr lang="en-US" dirty="0">
+              <a:rPr lang="en-US" sz="1600" dirty="0">
                 <a:solidFill>
                   <a:srgbClr val="000000"/>
                 </a:solidFill>
@@ -8259,7 +8371,7 @@
               <a:t> *</a:t>
             </a:r>
             <a:r>
-              <a:rPr lang="en-US" dirty="0">
+              <a:rPr lang="en-US" sz="1600" dirty="0">
                 <a:solidFill>
                   <a:srgbClr val="808080"/>
                 </a:solidFill>
@@ -8268,7 +8380,7 @@
               <a:t>me</a:t>
             </a:r>
             <a:r>
-              <a:rPr lang="en-US" dirty="0">
+              <a:rPr lang="en-US" sz="1600" dirty="0">
                 <a:solidFill>
                   <a:srgbClr val="000000"/>
                 </a:solidFill>
@@ -8282,78 +8394,141 @@
               <a:buNone/>
             </a:pPr>
             <a:r>
-              <a:rPr lang="en-US" dirty="0">
-                <a:solidFill>
-                  <a:srgbClr val="000000"/>
-                </a:solidFill>
-                <a:latin typeface="Consolas" panose="020B0609020204030204" pitchFamily="49" charset="0"/>
-              </a:rPr>
-              <a:t>    </a:t>
-            </a:r>
-            <a:r>
-              <a:rPr lang="en-US" dirty="0">
+              <a:rPr lang="en-US" sz="1600" dirty="0">
+                <a:solidFill>
+                  <a:srgbClr val="000000"/>
+                </a:solidFill>
+                <a:latin typeface="Consolas" panose="020B0609020204030204" pitchFamily="49" charset="0"/>
+              </a:rPr>
+              <a:t>  </a:t>
+            </a:r>
+            <a:r>
+              <a:rPr lang="en-US" sz="1600" dirty="0">
                 <a:solidFill>
                   <a:srgbClr val="0000FF"/>
                 </a:solidFill>
                 <a:latin typeface="Consolas" panose="020B0609020204030204" pitchFamily="49" charset="0"/>
               </a:rPr>
+              <a:t>double</a:t>
+            </a:r>
+            <a:r>
+              <a:rPr lang="en-US" sz="1600" dirty="0">
+                <a:solidFill>
+                  <a:srgbClr val="000000"/>
+                </a:solidFill>
+                <a:latin typeface="Consolas" panose="020B0609020204030204" pitchFamily="49" charset="0"/>
+              </a:rPr>
+              <a:t> </a:t>
+            </a:r>
+            <a:r>
+              <a:rPr lang="en-US" sz="1600" dirty="0">
+                <a:solidFill>
+                  <a:srgbClr val="808080"/>
+                </a:solidFill>
+                <a:latin typeface="Consolas" panose="020B0609020204030204" pitchFamily="49" charset="0"/>
+              </a:rPr>
+              <a:t>r</a:t>
+            </a:r>
+            <a:r>
+              <a:rPr lang="en-US" sz="1600" dirty="0">
+                <a:solidFill>
+                  <a:srgbClr val="000000"/>
+                </a:solidFill>
+                <a:latin typeface="Consolas" panose="020B0609020204030204" pitchFamily="49" charset="0"/>
+              </a:rPr>
+              <a:t> = </a:t>
+            </a:r>
+            <a:r>
+              <a:rPr lang="en-US" sz="1600" dirty="0">
+                <a:solidFill>
+                  <a:srgbClr val="808080"/>
+                </a:solidFill>
+                <a:latin typeface="Consolas" panose="020B0609020204030204" pitchFamily="49" charset="0"/>
+              </a:rPr>
+              <a:t>me</a:t>
+            </a:r>
+            <a:r>
+              <a:rPr lang="en-US" sz="1600" dirty="0">
+                <a:solidFill>
+                  <a:srgbClr val="000000"/>
+                </a:solidFill>
+                <a:latin typeface="Consolas" panose="020B0609020204030204" pitchFamily="49" charset="0"/>
+              </a:rPr>
+              <a:t>-&gt;</a:t>
+            </a:r>
+            <a:r>
+              <a:rPr lang="en-US" sz="1600" dirty="0" err="1">
+                <a:solidFill>
+                  <a:srgbClr val="000000"/>
+                </a:solidFill>
+                <a:latin typeface="Consolas" panose="020B0609020204030204" pitchFamily="49" charset="0"/>
+              </a:rPr>
+              <a:t>Circle.Radius</a:t>
+            </a:r>
+            <a:r>
+              <a:rPr lang="en-US" sz="1600" dirty="0">
+                <a:solidFill>
+                  <a:srgbClr val="000000"/>
+                </a:solidFill>
+                <a:latin typeface="Consolas" panose="020B0609020204030204" pitchFamily="49" charset="0"/>
+              </a:rPr>
+              <a:t>;</a:t>
+            </a:r>
+            <a:br>
+              <a:rPr lang="en-US" sz="1600" dirty="0">
+                <a:solidFill>
+                  <a:srgbClr val="000000"/>
+                </a:solidFill>
+                <a:latin typeface="Consolas" panose="020B0609020204030204" pitchFamily="49" charset="0"/>
+              </a:rPr>
+            </a:br>
+            <a:r>
+              <a:rPr lang="en-US" sz="1600" dirty="0">
+                <a:solidFill>
+                  <a:srgbClr val="000000"/>
+                </a:solidFill>
+                <a:latin typeface="Consolas" panose="020B0609020204030204" pitchFamily="49" charset="0"/>
+              </a:rPr>
+              <a:t>  </a:t>
+            </a:r>
+            <a:r>
+              <a:rPr lang="en-US" sz="1600" dirty="0">
+                <a:solidFill>
+                  <a:srgbClr val="0000FF"/>
+                </a:solidFill>
+                <a:latin typeface="Consolas" panose="020B0609020204030204" pitchFamily="49" charset="0"/>
+              </a:rPr>
               <a:t>return</a:t>
             </a:r>
             <a:r>
-              <a:rPr lang="en-US" dirty="0">
-                <a:solidFill>
-                  <a:srgbClr val="000000"/>
-                </a:solidFill>
-                <a:latin typeface="Consolas" panose="020B0609020204030204" pitchFamily="49" charset="0"/>
-              </a:rPr>
-              <a:t> </a:t>
-            </a:r>
-            <a:r>
-              <a:rPr lang="en-US" dirty="0">
-                <a:solidFill>
-                  <a:srgbClr val="808080"/>
-                </a:solidFill>
-                <a:latin typeface="Consolas" panose="020B0609020204030204" pitchFamily="49" charset="0"/>
-              </a:rPr>
-              <a:t>me</a:t>
-            </a:r>
-            <a:r>
-              <a:rPr lang="en-US" dirty="0">
-                <a:solidFill>
-                  <a:srgbClr val="000000"/>
-                </a:solidFill>
-                <a:latin typeface="Consolas" panose="020B0609020204030204" pitchFamily="49" charset="0"/>
-              </a:rPr>
-              <a:t>-&gt;</a:t>
-            </a:r>
-            <a:r>
-              <a:rPr lang="en-US" dirty="0" err="1">
-                <a:solidFill>
-                  <a:srgbClr val="000000"/>
-                </a:solidFill>
-                <a:latin typeface="Consolas" panose="020B0609020204030204" pitchFamily="49" charset="0"/>
-              </a:rPr>
-              <a:t>Circle.Radius</a:t>
-            </a:r>
-            <a:r>
-              <a:rPr lang="en-US" dirty="0">
-                <a:solidFill>
-                  <a:srgbClr val="000000"/>
-                </a:solidFill>
-                <a:latin typeface="Consolas" panose="020B0609020204030204" pitchFamily="49" charset="0"/>
-              </a:rPr>
-              <a:t> </a:t>
-            </a:r>
-            <a:r>
-              <a:rPr lang="en-US" dirty="0" smtClean="0">
-                <a:solidFill>
-                  <a:srgbClr val="000000"/>
-                </a:solidFill>
-                <a:latin typeface="Consolas" panose="020B0609020204030204" pitchFamily="49" charset="0"/>
-              </a:rPr>
-              <a:t>*</a:t>
-            </a:r>
-            <a:endParaRPr lang="ru-RU" dirty="0" smtClean="0">
+              <a:rPr lang="en-US" sz="1600" dirty="0">
+                <a:solidFill>
+                  <a:srgbClr val="000000"/>
+                </a:solidFill>
+                <a:latin typeface="Consolas" panose="020B0609020204030204" pitchFamily="49" charset="0"/>
+              </a:rPr>
+              <a:t> r * r * M_PI;</a:t>
+            </a:r>
+          </a:p>
+          <a:p>
+            <a:pPr marL="0" indent="0">
+              <a:buNone/>
+            </a:pPr>
+            <a:r>
+              <a:rPr lang="ru-RU" sz="1600" dirty="0">
+                <a:solidFill>
+                  <a:srgbClr val="000000"/>
+                </a:solidFill>
+                <a:latin typeface="Consolas" panose="020B0609020204030204" pitchFamily="49" charset="0"/>
+              </a:rPr>
+              <a:t>}</a:t>
+            </a:r>
+          </a:p>
+          <a:p>
+            <a:pPr marL="0" indent="0">
+              <a:buNone/>
+            </a:pPr>
+            <a:endParaRPr lang="ru-RU" sz="1600" dirty="0">
               <a:solidFill>
                 <a:srgbClr val="000000"/>
               </a:solidFill>
@@ -8365,16 +8540,147 @@
               <a:buNone/>
             </a:pPr>
             <a:r>
-              <a:rPr lang="ru-RU" dirty="0" smtClean="0">
+              <a:rPr lang="en-US" sz="1600" dirty="0">
+                <a:solidFill>
+                  <a:srgbClr val="0000FF"/>
+                </a:solidFill>
+                <a:latin typeface="Consolas" panose="020B0609020204030204" pitchFamily="49" charset="0"/>
+              </a:rPr>
+              <a:t>static</a:t>
+            </a:r>
+            <a:r>
+              <a:rPr lang="en-US" sz="1600" dirty="0">
+                <a:solidFill>
+                  <a:srgbClr val="000000"/>
+                </a:solidFill>
+                <a:latin typeface="Consolas" panose="020B0609020204030204" pitchFamily="49" charset="0"/>
+              </a:rPr>
+              <a:t> </a:t>
+            </a:r>
+            <a:r>
+              <a:rPr lang="en-US" sz="1600" dirty="0">
+                <a:solidFill>
+                  <a:srgbClr val="0000FF"/>
+                </a:solidFill>
+                <a:latin typeface="Consolas" panose="020B0609020204030204" pitchFamily="49" charset="0"/>
+              </a:rPr>
+              <a:t>double</a:t>
+            </a:r>
+            <a:r>
+              <a:rPr lang="en-US" sz="1600" dirty="0">
+                <a:solidFill>
+                  <a:srgbClr val="000000"/>
+                </a:solidFill>
+                <a:latin typeface="Consolas" panose="020B0609020204030204" pitchFamily="49" charset="0"/>
+              </a:rPr>
+              <a:t> </a:t>
+            </a:r>
+            <a:r>
+              <a:rPr lang="en-US" sz="1600" dirty="0" err="1">
+                <a:solidFill>
+                  <a:srgbClr val="000000"/>
+                </a:solidFill>
+                <a:latin typeface="Consolas" panose="020B0609020204030204" pitchFamily="49" charset="0"/>
+              </a:rPr>
+              <a:t>CalcPerimeter</a:t>
+            </a:r>
+            <a:r>
+              <a:rPr lang="en-US" sz="1600" dirty="0">
+                <a:solidFill>
+                  <a:srgbClr val="000000"/>
+                </a:solidFill>
+                <a:latin typeface="Consolas" panose="020B0609020204030204" pitchFamily="49" charset="0"/>
+              </a:rPr>
+              <a:t>(</a:t>
+            </a:r>
+            <a:r>
+              <a:rPr lang="en-US" sz="1600" dirty="0">
+                <a:solidFill>
+                  <a:srgbClr val="0000FF"/>
+                </a:solidFill>
+                <a:latin typeface="Consolas" panose="020B0609020204030204" pitchFamily="49" charset="0"/>
+              </a:rPr>
+              <a:t>const</a:t>
+            </a:r>
+            <a:r>
+              <a:rPr lang="en-US" sz="1600" dirty="0">
+                <a:solidFill>
+                  <a:srgbClr val="000000"/>
+                </a:solidFill>
+                <a:latin typeface="Consolas" panose="020B0609020204030204" pitchFamily="49" charset="0"/>
+              </a:rPr>
+              <a:t> </a:t>
+            </a:r>
+            <a:r>
+              <a:rPr lang="en-US" sz="1600" dirty="0" err="1">
+                <a:solidFill>
+                  <a:srgbClr val="2B91AF"/>
+                </a:solidFill>
+                <a:latin typeface="Consolas" panose="020B0609020204030204" pitchFamily="49" charset="0"/>
+              </a:rPr>
+              <a:t>TFigure</a:t>
+            </a:r>
+            <a:r>
+              <a:rPr lang="en-US" sz="1600" dirty="0">
+                <a:solidFill>
+                  <a:srgbClr val="000000"/>
+                </a:solidFill>
+                <a:latin typeface="Consolas" panose="020B0609020204030204" pitchFamily="49" charset="0"/>
+              </a:rPr>
+              <a:t> *</a:t>
+            </a:r>
+            <a:r>
+              <a:rPr lang="en-US" sz="1600" dirty="0">
                 <a:solidFill>
                   <a:srgbClr val="808080"/>
                 </a:solidFill>
                 <a:latin typeface="Consolas" panose="020B0609020204030204" pitchFamily="49" charset="0"/>
               </a:rPr>
-              <a:t>        </a:t>
-            </a:r>
-            <a:r>
-              <a:rPr lang="en-US" dirty="0" smtClean="0">
+              <a:t>me</a:t>
+            </a:r>
+            <a:r>
+              <a:rPr lang="en-US" sz="1600" dirty="0">
+                <a:solidFill>
+                  <a:srgbClr val="000000"/>
+                </a:solidFill>
+                <a:latin typeface="Consolas" panose="020B0609020204030204" pitchFamily="49" charset="0"/>
+              </a:rPr>
+              <a:t>) {</a:t>
+            </a:r>
+          </a:p>
+          <a:p>
+            <a:pPr marL="0" indent="0">
+              <a:buNone/>
+            </a:pPr>
+            <a:r>
+              <a:rPr lang="en-US" sz="1600" dirty="0">
+                <a:solidFill>
+                  <a:srgbClr val="000000"/>
+                </a:solidFill>
+                <a:latin typeface="Consolas" panose="020B0609020204030204" pitchFamily="49" charset="0"/>
+              </a:rPr>
+              <a:t>  </a:t>
+            </a:r>
+            <a:r>
+              <a:rPr lang="en-US" sz="1600" dirty="0">
+                <a:solidFill>
+                  <a:srgbClr val="0000FF"/>
+                </a:solidFill>
+                <a:latin typeface="Consolas" panose="020B0609020204030204" pitchFamily="49" charset="0"/>
+              </a:rPr>
+              <a:t>return</a:t>
+            </a:r>
+            <a:r>
+              <a:rPr lang="en-US" sz="1600" dirty="0">
+                <a:solidFill>
+                  <a:srgbClr val="000000"/>
+                </a:solidFill>
+                <a:latin typeface="Consolas" panose="020B0609020204030204" pitchFamily="49" charset="0"/>
+              </a:rPr>
+              <a:t> 2 * M_PI * </a:t>
+            </a:r>
+            <a:r>
+              <a:rPr lang="en-US" sz="1600" dirty="0">
                 <a:solidFill>
                   <a:srgbClr val="808080"/>
                 </a:solidFill>
@@ -8383,25 +8689,16 @@
               <a:t>me</a:t>
             </a:r>
             <a:r>
-              <a:rPr lang="en-US" dirty="0" smtClean="0">
-                <a:solidFill>
-                  <a:srgbClr val="000000"/>
-                </a:solidFill>
-                <a:latin typeface="Consolas" panose="020B0609020204030204" pitchFamily="49" charset="0"/>
-              </a:rPr>
-              <a:t>-</a:t>
-            </a:r>
-            <a:r>
-              <a:rPr lang="en-US" dirty="0">
-                <a:solidFill>
-                  <a:srgbClr val="000000"/>
-                </a:solidFill>
-                <a:latin typeface="Consolas" panose="020B0609020204030204" pitchFamily="49" charset="0"/>
-              </a:rPr>
-              <a:t>&gt;</a:t>
-            </a:r>
-            <a:r>
-              <a:rPr lang="en-US" dirty="0" err="1">
+              <a:rPr lang="en-US" sz="1600" dirty="0">
+                <a:solidFill>
+                  <a:srgbClr val="000000"/>
+                </a:solidFill>
+                <a:latin typeface="Consolas" panose="020B0609020204030204" pitchFamily="49" charset="0"/>
+              </a:rPr>
+              <a:t>-&gt;</a:t>
+            </a:r>
+            <a:r>
+              <a:rPr lang="en-US" sz="1600" dirty="0" err="1">
                 <a:solidFill>
                   <a:srgbClr val="000000"/>
                 </a:solidFill>
@@ -8410,13 +8707,13 @@
               <a:t>Circle.Radius</a:t>
             </a:r>
             <a:r>
-              <a:rPr lang="en-US" dirty="0">
-                <a:solidFill>
-                  <a:srgbClr val="000000"/>
-                </a:solidFill>
-                <a:latin typeface="Consolas" panose="020B0609020204030204" pitchFamily="49" charset="0"/>
-              </a:rPr>
-              <a:t> * 3.1415259;</a:t>
+              <a:rPr lang="en-US" sz="1600" dirty="0">
+                <a:solidFill>
+                  <a:srgbClr val="000000"/>
+                </a:solidFill>
+                <a:latin typeface="Consolas" panose="020B0609020204030204" pitchFamily="49" charset="0"/>
+              </a:rPr>
+              <a:t>;</a:t>
             </a:r>
           </a:p>
           <a:p>
@@ -8424,7 +8721,7 @@
               <a:buNone/>
             </a:pPr>
             <a:r>
-              <a:rPr lang="ru-RU" dirty="0">
+              <a:rPr lang="ru-RU" sz="1600" dirty="0">
                 <a:solidFill>
                   <a:srgbClr val="000000"/>
                 </a:solidFill>
@@ -8437,7 +8734,7 @@
             <a:pPr marL="0" indent="0">
               <a:buNone/>
             </a:pPr>
-            <a:endParaRPr lang="ru-RU" dirty="0">
+            <a:endParaRPr lang="ru-RU" sz="1600" dirty="0">
               <a:solidFill>
                 <a:srgbClr val="000000"/>
               </a:solidFill>
@@ -8449,16 +8746,52 @@
               <a:buNone/>
             </a:pPr>
             <a:r>
-              <a:rPr lang="en-US" dirty="0">
+              <a:rPr lang="en-US" sz="1600" dirty="0" err="1">
+                <a:solidFill>
+                  <a:srgbClr val="2B91AF"/>
+                </a:solidFill>
+                <a:latin typeface="Consolas" panose="020B0609020204030204" pitchFamily="49" charset="0"/>
+              </a:rPr>
+              <a:t>TCircle</a:t>
+            </a:r>
+            <a:r>
+              <a:rPr lang="en-US" sz="1600" dirty="0">
+                <a:solidFill>
+                  <a:srgbClr val="000000"/>
+                </a:solidFill>
+                <a:latin typeface="Consolas" panose="020B0609020204030204" pitchFamily="49" charset="0"/>
+              </a:rPr>
+              <a:t> </a:t>
+            </a:r>
+            <a:r>
+              <a:rPr lang="en-US" sz="1600" dirty="0" err="1">
+                <a:solidFill>
+                  <a:srgbClr val="000000"/>
+                </a:solidFill>
+                <a:latin typeface="Consolas" panose="020B0609020204030204" pitchFamily="49" charset="0"/>
+              </a:rPr>
+              <a:t>MakeCircle</a:t>
+            </a:r>
+            <a:r>
+              <a:rPr lang="en-US" sz="1600" dirty="0">
+                <a:solidFill>
+                  <a:srgbClr val="000000"/>
+                </a:solidFill>
+                <a:latin typeface="Consolas" panose="020B0609020204030204" pitchFamily="49" charset="0"/>
+              </a:rPr>
+              <a:t>(</a:t>
+            </a:r>
+            <a:r>
+              <a:rPr lang="en-US" sz="1600" dirty="0">
                 <a:solidFill>
                   <a:srgbClr val="0000FF"/>
                 </a:solidFill>
                 <a:latin typeface="Consolas" panose="020B0609020204030204" pitchFamily="49" charset="0"/>
               </a:rPr>
-              <a:t>static</a:t>
-            </a:r>
-            <a:r>
-              <a:rPr lang="en-US" dirty="0">
+              <a:t>double</a:t>
+            </a:r>
+            <a:r>
+              <a:rPr lang="en-US" sz="1600" dirty="0">
                 <a:solidFill>
                   <a:srgbClr val="000000"/>
                 </a:solidFill>
@@ -8467,208 +8800,148 @@
               <a:t> </a:t>
             </a:r>
             <a:r>
-              <a:rPr lang="en-US" dirty="0">
+              <a:rPr lang="en-US" sz="1600" dirty="0">
+                <a:solidFill>
+                  <a:srgbClr val="808080"/>
+                </a:solidFill>
+                <a:latin typeface="Consolas" panose="020B0609020204030204" pitchFamily="49" charset="0"/>
+              </a:rPr>
+              <a:t>r</a:t>
+            </a:r>
+            <a:r>
+              <a:rPr lang="en-US" sz="1600" dirty="0">
+                <a:solidFill>
+                  <a:srgbClr val="000000"/>
+                </a:solidFill>
+                <a:latin typeface="Consolas" panose="020B0609020204030204" pitchFamily="49" charset="0"/>
+              </a:rPr>
+              <a:t>) {</a:t>
+            </a:r>
+          </a:p>
+          <a:p>
+            <a:pPr marL="0" indent="0">
+              <a:buNone/>
+            </a:pPr>
+            <a:r>
+              <a:rPr lang="en-US" sz="1600" dirty="0">
+                <a:solidFill>
+                  <a:srgbClr val="000000"/>
+                </a:solidFill>
+                <a:latin typeface="Consolas" panose="020B0609020204030204" pitchFamily="49" charset="0"/>
+              </a:rPr>
+              <a:t>  </a:t>
+            </a:r>
+            <a:r>
+              <a:rPr lang="en-US" sz="1600" dirty="0" err="1">
+                <a:solidFill>
+                  <a:srgbClr val="2B91AF"/>
+                </a:solidFill>
+                <a:latin typeface="Consolas" panose="020B0609020204030204" pitchFamily="49" charset="0"/>
+              </a:rPr>
+              <a:t>TCircle</a:t>
+            </a:r>
+            <a:r>
+              <a:rPr lang="en-US" sz="1600" dirty="0">
+                <a:solidFill>
+                  <a:srgbClr val="000000"/>
+                </a:solidFill>
+                <a:latin typeface="Consolas" panose="020B0609020204030204" pitchFamily="49" charset="0"/>
+              </a:rPr>
+              <a:t> x = {{</a:t>
+            </a:r>
+            <a:r>
+              <a:rPr lang="en-US" sz="1600" dirty="0" err="1">
+                <a:solidFill>
+                  <a:srgbClr val="000000"/>
+                </a:solidFill>
+                <a:latin typeface="Consolas" panose="020B0609020204030204" pitchFamily="49" charset="0"/>
+              </a:rPr>
+              <a:t>CalcArea</a:t>
+            </a:r>
+            <a:r>
+              <a:rPr lang="en-US" sz="1600" dirty="0">
+                <a:solidFill>
+                  <a:srgbClr val="000000"/>
+                </a:solidFill>
+                <a:latin typeface="Consolas" panose="020B0609020204030204" pitchFamily="49" charset="0"/>
+              </a:rPr>
+              <a:t>, </a:t>
+            </a:r>
+            <a:r>
+              <a:rPr lang="en-US" sz="1600" dirty="0" err="1">
+                <a:solidFill>
+                  <a:srgbClr val="000000"/>
+                </a:solidFill>
+                <a:latin typeface="Consolas" panose="020B0609020204030204" pitchFamily="49" charset="0"/>
+              </a:rPr>
+              <a:t>CalcPerimeter</a:t>
+            </a:r>
+            <a:r>
+              <a:rPr lang="en-US" sz="1600" dirty="0">
+                <a:solidFill>
+                  <a:srgbClr val="000000"/>
+                </a:solidFill>
+                <a:latin typeface="Consolas" panose="020B0609020204030204" pitchFamily="49" charset="0"/>
+              </a:rPr>
+              <a:t>}, </a:t>
+            </a:r>
+            <a:r>
+              <a:rPr lang="en-US" sz="1600" dirty="0">
+                <a:solidFill>
+                  <a:srgbClr val="808080"/>
+                </a:solidFill>
+                <a:latin typeface="Consolas" panose="020B0609020204030204" pitchFamily="49" charset="0"/>
+              </a:rPr>
+              <a:t>r</a:t>
+            </a:r>
+            <a:r>
+              <a:rPr lang="en-US" sz="1600" dirty="0">
+                <a:solidFill>
+                  <a:srgbClr val="000000"/>
+                </a:solidFill>
+                <a:latin typeface="Consolas" panose="020B0609020204030204" pitchFamily="49" charset="0"/>
+              </a:rPr>
+              <a:t>};</a:t>
+            </a:r>
+          </a:p>
+          <a:p>
+            <a:pPr marL="0" indent="0">
+              <a:buNone/>
+            </a:pPr>
+            <a:r>
+              <a:rPr lang="en-US" sz="1600" dirty="0">
+                <a:solidFill>
+                  <a:srgbClr val="000000"/>
+                </a:solidFill>
+                <a:latin typeface="Consolas" panose="020B0609020204030204" pitchFamily="49" charset="0"/>
+              </a:rPr>
+              <a:t>  </a:t>
+            </a:r>
+            <a:r>
+              <a:rPr lang="en-US" sz="1600" dirty="0">
                 <a:solidFill>
                   <a:srgbClr val="0000FF"/>
                 </a:solidFill>
                 <a:latin typeface="Consolas" panose="020B0609020204030204" pitchFamily="49" charset="0"/>
               </a:rPr>
-              <a:t>double</a:t>
-            </a:r>
-            <a:r>
-              <a:rPr lang="en-US" dirty="0">
-                <a:solidFill>
-                  <a:srgbClr val="000000"/>
-                </a:solidFill>
-                <a:latin typeface="Consolas" panose="020B0609020204030204" pitchFamily="49" charset="0"/>
-              </a:rPr>
-              <a:t> </a:t>
-            </a:r>
-            <a:r>
-              <a:rPr lang="en-US" dirty="0" err="1">
-                <a:solidFill>
-                  <a:srgbClr val="000000"/>
-                </a:solidFill>
-                <a:latin typeface="Consolas" panose="020B0609020204030204" pitchFamily="49" charset="0"/>
-              </a:rPr>
-              <a:t>CircleCalcPerimeter</a:t>
-            </a:r>
-            <a:r>
-              <a:rPr lang="en-US" dirty="0" smtClean="0">
-                <a:solidFill>
-                  <a:srgbClr val="000000"/>
-                </a:solidFill>
-                <a:latin typeface="Consolas" panose="020B0609020204030204" pitchFamily="49" charset="0"/>
-              </a:rPr>
-              <a:t>(</a:t>
-            </a:r>
-            <a:endParaRPr lang="ru-RU" dirty="0" smtClean="0">
-              <a:solidFill>
-                <a:srgbClr val="000000"/>
-              </a:solidFill>
-              <a:latin typeface="Consolas" panose="020B0609020204030204" pitchFamily="49" charset="0"/>
-            </a:endParaRPr>
+              <a:t>return</a:t>
+            </a:r>
+            <a:r>
+              <a:rPr lang="en-US" sz="1600" dirty="0">
+                <a:solidFill>
+                  <a:srgbClr val="000000"/>
+                </a:solidFill>
+                <a:latin typeface="Consolas" panose="020B0609020204030204" pitchFamily="49" charset="0"/>
+              </a:rPr>
+              <a:t> x;</a:t>
+            </a:r>
           </a:p>
           <a:p>
             <a:pPr marL="0" indent="0">
               <a:buNone/>
             </a:pPr>
             <a:r>
-              <a:rPr lang="ru-RU" dirty="0">
-                <a:solidFill>
-                  <a:srgbClr val="000000"/>
-                </a:solidFill>
-                <a:latin typeface="Consolas" panose="020B0609020204030204" pitchFamily="49" charset="0"/>
-              </a:rPr>
-              <a:t> </a:t>
-            </a:r>
-            <a:r>
-              <a:rPr lang="ru-RU" dirty="0" smtClean="0">
-                <a:solidFill>
-                  <a:srgbClr val="000000"/>
-                </a:solidFill>
-                <a:latin typeface="Consolas" panose="020B0609020204030204" pitchFamily="49" charset="0"/>
-              </a:rPr>
-              <a:t>   </a:t>
-            </a:r>
-            <a:r>
-              <a:rPr lang="en-US" dirty="0" err="1" smtClean="0">
-                <a:solidFill>
-                  <a:srgbClr val="0000FF"/>
-                </a:solidFill>
-                <a:latin typeface="Consolas" panose="020B0609020204030204" pitchFamily="49" charset="0"/>
-              </a:rPr>
-              <a:t>const</a:t>
-            </a:r>
-            <a:r>
-              <a:rPr lang="en-US" dirty="0" smtClean="0">
-                <a:solidFill>
-                  <a:srgbClr val="000000"/>
-                </a:solidFill>
-                <a:latin typeface="Consolas" panose="020B0609020204030204" pitchFamily="49" charset="0"/>
-              </a:rPr>
-              <a:t> </a:t>
-            </a:r>
-            <a:r>
-              <a:rPr lang="en-US" dirty="0" err="1">
-                <a:solidFill>
-                  <a:srgbClr val="2B91AF"/>
-                </a:solidFill>
-                <a:latin typeface="Consolas" panose="020B0609020204030204" pitchFamily="49" charset="0"/>
-              </a:rPr>
-              <a:t>TFigure</a:t>
-            </a:r>
-            <a:r>
-              <a:rPr lang="en-US" dirty="0">
-                <a:solidFill>
-                  <a:srgbClr val="000000"/>
-                </a:solidFill>
-                <a:latin typeface="Consolas" panose="020B0609020204030204" pitchFamily="49" charset="0"/>
-              </a:rPr>
-              <a:t> *</a:t>
-            </a:r>
-            <a:r>
-              <a:rPr lang="en-US" dirty="0" smtClean="0">
-                <a:solidFill>
-                  <a:srgbClr val="808080"/>
-                </a:solidFill>
-                <a:latin typeface="Consolas" panose="020B0609020204030204" pitchFamily="49" charset="0"/>
-              </a:rPr>
-              <a:t>me</a:t>
-            </a:r>
-            <a:r>
-              <a:rPr lang="en-US" dirty="0" smtClean="0">
-                <a:solidFill>
-                  <a:srgbClr val="000000"/>
-                </a:solidFill>
-                <a:latin typeface="Consolas" panose="020B0609020204030204" pitchFamily="49" charset="0"/>
-              </a:rPr>
-              <a:t>) </a:t>
-            </a:r>
-            <a:r>
-              <a:rPr lang="en-US" dirty="0">
-                <a:solidFill>
-                  <a:srgbClr val="000000"/>
-                </a:solidFill>
-                <a:latin typeface="Consolas" panose="020B0609020204030204" pitchFamily="49" charset="0"/>
-              </a:rPr>
-              <a:t>{</a:t>
-            </a:r>
-          </a:p>
-          <a:p>
-            <a:pPr marL="0" indent="0">
-              <a:buNone/>
-            </a:pPr>
-            <a:r>
-              <a:rPr lang="en-US" dirty="0">
-                <a:solidFill>
-                  <a:srgbClr val="000000"/>
-                </a:solidFill>
-                <a:latin typeface="Consolas" panose="020B0609020204030204" pitchFamily="49" charset="0"/>
-              </a:rPr>
-              <a:t>    </a:t>
-            </a:r>
-            <a:r>
-              <a:rPr lang="en-US" dirty="0">
-                <a:solidFill>
-                  <a:srgbClr val="0000FF"/>
-                </a:solidFill>
-                <a:latin typeface="Consolas" panose="020B0609020204030204" pitchFamily="49" charset="0"/>
-              </a:rPr>
-              <a:t>return</a:t>
-            </a:r>
-            <a:r>
-              <a:rPr lang="en-US" dirty="0">
-                <a:solidFill>
-                  <a:srgbClr val="000000"/>
-                </a:solidFill>
-                <a:latin typeface="Consolas" panose="020B0609020204030204" pitchFamily="49" charset="0"/>
-              </a:rPr>
-              <a:t> 2 * 3.1415259 * </a:t>
-            </a:r>
-            <a:r>
-              <a:rPr lang="en-US" dirty="0">
-                <a:solidFill>
-                  <a:srgbClr val="808080"/>
-                </a:solidFill>
-                <a:latin typeface="Consolas" panose="020B0609020204030204" pitchFamily="49" charset="0"/>
-              </a:rPr>
-              <a:t>me</a:t>
-            </a:r>
-            <a:r>
-              <a:rPr lang="en-US" dirty="0">
-                <a:solidFill>
-                  <a:srgbClr val="000000"/>
-                </a:solidFill>
-                <a:latin typeface="Consolas" panose="020B0609020204030204" pitchFamily="49" charset="0"/>
-              </a:rPr>
-              <a:t>-&gt;</a:t>
-            </a:r>
-            <a:r>
-              <a:rPr lang="en-US" dirty="0" err="1">
-                <a:solidFill>
-                  <a:srgbClr val="000000"/>
-                </a:solidFill>
-                <a:latin typeface="Consolas" panose="020B0609020204030204" pitchFamily="49" charset="0"/>
-              </a:rPr>
-              <a:t>Circle.Radius</a:t>
-            </a:r>
-            <a:r>
-              <a:rPr lang="en-US" dirty="0">
-                <a:solidFill>
-                  <a:srgbClr val="000000"/>
-                </a:solidFill>
-                <a:latin typeface="Consolas" panose="020B0609020204030204" pitchFamily="49" charset="0"/>
-              </a:rPr>
-              <a:t>;</a:t>
-            </a:r>
-          </a:p>
-          <a:p>
-            <a:pPr marL="0" indent="0">
-              <a:buNone/>
-            </a:pPr>
-            <a:r>
-              <a:rPr lang="ru-RU" dirty="0">
+              <a:rPr lang="ru-RU" sz="1600" dirty="0">
                 <a:solidFill>
                   <a:srgbClr val="000000"/>
                 </a:solidFill>
@@ -8678,347 +8951,7 @@
             </a:r>
           </a:p>
           <a:p>
-            <a:pPr marL="0" indent="0">
-              <a:buNone/>
-            </a:pPr>
-            <a:endParaRPr lang="ru-RU" dirty="0">
-              <a:solidFill>
-                <a:srgbClr val="000000"/>
-              </a:solidFill>
-              <a:latin typeface="Consolas" panose="020B0609020204030204" pitchFamily="49" charset="0"/>
-            </a:endParaRPr>
-          </a:p>
-          <a:p>
-            <a:pPr marL="0" indent="0">
-              <a:buNone/>
-            </a:pPr>
-            <a:r>
-              <a:rPr lang="en-US" dirty="0" err="1">
-                <a:solidFill>
-                  <a:srgbClr val="2B91AF"/>
-                </a:solidFill>
-                <a:latin typeface="Consolas" panose="020B0609020204030204" pitchFamily="49" charset="0"/>
-              </a:rPr>
-              <a:t>TCircle</a:t>
-            </a:r>
-            <a:r>
-              <a:rPr lang="en-US" dirty="0">
-                <a:solidFill>
-                  <a:srgbClr val="000000"/>
-                </a:solidFill>
-                <a:latin typeface="Consolas" panose="020B0609020204030204" pitchFamily="49" charset="0"/>
-              </a:rPr>
-              <a:t> </a:t>
-            </a:r>
-            <a:r>
-              <a:rPr lang="en-US" dirty="0" err="1">
-                <a:solidFill>
-                  <a:srgbClr val="000000"/>
-                </a:solidFill>
-                <a:latin typeface="Consolas" panose="020B0609020204030204" pitchFamily="49" charset="0"/>
-              </a:rPr>
-              <a:t>MakeCircle</a:t>
-            </a:r>
-            <a:r>
-              <a:rPr lang="en-US" dirty="0">
-                <a:solidFill>
-                  <a:srgbClr val="000000"/>
-                </a:solidFill>
-                <a:latin typeface="Consolas" panose="020B0609020204030204" pitchFamily="49" charset="0"/>
-              </a:rPr>
-              <a:t>(</a:t>
-            </a:r>
-            <a:r>
-              <a:rPr lang="en-US" dirty="0">
-                <a:solidFill>
-                  <a:srgbClr val="0000FF"/>
-                </a:solidFill>
-                <a:latin typeface="Consolas" panose="020B0609020204030204" pitchFamily="49" charset="0"/>
-              </a:rPr>
-              <a:t>double</a:t>
-            </a:r>
-            <a:r>
-              <a:rPr lang="en-US" dirty="0">
-                <a:solidFill>
-                  <a:srgbClr val="000000"/>
-                </a:solidFill>
-                <a:latin typeface="Consolas" panose="020B0609020204030204" pitchFamily="49" charset="0"/>
-              </a:rPr>
-              <a:t> </a:t>
-            </a:r>
-            <a:r>
-              <a:rPr lang="en-US" dirty="0">
-                <a:solidFill>
-                  <a:srgbClr val="808080"/>
-                </a:solidFill>
-                <a:latin typeface="Consolas" panose="020B0609020204030204" pitchFamily="49" charset="0"/>
-              </a:rPr>
-              <a:t>radius</a:t>
-            </a:r>
-            <a:r>
-              <a:rPr lang="en-US" dirty="0">
-                <a:solidFill>
-                  <a:srgbClr val="000000"/>
-                </a:solidFill>
-                <a:latin typeface="Consolas" panose="020B0609020204030204" pitchFamily="49" charset="0"/>
-              </a:rPr>
-              <a:t>) {</a:t>
-            </a:r>
-          </a:p>
-          <a:p>
-            <a:pPr marL="0" indent="0">
-              <a:buNone/>
-            </a:pPr>
-            <a:r>
-              <a:rPr lang="en-US" dirty="0">
-                <a:solidFill>
-                  <a:srgbClr val="000000"/>
-                </a:solidFill>
-                <a:latin typeface="Consolas" panose="020B0609020204030204" pitchFamily="49" charset="0"/>
-              </a:rPr>
-              <a:t>    </a:t>
-            </a:r>
-            <a:r>
-              <a:rPr lang="en-US" dirty="0" err="1">
-                <a:solidFill>
-                  <a:srgbClr val="2B91AF"/>
-                </a:solidFill>
-                <a:latin typeface="Consolas" panose="020B0609020204030204" pitchFamily="49" charset="0"/>
-              </a:rPr>
-              <a:t>TCircle</a:t>
-            </a:r>
-            <a:r>
-              <a:rPr lang="en-US" dirty="0">
-                <a:solidFill>
-                  <a:srgbClr val="000000"/>
-                </a:solidFill>
-                <a:latin typeface="Consolas" panose="020B0609020204030204" pitchFamily="49" charset="0"/>
-              </a:rPr>
-              <a:t> circle = </a:t>
-            </a:r>
-            <a:r>
-              <a:rPr lang="en-US" dirty="0" smtClean="0">
-                <a:solidFill>
-                  <a:srgbClr val="000000"/>
-                </a:solidFill>
-                <a:latin typeface="Consolas" panose="020B0609020204030204" pitchFamily="49" charset="0"/>
-              </a:rPr>
-              <a:t>{</a:t>
-            </a:r>
-            <a:endParaRPr lang="ru-RU" dirty="0">
-              <a:solidFill>
-                <a:srgbClr val="000000"/>
-              </a:solidFill>
-              <a:latin typeface="Consolas" panose="020B0609020204030204" pitchFamily="49" charset="0"/>
-            </a:endParaRPr>
-          </a:p>
-          <a:p>
-            <a:pPr marL="0" indent="0">
-              <a:buNone/>
-            </a:pPr>
-            <a:r>
-              <a:rPr lang="ru-RU" dirty="0" smtClean="0">
-                <a:solidFill>
-                  <a:srgbClr val="000000"/>
-                </a:solidFill>
-                <a:latin typeface="Consolas" panose="020B0609020204030204" pitchFamily="49" charset="0"/>
-              </a:rPr>
-              <a:t>        </a:t>
-            </a:r>
-            <a:r>
-              <a:rPr lang="en-US" dirty="0" smtClean="0">
-                <a:solidFill>
-                  <a:srgbClr val="000000"/>
-                </a:solidFill>
-                <a:latin typeface="Consolas" panose="020B0609020204030204" pitchFamily="49" charset="0"/>
-              </a:rPr>
-              <a:t>{ </a:t>
-            </a:r>
-            <a:r>
-              <a:rPr lang="en-US" dirty="0" err="1">
-                <a:solidFill>
-                  <a:srgbClr val="000000"/>
-                </a:solidFill>
-                <a:latin typeface="Consolas" panose="020B0609020204030204" pitchFamily="49" charset="0"/>
-              </a:rPr>
-              <a:t>CircleCalcArea</a:t>
-            </a:r>
-            <a:r>
-              <a:rPr lang="en-US" dirty="0">
-                <a:solidFill>
-                  <a:srgbClr val="000000"/>
-                </a:solidFill>
-                <a:latin typeface="Consolas" panose="020B0609020204030204" pitchFamily="49" charset="0"/>
-              </a:rPr>
-              <a:t>, </a:t>
-            </a:r>
-            <a:r>
-              <a:rPr lang="en-US" dirty="0" err="1">
-                <a:solidFill>
-                  <a:srgbClr val="000000"/>
-                </a:solidFill>
-                <a:latin typeface="Consolas" panose="020B0609020204030204" pitchFamily="49" charset="0"/>
-              </a:rPr>
-              <a:t>CircleCalcPerimeter</a:t>
-            </a:r>
-            <a:r>
-              <a:rPr lang="en-US" dirty="0">
-                <a:solidFill>
-                  <a:srgbClr val="000000"/>
-                </a:solidFill>
-                <a:latin typeface="Consolas" panose="020B0609020204030204" pitchFamily="49" charset="0"/>
-              </a:rPr>
-              <a:t> </a:t>
-            </a:r>
-            <a:r>
-              <a:rPr lang="en-US" dirty="0" smtClean="0">
-                <a:solidFill>
-                  <a:srgbClr val="000000"/>
-                </a:solidFill>
-                <a:latin typeface="Consolas" panose="020B0609020204030204" pitchFamily="49" charset="0"/>
-              </a:rPr>
-              <a:t>},</a:t>
-            </a:r>
-            <a:endParaRPr lang="ru-RU" dirty="0" smtClean="0">
-              <a:solidFill>
-                <a:srgbClr val="000000"/>
-              </a:solidFill>
-              <a:latin typeface="Consolas" panose="020B0609020204030204" pitchFamily="49" charset="0"/>
-            </a:endParaRPr>
-          </a:p>
-          <a:p>
-            <a:pPr marL="0" indent="0">
-              <a:buNone/>
-            </a:pPr>
-            <a:r>
-              <a:rPr lang="ru-RU" dirty="0">
-                <a:solidFill>
-                  <a:srgbClr val="000000"/>
-                </a:solidFill>
-                <a:latin typeface="Consolas" panose="020B0609020204030204" pitchFamily="49" charset="0"/>
-              </a:rPr>
-              <a:t> </a:t>
-            </a:r>
-            <a:r>
-              <a:rPr lang="ru-RU" dirty="0" smtClean="0">
-                <a:solidFill>
-                  <a:srgbClr val="000000"/>
-                </a:solidFill>
-                <a:latin typeface="Consolas" panose="020B0609020204030204" pitchFamily="49" charset="0"/>
-              </a:rPr>
-              <a:t>      </a:t>
-            </a:r>
-            <a:r>
-              <a:rPr lang="en-US" dirty="0" smtClean="0">
-                <a:solidFill>
-                  <a:srgbClr val="000000"/>
-                </a:solidFill>
-                <a:latin typeface="Consolas" panose="020B0609020204030204" pitchFamily="49" charset="0"/>
-              </a:rPr>
-              <a:t> </a:t>
-            </a:r>
-            <a:r>
-              <a:rPr lang="en-US" dirty="0" smtClean="0">
-                <a:solidFill>
-                  <a:srgbClr val="808080"/>
-                </a:solidFill>
-                <a:latin typeface="Consolas" panose="020B0609020204030204" pitchFamily="49" charset="0"/>
-              </a:rPr>
-              <a:t>radius</a:t>
-            </a:r>
-            <a:endParaRPr lang="ru-RU" dirty="0" smtClean="0">
-              <a:solidFill>
-                <a:srgbClr val="000000"/>
-              </a:solidFill>
-              <a:latin typeface="Consolas" panose="020B0609020204030204" pitchFamily="49" charset="0"/>
-            </a:endParaRPr>
-          </a:p>
-          <a:p>
-            <a:pPr marL="0" indent="0">
-              <a:buNone/>
-            </a:pPr>
-            <a:r>
-              <a:rPr lang="ru-RU" dirty="0">
-                <a:solidFill>
-                  <a:srgbClr val="000000"/>
-                </a:solidFill>
-                <a:latin typeface="Consolas" panose="020B0609020204030204" pitchFamily="49" charset="0"/>
-              </a:rPr>
-              <a:t> </a:t>
-            </a:r>
-            <a:r>
-              <a:rPr lang="ru-RU" dirty="0" smtClean="0">
-                <a:solidFill>
-                  <a:srgbClr val="000000"/>
-                </a:solidFill>
-                <a:latin typeface="Consolas" panose="020B0609020204030204" pitchFamily="49" charset="0"/>
-              </a:rPr>
-              <a:t>   </a:t>
-            </a:r>
-            <a:r>
-              <a:rPr lang="en-US" dirty="0" smtClean="0">
-                <a:solidFill>
-                  <a:srgbClr val="000000"/>
-                </a:solidFill>
-                <a:latin typeface="Consolas" panose="020B0609020204030204" pitchFamily="49" charset="0"/>
-              </a:rPr>
-              <a:t>};</a:t>
-            </a:r>
-            <a:endParaRPr lang="en-US" dirty="0">
-              <a:solidFill>
-                <a:srgbClr val="000000"/>
-              </a:solidFill>
-              <a:latin typeface="Consolas" panose="020B0609020204030204" pitchFamily="49" charset="0"/>
-            </a:endParaRPr>
-          </a:p>
-          <a:p>
-            <a:pPr marL="0" indent="0">
-              <a:buNone/>
-            </a:pPr>
-            <a:r>
-              <a:rPr lang="en-US" dirty="0">
-                <a:solidFill>
-                  <a:srgbClr val="000000"/>
-                </a:solidFill>
-                <a:latin typeface="Consolas" panose="020B0609020204030204" pitchFamily="49" charset="0"/>
-              </a:rPr>
-              <a:t>    </a:t>
-            </a:r>
-            <a:r>
-              <a:rPr lang="en-US" dirty="0">
-                <a:solidFill>
-                  <a:srgbClr val="0000FF"/>
-                </a:solidFill>
-                <a:latin typeface="Consolas" panose="020B0609020204030204" pitchFamily="49" charset="0"/>
-              </a:rPr>
-              <a:t>return</a:t>
-            </a:r>
-            <a:r>
-              <a:rPr lang="en-US" dirty="0">
-                <a:solidFill>
-                  <a:srgbClr val="000000"/>
-                </a:solidFill>
-                <a:latin typeface="Consolas" panose="020B0609020204030204" pitchFamily="49" charset="0"/>
-              </a:rPr>
-              <a:t> circle;</a:t>
-            </a:r>
-          </a:p>
-          <a:p>
-            <a:pPr marL="0" indent="0">
-              <a:buNone/>
-            </a:pPr>
-            <a:r>
-              <a:rPr lang="ru-RU" dirty="0">
-                <a:solidFill>
-                  <a:srgbClr val="000000"/>
-                </a:solidFill>
-                <a:latin typeface="Consolas" panose="020B0609020204030204" pitchFamily="49" charset="0"/>
-              </a:rPr>
-              <a:t>}</a:t>
-            </a:r>
-          </a:p>
-          <a:p>
-            <a:endParaRPr lang="ru-RU" dirty="0"/>
+            <a:endParaRPr lang="ru-RU" sz="1600" dirty="0"/>
           </a:p>
         </p:txBody>
       </p:sp>
@@ -9032,13 +8965,6 @@
   <p:clrMapOvr>
     <a:masterClrMapping/>
   </p:clrMapOvr>
-  <p:timing>
-    <p:tnLst>
-      <p:par>
-        <p:cTn id="1" dur="indefinite" restart="never" nodeType="tmRoot"/>
-      </p:par>
-    </p:tnLst>
-  </p:timing>
 </p:sld>
 </file>
 
@@ -9081,15 +9007,15 @@
               <a:t>Пример </a:t>
             </a:r>
             <a:r>
-              <a:rPr lang="en-US" dirty="0" err="1" smtClean="0"/>
+              <a:rPr lang="en-US" dirty="0" err="1"/>
               <a:t>oop_rectangle.h</a:t>
             </a:r>
             <a:r>
-              <a:rPr lang="en-US" dirty="0" smtClean="0"/>
+              <a:rPr lang="en-US" dirty="0"/>
               <a:t> </a:t>
             </a:r>
             <a:r>
-              <a:rPr lang="ru-RU" dirty="0" smtClean="0"/>
+              <a:rPr lang="ru-RU" dirty="0"/>
               <a:t>и </a:t>
             </a:r>
             <a:r>
@@ -9097,14 +9023,13 @@
               <a:t>oop_rectangle</a:t>
             </a:r>
             <a:r>
-              <a:rPr lang="en-US" dirty="0" smtClean="0"/>
+              <a:rPr lang="en-US" dirty="0"/>
               <a:t>.</a:t>
             </a:r>
             <a:r>
-              <a:rPr lang="ru-RU" dirty="0" smtClean="0"/>
+              <a:rPr lang="ru-RU" dirty="0"/>
               <a:t>с</a:t>
             </a:r>
-            <a:endParaRPr lang="ru-RU" dirty="0"/>
           </a:p>
         </p:txBody>
       </p:sp>
@@ -9118,10 +9043,15 @@
             <p:ph sz="half" idx="1"/>
           </p:nvPr>
         </p:nvSpPr>
-        <p:spPr/>
+        <p:spPr>
+          <a:xfrm>
+            <a:off x="609600" y="1600201"/>
+            <a:ext cx="4262264" cy="4525963"/>
+          </a:xfrm>
+        </p:spPr>
         <p:txBody>
           <a:bodyPr>
-            <a:normAutofit fontScale="47500" lnSpcReduction="20000"/>
+            <a:normAutofit lnSpcReduction="10000"/>
           </a:bodyPr>
           <a:lstStyle/>
           <a:p>
@@ -9129,7 +9059,7 @@
               <a:buNone/>
             </a:pPr>
             <a:r>
-              <a:rPr lang="en-US" dirty="0">
+              <a:rPr lang="en-US" sz="1600" dirty="0">
                 <a:solidFill>
                   <a:srgbClr val="808080"/>
                 </a:solidFill>
@@ -9138,7 +9068,7 @@
               <a:t>#pragma</a:t>
             </a:r>
             <a:r>
-              <a:rPr lang="en-US" dirty="0">
+              <a:rPr lang="en-US" sz="1600" dirty="0">
                 <a:solidFill>
                   <a:srgbClr val="000000"/>
                 </a:solidFill>
@@ -9147,7 +9077,7 @@
               <a:t> </a:t>
             </a:r>
             <a:r>
-              <a:rPr lang="en-US" dirty="0">
+              <a:rPr lang="en-US" sz="1600" dirty="0">
                 <a:solidFill>
                   <a:srgbClr val="808080"/>
                 </a:solidFill>
@@ -9155,7 +9085,7 @@
               </a:rPr>
               <a:t>once</a:t>
             </a:r>
-            <a:endParaRPr lang="en-US" dirty="0">
+            <a:endParaRPr lang="en-US" sz="1600" dirty="0">
               <a:solidFill>
                 <a:srgbClr val="000000"/>
               </a:solidFill>
@@ -9167,7 +9097,7 @@
               <a:buNone/>
             </a:pPr>
             <a:r>
-              <a:rPr lang="en-US" dirty="0">
+              <a:rPr lang="en-US" sz="1600" dirty="0">
                 <a:solidFill>
                   <a:srgbClr val="808080"/>
                 </a:solidFill>
@@ -9176,7 +9106,7 @@
               <a:t>#include</a:t>
             </a:r>
             <a:r>
-              <a:rPr lang="en-US" dirty="0">
+              <a:rPr lang="en-US" sz="1600" dirty="0">
                 <a:solidFill>
                   <a:srgbClr val="000000"/>
                 </a:solidFill>
@@ -9185,7 +9115,7 @@
               <a:t> </a:t>
             </a:r>
             <a:r>
-              <a:rPr lang="en-US" dirty="0">
+              <a:rPr lang="en-US" sz="1600" dirty="0">
                 <a:solidFill>
                   <a:srgbClr val="A31515"/>
                 </a:solidFill>
@@ -9194,7 +9124,7 @@
               <a:t>"</a:t>
             </a:r>
             <a:r>
-              <a:rPr lang="en-US" dirty="0" err="1">
+              <a:rPr lang="en-US" sz="1600" dirty="0" err="1">
                 <a:solidFill>
                   <a:srgbClr val="A31515"/>
                 </a:solidFill>
@@ -9203,7 +9133,7 @@
               <a:t>oop_figures.h</a:t>
             </a:r>
             <a:r>
-              <a:rPr lang="en-US" dirty="0">
+              <a:rPr lang="en-US" sz="1600" dirty="0">
                 <a:solidFill>
                   <a:srgbClr val="A31515"/>
                 </a:solidFill>
@@ -9211,7 +9141,7 @@
               </a:rPr>
               <a:t>"</a:t>
             </a:r>
-            <a:endParaRPr lang="en-US" dirty="0">
+            <a:endParaRPr lang="en-US" sz="1600" dirty="0">
               <a:solidFill>
                 <a:srgbClr val="000000"/>
               </a:solidFill>
@@ -9222,7 +9152,7 @@
             <a:pPr marL="0" indent="0">
               <a:buNone/>
             </a:pPr>
-            <a:endParaRPr lang="ru-RU" dirty="0">
+            <a:endParaRPr lang="ru-RU" sz="1600" dirty="0">
               <a:solidFill>
                 <a:srgbClr val="000000"/>
               </a:solidFill>
@@ -9234,7 +9164,7 @@
               <a:buNone/>
             </a:pPr>
             <a:r>
-              <a:rPr lang="en-US" dirty="0" err="1">
+              <a:rPr lang="en-US" sz="1600" dirty="0" err="1">
                 <a:solidFill>
                   <a:srgbClr val="2B91AF"/>
                 </a:solidFill>
@@ -9243,7 +9173,7 @@
               <a:t>TRectangle</a:t>
             </a:r>
             <a:r>
-              <a:rPr lang="en-US" dirty="0">
+              <a:rPr lang="en-US" sz="1600" dirty="0">
                 <a:solidFill>
                   <a:srgbClr val="000000"/>
                 </a:solidFill>
@@ -9252,7 +9182,7 @@
               <a:t> </a:t>
             </a:r>
             <a:r>
-              <a:rPr lang="en-US" dirty="0" err="1">
+              <a:rPr lang="en-US" sz="1600" dirty="0" err="1">
                 <a:solidFill>
                   <a:srgbClr val="000000"/>
                 </a:solidFill>
@@ -9261,7 +9191,7 @@
               <a:t>MakeRectangle</a:t>
             </a:r>
             <a:r>
-              <a:rPr lang="en-US" dirty="0">
+              <a:rPr lang="en-US" sz="1600" dirty="0">
                 <a:solidFill>
                   <a:srgbClr val="000000"/>
                 </a:solidFill>
@@ -9269,8 +9199,22 @@
               </a:rPr>
               <a:t>(</a:t>
             </a:r>
-            <a:r>
-              <a:rPr lang="en-US" dirty="0">
+          </a:p>
+          <a:p>
+            <a:pPr marL="0" indent="0">
+              <a:buNone/>
+            </a:pPr>
+            <a:r>
+              <a:rPr lang="en-US" sz="1600" dirty="0">
+                <a:solidFill>
+                  <a:srgbClr val="000000"/>
+                </a:solidFill>
+                <a:latin typeface="Consolas" panose="020B0609020204030204" pitchFamily="49" charset="0"/>
+              </a:rPr>
+              <a:t>  </a:t>
+            </a:r>
+            <a:r>
+              <a:rPr lang="en-US" sz="1600" dirty="0">
                 <a:solidFill>
                   <a:srgbClr val="0000FF"/>
                 </a:solidFill>
@@ -9279,7 +9223,7 @@
               <a:t>double</a:t>
             </a:r>
             <a:r>
-              <a:rPr lang="en-US" dirty="0">
+              <a:rPr lang="en-US" sz="1600" dirty="0">
                 <a:solidFill>
                   <a:srgbClr val="000000"/>
                 </a:solidFill>
@@ -9288,16 +9232,16 @@
               <a:t> </a:t>
             </a:r>
             <a:r>
-              <a:rPr lang="en-US" dirty="0">
+              <a:rPr lang="en-US" sz="1600" dirty="0">
                 <a:solidFill>
                   <a:srgbClr val="808080"/>
                 </a:solidFill>
                 <a:latin typeface="Consolas" panose="020B0609020204030204" pitchFamily="49" charset="0"/>
               </a:rPr>
-              <a:t>width</a:t>
-            </a:r>
-            <a:r>
-              <a:rPr lang="en-US" dirty="0">
+              <a:t>w</a:t>
+            </a:r>
+            <a:r>
+              <a:rPr lang="en-US" sz="1600" dirty="0">
                 <a:solidFill>
                   <a:srgbClr val="000000"/>
                 </a:solidFill>
@@ -9305,8 +9249,22 @@
               </a:rPr>
               <a:t>, </a:t>
             </a:r>
-            <a:r>
-              <a:rPr lang="en-US" dirty="0">
+          </a:p>
+          <a:p>
+            <a:pPr marL="0" indent="0">
+              <a:buNone/>
+            </a:pPr>
+            <a:r>
+              <a:rPr lang="en-US" sz="1600" dirty="0">
+                <a:solidFill>
+                  <a:srgbClr val="000000"/>
+                </a:solidFill>
+                <a:latin typeface="Consolas" panose="020B0609020204030204" pitchFamily="49" charset="0"/>
+              </a:rPr>
+              <a:t>  </a:t>
+            </a:r>
+            <a:r>
+              <a:rPr lang="en-US" sz="1600" dirty="0">
                 <a:solidFill>
                   <a:srgbClr val="0000FF"/>
                 </a:solidFill>
@@ -9315,7 +9273,7 @@
               <a:t>double</a:t>
             </a:r>
             <a:r>
-              <a:rPr lang="en-US" dirty="0">
+              <a:rPr lang="en-US" sz="1600" dirty="0">
                 <a:solidFill>
                   <a:srgbClr val="000000"/>
                 </a:solidFill>
@@ -9324,16 +9282,16 @@
               <a:t> </a:t>
             </a:r>
             <a:r>
-              <a:rPr lang="en-US" dirty="0">
+              <a:rPr lang="en-US" sz="1600" dirty="0">
                 <a:solidFill>
                   <a:srgbClr val="808080"/>
                 </a:solidFill>
                 <a:latin typeface="Consolas" panose="020B0609020204030204" pitchFamily="49" charset="0"/>
               </a:rPr>
-              <a:t>height</a:t>
-            </a:r>
-            <a:r>
-              <a:rPr lang="en-US" dirty="0">
+              <a:t>h</a:t>
+            </a:r>
+            <a:r>
+              <a:rPr lang="en-US" sz="1600" dirty="0">
                 <a:solidFill>
                   <a:srgbClr val="000000"/>
                 </a:solidFill>
@@ -9346,7 +9304,7 @@
             <a:pPr marL="0" indent="0">
               <a:buNone/>
             </a:pPr>
-            <a:endParaRPr lang="ru-RU" dirty="0">
+            <a:endParaRPr lang="ru-RU" sz="1600" dirty="0">
               <a:solidFill>
                 <a:srgbClr val="000000"/>
               </a:solidFill>
@@ -9365,10 +9323,15 @@
             <p:ph sz="half" idx="2"/>
           </p:nvPr>
         </p:nvSpPr>
-        <p:spPr/>
+        <p:spPr>
+          <a:xfrm>
+            <a:off x="5519936" y="1600201"/>
+            <a:ext cx="6062464" cy="4525963"/>
+          </a:xfrm>
+        </p:spPr>
         <p:txBody>
           <a:bodyPr>
-            <a:normAutofit fontScale="47500" lnSpcReduction="20000"/>
+            <a:normAutofit lnSpcReduction="10000"/>
           </a:bodyPr>
           <a:lstStyle/>
           <a:p>
@@ -9376,7 +9339,7 @@
               <a:buNone/>
             </a:pPr>
             <a:r>
-              <a:rPr lang="en-US" dirty="0">
+              <a:rPr lang="en-US" sz="1600" dirty="0">
                 <a:solidFill>
                   <a:srgbClr val="808080"/>
                 </a:solidFill>
@@ -9385,7 +9348,7 @@
               <a:t>#include</a:t>
             </a:r>
             <a:r>
-              <a:rPr lang="en-US" dirty="0">
+              <a:rPr lang="en-US" sz="1600" dirty="0">
                 <a:solidFill>
                   <a:srgbClr val="000000"/>
                 </a:solidFill>
@@ -9394,7 +9357,7 @@
               <a:t> </a:t>
             </a:r>
             <a:r>
-              <a:rPr lang="en-US" dirty="0">
+              <a:rPr lang="en-US" sz="1600" dirty="0">
                 <a:solidFill>
                   <a:srgbClr val="A31515"/>
                 </a:solidFill>
@@ -9403,7 +9366,7 @@
               <a:t>"</a:t>
             </a:r>
             <a:r>
-              <a:rPr lang="en-US" dirty="0" err="1">
+              <a:rPr lang="en-US" sz="1600" dirty="0" err="1">
                 <a:solidFill>
                   <a:srgbClr val="A31515"/>
                 </a:solidFill>
@@ -9412,7 +9375,7 @@
               <a:t>oop_rectangle.h</a:t>
             </a:r>
             <a:r>
-              <a:rPr lang="en-US" dirty="0">
+              <a:rPr lang="en-US" sz="1600" dirty="0">
                 <a:solidFill>
                   <a:srgbClr val="A31515"/>
                 </a:solidFill>
@@ -9420,7 +9383,7 @@
               </a:rPr>
               <a:t>"</a:t>
             </a:r>
-            <a:endParaRPr lang="en-US" dirty="0">
+            <a:endParaRPr lang="en-US" sz="1600" dirty="0">
               <a:solidFill>
                 <a:srgbClr val="000000"/>
               </a:solidFill>
@@ -9431,7 +9394,7 @@
             <a:pPr marL="0" indent="0">
               <a:buNone/>
             </a:pPr>
-            <a:endParaRPr lang="ru-RU" dirty="0">
+            <a:endParaRPr lang="ru-RU" sz="1600" dirty="0">
               <a:solidFill>
                 <a:srgbClr val="000000"/>
               </a:solidFill>
@@ -9443,7 +9406,7 @@
               <a:buNone/>
             </a:pPr>
             <a:r>
-              <a:rPr lang="en-US" dirty="0">
+              <a:rPr lang="en-US" sz="1600" dirty="0">
                 <a:solidFill>
                   <a:srgbClr val="0000FF"/>
                 </a:solidFill>
@@ -9452,7 +9415,7 @@
               <a:t>static</a:t>
             </a:r>
             <a:r>
-              <a:rPr lang="en-US" dirty="0">
+              <a:rPr lang="en-US" sz="1600" dirty="0">
                 <a:solidFill>
                   <a:srgbClr val="000000"/>
                 </a:solidFill>
@@ -9461,7 +9424,7 @@
               <a:t> </a:t>
             </a:r>
             <a:r>
-              <a:rPr lang="en-US" dirty="0">
+              <a:rPr lang="en-US" sz="1600" dirty="0">
                 <a:solidFill>
                   <a:srgbClr val="0000FF"/>
                 </a:solidFill>
@@ -9470,7 +9433,7 @@
               <a:t>double</a:t>
             </a:r>
             <a:r>
-              <a:rPr lang="en-US" dirty="0">
+              <a:rPr lang="en-US" sz="1600" dirty="0">
                 <a:solidFill>
                   <a:srgbClr val="000000"/>
                 </a:solidFill>
@@ -9479,16 +9442,16 @@
               <a:t> </a:t>
             </a:r>
             <a:r>
-              <a:rPr lang="en-US" dirty="0" err="1">
-                <a:solidFill>
-                  <a:srgbClr val="000000"/>
-                </a:solidFill>
-                <a:latin typeface="Consolas" panose="020B0609020204030204" pitchFamily="49" charset="0"/>
-              </a:rPr>
-              <a:t>RectangleCalcArea</a:t>
-            </a:r>
-            <a:r>
-              <a:rPr lang="en-US" dirty="0" smtClean="0">
+              <a:rPr lang="en-US" sz="1600" dirty="0" err="1">
+                <a:solidFill>
+                  <a:srgbClr val="000000"/>
+                </a:solidFill>
+                <a:latin typeface="Consolas" panose="020B0609020204030204" pitchFamily="49" charset="0"/>
+              </a:rPr>
+              <a:t>CalcArea</a:t>
+            </a:r>
+            <a:r>
+              <a:rPr lang="en-US" sz="1600" dirty="0">
                 <a:solidFill>
                   <a:srgbClr val="000000"/>
                 </a:solidFill>
@@ -9496,13 +9459,85 @@
               </a:rPr>
               <a:t>(</a:t>
             </a:r>
+            <a:r>
+              <a:rPr lang="en-US" sz="1600" dirty="0">
+                <a:solidFill>
+                  <a:srgbClr val="0000FF"/>
+                </a:solidFill>
+                <a:latin typeface="Consolas" panose="020B0609020204030204" pitchFamily="49" charset="0"/>
+              </a:rPr>
+              <a:t>const</a:t>
+            </a:r>
+            <a:r>
+              <a:rPr lang="en-US" sz="1600" dirty="0">
+                <a:solidFill>
+                  <a:srgbClr val="000000"/>
+                </a:solidFill>
+                <a:latin typeface="Consolas" panose="020B0609020204030204" pitchFamily="49" charset="0"/>
+              </a:rPr>
+              <a:t> </a:t>
+            </a:r>
+            <a:r>
+              <a:rPr lang="en-US" sz="1600" dirty="0" err="1">
+                <a:solidFill>
+                  <a:srgbClr val="2B91AF"/>
+                </a:solidFill>
+                <a:latin typeface="Consolas" panose="020B0609020204030204" pitchFamily="49" charset="0"/>
+              </a:rPr>
+              <a:t>TFigure</a:t>
+            </a:r>
+            <a:r>
+              <a:rPr lang="en-US" sz="1600" dirty="0">
+                <a:solidFill>
+                  <a:srgbClr val="000000"/>
+                </a:solidFill>
+                <a:latin typeface="Consolas" panose="020B0609020204030204" pitchFamily="49" charset="0"/>
+              </a:rPr>
+              <a:t> *</a:t>
+            </a:r>
+            <a:r>
+              <a:rPr lang="en-US" sz="1600" dirty="0">
+                <a:solidFill>
+                  <a:srgbClr val="808080"/>
+                </a:solidFill>
+                <a:latin typeface="Consolas" panose="020B0609020204030204" pitchFamily="49" charset="0"/>
+              </a:rPr>
+              <a:t>me</a:t>
+            </a:r>
+            <a:r>
+              <a:rPr lang="en-US" sz="1600" dirty="0">
+                <a:solidFill>
+                  <a:srgbClr val="000000"/>
+                </a:solidFill>
+                <a:latin typeface="Consolas" panose="020B0609020204030204" pitchFamily="49" charset="0"/>
+              </a:rPr>
+              <a:t>) {</a:t>
+            </a:r>
           </a:p>
           <a:p>
             <a:pPr marL="0" indent="0">
               <a:buNone/>
             </a:pPr>
             <a:r>
-              <a:rPr lang="en-US" dirty="0">
+              <a:rPr lang="en-US" sz="1600" dirty="0">
+                <a:solidFill>
+                  <a:srgbClr val="000000"/>
+                </a:solidFill>
+                <a:latin typeface="Consolas" panose="020B0609020204030204" pitchFamily="49" charset="0"/>
+              </a:rPr>
+              <a:t>  </a:t>
+            </a:r>
+            <a:r>
+              <a:rPr lang="en-US" sz="1600" dirty="0">
+                <a:solidFill>
+                  <a:srgbClr val="0000FF"/>
+                </a:solidFill>
+                <a:latin typeface="Consolas" panose="020B0609020204030204" pitchFamily="49" charset="0"/>
+              </a:rPr>
+              <a:t>return</a:t>
+            </a:r>
+            <a:r>
+              <a:rPr lang="en-US" sz="1600" dirty="0">
                 <a:solidFill>
                   <a:srgbClr val="000000"/>
                 </a:solidFill>
@@ -9511,25 +9546,34 @@
               <a:t> </a:t>
             </a:r>
             <a:r>
-              <a:rPr lang="en-US" dirty="0" smtClean="0">
-                <a:solidFill>
-                  <a:srgbClr val="000000"/>
-                </a:solidFill>
-                <a:latin typeface="Consolas" panose="020B0609020204030204" pitchFamily="49" charset="0"/>
-              </a:rPr>
-              <a:t>   </a:t>
-            </a:r>
-            <a:r>
-              <a:rPr lang="en-US" dirty="0" err="1" smtClean="0">
-                <a:solidFill>
-                  <a:srgbClr val="0000FF"/>
-                </a:solidFill>
-                <a:latin typeface="Consolas" panose="020B0609020204030204" pitchFamily="49" charset="0"/>
-              </a:rPr>
-              <a:t>const</a:t>
-            </a:r>
-            <a:r>
-              <a:rPr lang="en-US" dirty="0" smtClean="0">
+              <a:rPr lang="en-US" sz="1600" dirty="0">
+                <a:solidFill>
+                  <a:srgbClr val="808080"/>
+                </a:solidFill>
+                <a:latin typeface="Consolas" panose="020B0609020204030204" pitchFamily="49" charset="0"/>
+              </a:rPr>
+              <a:t>me</a:t>
+            </a:r>
+            <a:r>
+              <a:rPr lang="en-US" sz="1600" dirty="0">
+                <a:solidFill>
+                  <a:srgbClr val="000000"/>
+                </a:solidFill>
+                <a:latin typeface="Consolas" panose="020B0609020204030204" pitchFamily="49" charset="0"/>
+              </a:rPr>
+              <a:t>-&gt;</a:t>
+            </a:r>
+            <a:r>
+              <a:rPr lang="en-US" sz="1600" dirty="0" err="1">
+                <a:solidFill>
+                  <a:srgbClr val="000000"/>
+                </a:solidFill>
+                <a:latin typeface="Consolas" panose="020B0609020204030204" pitchFamily="49" charset="0"/>
+              </a:rPr>
+              <a:t>Rectangle.Height</a:t>
+            </a:r>
+            <a:r>
+              <a:rPr lang="en-US" sz="1600" dirty="0">
                 <a:solidFill>
                   <a:srgbClr val="000000"/>
                 </a:solidFill>
@@ -9537,41 +9581,58 @@
               </a:rPr>
               <a:t> </a:t>
             </a:r>
-            <a:r>
-              <a:rPr lang="en-US" dirty="0" err="1">
-                <a:solidFill>
-                  <a:srgbClr val="2B91AF"/>
-                </a:solidFill>
-                <a:latin typeface="Consolas" panose="020B0609020204030204" pitchFamily="49" charset="0"/>
-              </a:rPr>
-              <a:t>TFigure</a:t>
-            </a:r>
-            <a:r>
-              <a:rPr lang="en-US" dirty="0">
-                <a:solidFill>
-                  <a:srgbClr val="000000"/>
-                </a:solidFill>
-                <a:latin typeface="Consolas" panose="020B0609020204030204" pitchFamily="49" charset="0"/>
-              </a:rPr>
-              <a:t> *</a:t>
-            </a:r>
-            <a:r>
-              <a:rPr lang="en-US" dirty="0">
+            <a:br>
+              <a:rPr lang="en-US" sz="1600" dirty="0">
+                <a:solidFill>
+                  <a:srgbClr val="000000"/>
+                </a:solidFill>
+                <a:latin typeface="Consolas" panose="020B0609020204030204" pitchFamily="49" charset="0"/>
+              </a:rPr>
+            </a:br>
+            <a:r>
+              <a:rPr lang="en-US" sz="1600" dirty="0">
+                <a:solidFill>
+                  <a:srgbClr val="000000"/>
+                </a:solidFill>
+                <a:latin typeface="Consolas" panose="020B0609020204030204" pitchFamily="49" charset="0"/>
+              </a:rPr>
+              <a:t>    *</a:t>
+            </a:r>
+            <a:r>
+              <a:rPr lang="en-US" sz="1600" dirty="0">
                 <a:solidFill>
                   <a:srgbClr val="808080"/>
                 </a:solidFill>
                 <a:latin typeface="Consolas" panose="020B0609020204030204" pitchFamily="49" charset="0"/>
               </a:rPr>
-              <a:t>me</a:t>
-            </a:r>
-            <a:r>
-              <a:rPr lang="en-US" dirty="0">
-                <a:solidFill>
-                  <a:srgbClr val="000000"/>
-                </a:solidFill>
-                <a:latin typeface="Consolas" panose="020B0609020204030204" pitchFamily="49" charset="0"/>
-              </a:rPr>
-              <a:t>) {</a:t>
+              <a:t> me</a:t>
+            </a:r>
+            <a:r>
+              <a:rPr lang="en-US" sz="1600" dirty="0">
+                <a:solidFill>
+                  <a:srgbClr val="000000"/>
+                </a:solidFill>
+                <a:latin typeface="Consolas" panose="020B0609020204030204" pitchFamily="49" charset="0"/>
+              </a:rPr>
+              <a:t>-&gt;</a:t>
+            </a:r>
+            <a:r>
+              <a:rPr lang="en-US" sz="1600" dirty="0" err="1">
+                <a:solidFill>
+                  <a:srgbClr val="000000"/>
+                </a:solidFill>
+                <a:latin typeface="Consolas" panose="020B0609020204030204" pitchFamily="49" charset="0"/>
+              </a:rPr>
+              <a:t>Rectangle.Width</a:t>
+            </a:r>
+            <a:r>
+              <a:rPr lang="en-US" sz="1600" dirty="0">
+                <a:solidFill>
+                  <a:srgbClr val="000000"/>
+                </a:solidFill>
+                <a:latin typeface="Consolas" panose="020B0609020204030204" pitchFamily="49" charset="0"/>
+              </a:rPr>
+              <a:t>;</a:t>
             </a:r>
           </a:p>
           <a:p>
@@ -9579,147 +9640,20 @@
               <a:buNone/>
             </a:pPr>
             <a:r>
-              <a:rPr lang="en-US" dirty="0">
-                <a:solidFill>
-                  <a:srgbClr val="000000"/>
-                </a:solidFill>
-                <a:latin typeface="Consolas" panose="020B0609020204030204" pitchFamily="49" charset="0"/>
-              </a:rPr>
-              <a:t>    </a:t>
-            </a:r>
-            <a:r>
-              <a:rPr lang="en-US" dirty="0">
-                <a:solidFill>
-                  <a:srgbClr val="0000FF"/>
-                </a:solidFill>
-                <a:latin typeface="Consolas" panose="020B0609020204030204" pitchFamily="49" charset="0"/>
-              </a:rPr>
-              <a:t>return</a:t>
-            </a:r>
-            <a:r>
-              <a:rPr lang="en-US" dirty="0">
-                <a:solidFill>
-                  <a:srgbClr val="000000"/>
-                </a:solidFill>
-                <a:latin typeface="Consolas" panose="020B0609020204030204" pitchFamily="49" charset="0"/>
-              </a:rPr>
-              <a:t> </a:t>
-            </a:r>
-            <a:r>
-              <a:rPr lang="en-US" dirty="0">
-                <a:solidFill>
-                  <a:srgbClr val="808080"/>
-                </a:solidFill>
-                <a:latin typeface="Consolas" panose="020B0609020204030204" pitchFamily="49" charset="0"/>
-              </a:rPr>
-              <a:t>me</a:t>
-            </a:r>
-            <a:r>
-              <a:rPr lang="en-US" dirty="0">
-                <a:solidFill>
-                  <a:srgbClr val="000000"/>
-                </a:solidFill>
-                <a:latin typeface="Consolas" panose="020B0609020204030204" pitchFamily="49" charset="0"/>
-              </a:rPr>
-              <a:t>-&gt;</a:t>
-            </a:r>
-            <a:r>
-              <a:rPr lang="en-US" dirty="0" err="1">
-                <a:solidFill>
-                  <a:srgbClr val="000000"/>
-                </a:solidFill>
-                <a:latin typeface="Consolas" panose="020B0609020204030204" pitchFamily="49" charset="0"/>
-              </a:rPr>
-              <a:t>Rectangle.Height</a:t>
-            </a:r>
-            <a:r>
-              <a:rPr lang="en-US" dirty="0">
-                <a:solidFill>
-                  <a:srgbClr val="000000"/>
-                </a:solidFill>
-                <a:latin typeface="Consolas" panose="020B0609020204030204" pitchFamily="49" charset="0"/>
-              </a:rPr>
-              <a:t> </a:t>
-            </a:r>
-            <a:r>
-              <a:rPr lang="en-US" dirty="0" smtClean="0">
-                <a:solidFill>
-                  <a:srgbClr val="000000"/>
-                </a:solidFill>
-                <a:latin typeface="Consolas" panose="020B0609020204030204" pitchFamily="49" charset="0"/>
-              </a:rPr>
-              <a:t>*</a:t>
+              <a:rPr lang="ru-RU" sz="1600" dirty="0">
+                <a:solidFill>
+                  <a:srgbClr val="000000"/>
+                </a:solidFill>
+                <a:latin typeface="Consolas" panose="020B0609020204030204" pitchFamily="49" charset="0"/>
+              </a:rPr>
+              <a:t>}</a:t>
             </a:r>
           </a:p>
           <a:p>
             <a:pPr marL="0" indent="0">
               <a:buNone/>
             </a:pPr>
-            <a:r>
-              <a:rPr lang="en-US" dirty="0" smtClean="0">
-                <a:solidFill>
-                  <a:srgbClr val="808080"/>
-                </a:solidFill>
-                <a:latin typeface="Consolas" panose="020B0609020204030204" pitchFamily="49" charset="0"/>
-              </a:rPr>
-              <a:t>        me</a:t>
-            </a:r>
-            <a:r>
-              <a:rPr lang="en-US" dirty="0" smtClean="0">
-                <a:solidFill>
-                  <a:srgbClr val="000000"/>
-                </a:solidFill>
-                <a:latin typeface="Consolas" panose="020B0609020204030204" pitchFamily="49" charset="0"/>
-              </a:rPr>
-              <a:t>-</a:t>
-            </a:r>
-            <a:r>
-              <a:rPr lang="en-US" dirty="0">
-                <a:solidFill>
-                  <a:srgbClr val="000000"/>
-                </a:solidFill>
-                <a:latin typeface="Consolas" panose="020B0609020204030204" pitchFamily="49" charset="0"/>
-              </a:rPr>
-              <a:t>&gt;</a:t>
-            </a:r>
-            <a:r>
-              <a:rPr lang="en-US" dirty="0" err="1">
-                <a:solidFill>
-                  <a:srgbClr val="000000"/>
-                </a:solidFill>
-                <a:latin typeface="Consolas" panose="020B0609020204030204" pitchFamily="49" charset="0"/>
-              </a:rPr>
-              <a:t>Rectangle.Width</a:t>
-            </a:r>
-            <a:r>
-              <a:rPr lang="en-US" dirty="0">
-                <a:solidFill>
-                  <a:srgbClr val="000000"/>
-                </a:solidFill>
-                <a:latin typeface="Consolas" panose="020B0609020204030204" pitchFamily="49" charset="0"/>
-              </a:rPr>
-              <a:t>;</a:t>
-            </a:r>
-          </a:p>
-          <a:p>
-            <a:pPr marL="0" indent="0">
-              <a:buNone/>
-            </a:pPr>
-            <a:r>
-              <a:rPr lang="ru-RU" dirty="0">
-                <a:solidFill>
-                  <a:srgbClr val="000000"/>
-                </a:solidFill>
-                <a:latin typeface="Consolas" panose="020B0609020204030204" pitchFamily="49" charset="0"/>
-              </a:rPr>
-              <a:t>}</a:t>
-            </a:r>
-          </a:p>
-          <a:p>
-            <a:pPr marL="0" indent="0">
-              <a:buNone/>
-            </a:pPr>
-            <a:endParaRPr lang="ru-RU" dirty="0">
+            <a:endParaRPr lang="ru-RU" sz="1600" dirty="0">
               <a:solidFill>
                 <a:srgbClr val="000000"/>
               </a:solidFill>
@@ -9731,7 +9665,7 @@
               <a:buNone/>
             </a:pPr>
             <a:r>
-              <a:rPr lang="en-US" dirty="0">
+              <a:rPr lang="en-US" sz="1600" dirty="0">
                 <a:solidFill>
                   <a:srgbClr val="0000FF"/>
                 </a:solidFill>
@@ -9740,7 +9674,7 @@
               <a:t>static</a:t>
             </a:r>
             <a:r>
-              <a:rPr lang="en-US" dirty="0">
+              <a:rPr lang="en-US" sz="1600" dirty="0">
                 <a:solidFill>
                   <a:srgbClr val="000000"/>
                 </a:solidFill>
@@ -9749,7 +9683,7 @@
               <a:t> </a:t>
             </a:r>
             <a:r>
-              <a:rPr lang="en-US" dirty="0">
+              <a:rPr lang="en-US" sz="1600" dirty="0">
                 <a:solidFill>
                   <a:srgbClr val="0000FF"/>
                 </a:solidFill>
@@ -9758,7 +9692,7 @@
               <a:t>double</a:t>
             </a:r>
             <a:r>
-              <a:rPr lang="en-US" dirty="0">
+              <a:rPr lang="en-US" sz="1600" dirty="0">
                 <a:solidFill>
                   <a:srgbClr val="000000"/>
                 </a:solidFill>
@@ -9767,16 +9701,16 @@
               <a:t> </a:t>
             </a:r>
             <a:r>
-              <a:rPr lang="en-US" dirty="0" err="1">
-                <a:solidFill>
-                  <a:srgbClr val="000000"/>
-                </a:solidFill>
-                <a:latin typeface="Consolas" panose="020B0609020204030204" pitchFamily="49" charset="0"/>
-              </a:rPr>
-              <a:t>RectangleCalcPerimeter</a:t>
-            </a:r>
-            <a:r>
-              <a:rPr lang="en-US" dirty="0" smtClean="0">
+              <a:rPr lang="en-US" sz="1600" dirty="0" err="1">
+                <a:solidFill>
+                  <a:srgbClr val="000000"/>
+                </a:solidFill>
+                <a:latin typeface="Consolas" panose="020B0609020204030204" pitchFamily="49" charset="0"/>
+              </a:rPr>
+              <a:t>CalcPerimeter</a:t>
+            </a:r>
+            <a:r>
+              <a:rPr lang="en-US" sz="1600" dirty="0">
                 <a:solidFill>
                   <a:srgbClr val="000000"/>
                 </a:solidFill>
@@ -9784,13 +9718,121 @@
               </a:rPr>
               <a:t>(</a:t>
             </a:r>
+            <a:r>
+              <a:rPr lang="en-US" sz="1600" dirty="0">
+                <a:solidFill>
+                  <a:srgbClr val="0000FF"/>
+                </a:solidFill>
+                <a:latin typeface="Consolas" panose="020B0609020204030204" pitchFamily="49" charset="0"/>
+              </a:rPr>
+              <a:t>const</a:t>
+            </a:r>
+            <a:r>
+              <a:rPr lang="en-US" sz="1600" dirty="0">
+                <a:solidFill>
+                  <a:srgbClr val="000000"/>
+                </a:solidFill>
+                <a:latin typeface="Consolas" panose="020B0609020204030204" pitchFamily="49" charset="0"/>
+              </a:rPr>
+              <a:t> </a:t>
+            </a:r>
+            <a:r>
+              <a:rPr lang="en-US" sz="1600" dirty="0" err="1">
+                <a:solidFill>
+                  <a:srgbClr val="2B91AF"/>
+                </a:solidFill>
+                <a:latin typeface="Consolas" panose="020B0609020204030204" pitchFamily="49" charset="0"/>
+              </a:rPr>
+              <a:t>TFigure</a:t>
+            </a:r>
+            <a:r>
+              <a:rPr lang="en-US" sz="1600" dirty="0">
+                <a:solidFill>
+                  <a:srgbClr val="000000"/>
+                </a:solidFill>
+                <a:latin typeface="Consolas" panose="020B0609020204030204" pitchFamily="49" charset="0"/>
+              </a:rPr>
+              <a:t> *</a:t>
+            </a:r>
+            <a:r>
+              <a:rPr lang="en-US" sz="1600" dirty="0">
+                <a:solidFill>
+                  <a:srgbClr val="808080"/>
+                </a:solidFill>
+                <a:latin typeface="Consolas" panose="020B0609020204030204" pitchFamily="49" charset="0"/>
+              </a:rPr>
+              <a:t>me</a:t>
+            </a:r>
+            <a:r>
+              <a:rPr lang="en-US" sz="1600" dirty="0">
+                <a:solidFill>
+                  <a:srgbClr val="000000"/>
+                </a:solidFill>
+                <a:latin typeface="Consolas" panose="020B0609020204030204" pitchFamily="49" charset="0"/>
+              </a:rPr>
+              <a:t>) {</a:t>
+            </a:r>
           </a:p>
           <a:p>
             <a:pPr marL="0" indent="0">
               <a:buNone/>
             </a:pPr>
             <a:r>
-              <a:rPr lang="en-US" dirty="0">
+              <a:rPr lang="en-US" sz="1600" dirty="0">
+                <a:solidFill>
+                  <a:srgbClr val="000000"/>
+                </a:solidFill>
+                <a:latin typeface="Consolas" panose="020B0609020204030204" pitchFamily="49" charset="0"/>
+              </a:rPr>
+              <a:t>  </a:t>
+            </a:r>
+            <a:r>
+              <a:rPr lang="en-US" sz="1600" dirty="0">
+                <a:solidFill>
+                  <a:srgbClr val="0000FF"/>
+                </a:solidFill>
+                <a:latin typeface="Consolas" panose="020B0609020204030204" pitchFamily="49" charset="0"/>
+              </a:rPr>
+              <a:t>return</a:t>
+            </a:r>
+            <a:r>
+              <a:rPr lang="en-US" sz="1600" dirty="0">
+                <a:solidFill>
+                  <a:srgbClr val="000000"/>
+                </a:solidFill>
+                <a:latin typeface="Consolas" panose="020B0609020204030204" pitchFamily="49" charset="0"/>
+              </a:rPr>
+              <a:t> 2 * (</a:t>
+            </a:r>
+            <a:r>
+              <a:rPr lang="en-US" sz="1600" dirty="0">
+                <a:solidFill>
+                  <a:srgbClr val="808080"/>
+                </a:solidFill>
+                <a:latin typeface="Consolas" panose="020B0609020204030204" pitchFamily="49" charset="0"/>
+              </a:rPr>
+              <a:t>me</a:t>
+            </a:r>
+            <a:r>
+              <a:rPr lang="en-US" sz="1600" dirty="0">
+                <a:solidFill>
+                  <a:srgbClr val="000000"/>
+                </a:solidFill>
+                <a:latin typeface="Consolas" panose="020B0609020204030204" pitchFamily="49" charset="0"/>
+              </a:rPr>
+              <a:t>-&gt;</a:t>
+            </a:r>
+            <a:r>
+              <a:rPr lang="en-US" sz="1600" dirty="0" err="1">
+                <a:solidFill>
+                  <a:srgbClr val="000000"/>
+                </a:solidFill>
+                <a:latin typeface="Consolas" panose="020B0609020204030204" pitchFamily="49" charset="0"/>
+              </a:rPr>
+              <a:t>Rectangle.Height</a:t>
+            </a:r>
+            <a:r>
+              <a:rPr lang="en-US" sz="1600" dirty="0">
                 <a:solidFill>
                   <a:srgbClr val="000000"/>
                 </a:solidFill>
@@ -9798,53 +9840,25 @@
               </a:rPr>
               <a:t> </a:t>
             </a:r>
-            <a:r>
-              <a:rPr lang="en-US" dirty="0" smtClean="0">
-                <a:solidFill>
-                  <a:srgbClr val="000000"/>
-                </a:solidFill>
-                <a:latin typeface="Consolas" panose="020B0609020204030204" pitchFamily="49" charset="0"/>
-              </a:rPr>
-              <a:t>   </a:t>
-            </a:r>
-            <a:r>
-              <a:rPr lang="en-US" dirty="0" err="1" smtClean="0">
-                <a:solidFill>
-                  <a:srgbClr val="0000FF"/>
-                </a:solidFill>
-                <a:latin typeface="Consolas" panose="020B0609020204030204" pitchFamily="49" charset="0"/>
-              </a:rPr>
-              <a:t>const</a:t>
-            </a:r>
-            <a:r>
-              <a:rPr lang="en-US" dirty="0" smtClean="0">
-                <a:solidFill>
-                  <a:srgbClr val="000000"/>
-                </a:solidFill>
-                <a:latin typeface="Consolas" panose="020B0609020204030204" pitchFamily="49" charset="0"/>
-              </a:rPr>
-              <a:t> </a:t>
-            </a:r>
-            <a:r>
-              <a:rPr lang="en-US" dirty="0" err="1">
-                <a:solidFill>
-                  <a:srgbClr val="2B91AF"/>
-                </a:solidFill>
-                <a:latin typeface="Consolas" panose="020B0609020204030204" pitchFamily="49" charset="0"/>
-              </a:rPr>
-              <a:t>TFigure</a:t>
-            </a:r>
-            <a:r>
-              <a:rPr lang="en-US" dirty="0">
-                <a:solidFill>
-                  <a:srgbClr val="000000"/>
-                </a:solidFill>
-                <a:latin typeface="Consolas" panose="020B0609020204030204" pitchFamily="49" charset="0"/>
-              </a:rPr>
-              <a:t> *</a:t>
-            </a:r>
-            <a:r>
-              <a:rPr lang="en-US" dirty="0">
+            <a:br>
+              <a:rPr lang="en-US" sz="1600" dirty="0">
+                <a:solidFill>
+                  <a:srgbClr val="000000"/>
+                </a:solidFill>
+                <a:latin typeface="Consolas" panose="020B0609020204030204" pitchFamily="49" charset="0"/>
+              </a:rPr>
+            </a:br>
+            <a:r>
+              <a:rPr lang="en-US" sz="1600" dirty="0">
+                <a:solidFill>
+                  <a:srgbClr val="000000"/>
+                </a:solidFill>
+                <a:latin typeface="Consolas" panose="020B0609020204030204" pitchFamily="49" charset="0"/>
+              </a:rPr>
+              <a:t>    + </a:t>
+            </a:r>
+            <a:r>
+              <a:rPr lang="en-US" sz="1600" dirty="0">
                 <a:solidFill>
                   <a:srgbClr val="808080"/>
                 </a:solidFill>
@@ -9853,13 +9867,31 @@
               <a:t>me</a:t>
             </a:r>
             <a:r>
-              <a:rPr lang="en-US" dirty="0">
-                <a:solidFill>
-                  <a:srgbClr val="000000"/>
-                </a:solidFill>
-                <a:latin typeface="Consolas" panose="020B0609020204030204" pitchFamily="49" charset="0"/>
-              </a:rPr>
-              <a:t>) {</a:t>
+              <a:rPr lang="en-US" sz="1600" dirty="0">
+                <a:solidFill>
+                  <a:srgbClr val="000000"/>
+                </a:solidFill>
+                <a:latin typeface="Consolas" panose="020B0609020204030204" pitchFamily="49" charset="0"/>
+              </a:rPr>
+              <a:t>-&gt;</a:t>
+            </a:r>
+            <a:r>
+              <a:rPr lang="en-US" sz="1600" dirty="0" err="1">
+                <a:solidFill>
+                  <a:srgbClr val="000000"/>
+                </a:solidFill>
+                <a:latin typeface="Consolas" panose="020B0609020204030204" pitchFamily="49" charset="0"/>
+              </a:rPr>
+              <a:t>Rectangle.Width</a:t>
+            </a:r>
+            <a:r>
+              <a:rPr lang="en-US" sz="1600" dirty="0">
+                <a:solidFill>
+                  <a:srgbClr val="000000"/>
+                </a:solidFill>
+                <a:latin typeface="Consolas" panose="020B0609020204030204" pitchFamily="49" charset="0"/>
+              </a:rPr>
+              <a:t>);</a:t>
             </a:r>
           </a:p>
           <a:p>
@@ -9867,156 +9899,20 @@
               <a:buNone/>
             </a:pPr>
             <a:r>
-              <a:rPr lang="en-US" dirty="0">
-                <a:solidFill>
-                  <a:srgbClr val="000000"/>
-                </a:solidFill>
-                <a:latin typeface="Consolas" panose="020B0609020204030204" pitchFamily="49" charset="0"/>
-              </a:rPr>
-              <a:t>    </a:t>
-            </a:r>
-            <a:r>
-              <a:rPr lang="en-US" dirty="0">
-                <a:solidFill>
-                  <a:srgbClr val="0000FF"/>
-                </a:solidFill>
-                <a:latin typeface="Consolas" panose="020B0609020204030204" pitchFamily="49" charset="0"/>
-              </a:rPr>
-              <a:t>return</a:t>
-            </a:r>
-            <a:r>
-              <a:rPr lang="en-US" dirty="0">
-                <a:solidFill>
-                  <a:srgbClr val="000000"/>
-                </a:solidFill>
-                <a:latin typeface="Consolas" panose="020B0609020204030204" pitchFamily="49" charset="0"/>
-              </a:rPr>
-              <a:t> 2 * (</a:t>
-            </a:r>
-            <a:r>
-              <a:rPr lang="en-US" dirty="0">
-                <a:solidFill>
-                  <a:srgbClr val="808080"/>
-                </a:solidFill>
-                <a:latin typeface="Consolas" panose="020B0609020204030204" pitchFamily="49" charset="0"/>
-              </a:rPr>
-              <a:t>me</a:t>
-            </a:r>
-            <a:r>
-              <a:rPr lang="en-US" dirty="0">
-                <a:solidFill>
-                  <a:srgbClr val="000000"/>
-                </a:solidFill>
-                <a:latin typeface="Consolas" panose="020B0609020204030204" pitchFamily="49" charset="0"/>
-              </a:rPr>
-              <a:t>-&gt;</a:t>
-            </a:r>
-            <a:r>
-              <a:rPr lang="en-US" dirty="0" err="1">
-                <a:solidFill>
-                  <a:srgbClr val="000000"/>
-                </a:solidFill>
-                <a:latin typeface="Consolas" panose="020B0609020204030204" pitchFamily="49" charset="0"/>
-              </a:rPr>
-              <a:t>Rectangle.Height</a:t>
-            </a:r>
-            <a:r>
-              <a:rPr lang="en-US" dirty="0">
-                <a:solidFill>
-                  <a:srgbClr val="000000"/>
-                </a:solidFill>
-                <a:latin typeface="Consolas" panose="020B0609020204030204" pitchFamily="49" charset="0"/>
-              </a:rPr>
-              <a:t> </a:t>
-            </a:r>
-            <a:r>
-              <a:rPr lang="en-US" dirty="0" smtClean="0">
-                <a:solidFill>
-                  <a:srgbClr val="000000"/>
-                </a:solidFill>
-                <a:latin typeface="Consolas" panose="020B0609020204030204" pitchFamily="49" charset="0"/>
-              </a:rPr>
-              <a:t>+</a:t>
+              <a:rPr lang="ru-RU" sz="1600" dirty="0">
+                <a:solidFill>
+                  <a:srgbClr val="000000"/>
+                </a:solidFill>
+                <a:latin typeface="Consolas" panose="020B0609020204030204" pitchFamily="49" charset="0"/>
+              </a:rPr>
+              <a:t>}</a:t>
             </a:r>
           </a:p>
           <a:p>
             <a:pPr marL="0" indent="0">
               <a:buNone/>
             </a:pPr>
-            <a:r>
-              <a:rPr lang="en-US" dirty="0">
-                <a:solidFill>
-                  <a:srgbClr val="000000"/>
-                </a:solidFill>
-                <a:latin typeface="Consolas" panose="020B0609020204030204" pitchFamily="49" charset="0"/>
-              </a:rPr>
-              <a:t> </a:t>
-            </a:r>
-            <a:r>
-              <a:rPr lang="en-US" dirty="0" smtClean="0">
-                <a:solidFill>
-                  <a:srgbClr val="000000"/>
-                </a:solidFill>
-                <a:latin typeface="Consolas" panose="020B0609020204030204" pitchFamily="49" charset="0"/>
-              </a:rPr>
-              <a:t>        </a:t>
-            </a:r>
-            <a:r>
-              <a:rPr lang="en-US" dirty="0">
-                <a:solidFill>
-                  <a:srgbClr val="808080"/>
-                </a:solidFill>
-                <a:latin typeface="Consolas" panose="020B0609020204030204" pitchFamily="49" charset="0"/>
-              </a:rPr>
-              <a:t>me</a:t>
-            </a:r>
-            <a:r>
-              <a:rPr lang="en-US" dirty="0">
-                <a:solidFill>
-                  <a:srgbClr val="000000"/>
-                </a:solidFill>
-                <a:latin typeface="Consolas" panose="020B0609020204030204" pitchFamily="49" charset="0"/>
-              </a:rPr>
-              <a:t>-&gt;</a:t>
-            </a:r>
-            <a:r>
-              <a:rPr lang="en-US" dirty="0" err="1">
-                <a:solidFill>
-                  <a:srgbClr val="000000"/>
-                </a:solidFill>
-                <a:latin typeface="Consolas" panose="020B0609020204030204" pitchFamily="49" charset="0"/>
-              </a:rPr>
-              <a:t>Rectangle.Width</a:t>
-            </a:r>
-            <a:r>
-              <a:rPr lang="en-US" dirty="0">
-                <a:solidFill>
-                  <a:srgbClr val="000000"/>
-                </a:solidFill>
-                <a:latin typeface="Consolas" panose="020B0609020204030204" pitchFamily="49" charset="0"/>
-              </a:rPr>
-              <a:t>);</a:t>
-            </a:r>
-          </a:p>
-          <a:p>
-            <a:pPr marL="0" indent="0">
-              <a:buNone/>
-            </a:pPr>
-            <a:r>
-              <a:rPr lang="ru-RU" dirty="0">
-                <a:solidFill>
-                  <a:srgbClr val="000000"/>
-                </a:solidFill>
-                <a:latin typeface="Consolas" panose="020B0609020204030204" pitchFamily="49" charset="0"/>
-              </a:rPr>
-              <a:t>}</a:t>
-            </a:r>
-          </a:p>
-          <a:p>
-            <a:pPr marL="0" indent="0">
-              <a:buNone/>
-            </a:pPr>
-            <a:endParaRPr lang="ru-RU" dirty="0">
+            <a:endParaRPr lang="ru-RU" sz="1600" dirty="0">
               <a:solidFill>
                 <a:srgbClr val="000000"/>
               </a:solidFill>
@@ -10028,7 +9924,7 @@
               <a:buNone/>
             </a:pPr>
             <a:r>
-              <a:rPr lang="en-US" dirty="0" err="1">
+              <a:rPr lang="en-US" sz="1600" dirty="0" err="1">
                 <a:solidFill>
                   <a:srgbClr val="2B91AF"/>
                 </a:solidFill>
@@ -10037,7 +9933,7 @@
               <a:t>TRectangle</a:t>
             </a:r>
             <a:r>
-              <a:rPr lang="en-US" dirty="0">
+              <a:rPr lang="en-US" sz="1600" dirty="0">
                 <a:solidFill>
                   <a:srgbClr val="000000"/>
                 </a:solidFill>
@@ -10046,7 +9942,7 @@
               <a:t> </a:t>
             </a:r>
             <a:r>
-              <a:rPr lang="en-US" dirty="0" err="1">
+              <a:rPr lang="en-US" sz="1600" dirty="0" err="1">
                 <a:solidFill>
                   <a:srgbClr val="000000"/>
                 </a:solidFill>
@@ -10055,7 +9951,7 @@
               <a:t>MakeRectangle</a:t>
             </a:r>
             <a:r>
-              <a:rPr lang="en-US" dirty="0">
+              <a:rPr lang="en-US" sz="1600" dirty="0">
                 <a:solidFill>
                   <a:srgbClr val="000000"/>
                 </a:solidFill>
@@ -10064,7 +9960,7 @@
               <a:t>(</a:t>
             </a:r>
             <a:r>
-              <a:rPr lang="en-US" dirty="0">
+              <a:rPr lang="en-US" sz="1600" dirty="0">
                 <a:solidFill>
                   <a:srgbClr val="0000FF"/>
                 </a:solidFill>
@@ -10073,7 +9969,7 @@
               <a:t>double</a:t>
             </a:r>
             <a:r>
-              <a:rPr lang="en-US" dirty="0">
+              <a:rPr lang="en-US" sz="1600" dirty="0">
                 <a:solidFill>
                   <a:srgbClr val="000000"/>
                 </a:solidFill>
@@ -10082,16 +9978,16 @@
               <a:t> </a:t>
             </a:r>
             <a:r>
-              <a:rPr lang="en-US" dirty="0">
+              <a:rPr lang="en-US" sz="1600" dirty="0">
                 <a:solidFill>
                   <a:srgbClr val="808080"/>
                 </a:solidFill>
                 <a:latin typeface="Consolas" panose="020B0609020204030204" pitchFamily="49" charset="0"/>
               </a:rPr>
-              <a:t>width</a:t>
-            </a:r>
-            <a:r>
-              <a:rPr lang="en-US" dirty="0">
+              <a:t>w</a:t>
+            </a:r>
+            <a:r>
+              <a:rPr lang="en-US" sz="1600" dirty="0">
                 <a:solidFill>
                   <a:srgbClr val="000000"/>
                 </a:solidFill>
@@ -10100,7 +9996,7 @@
               <a:t>, </a:t>
             </a:r>
             <a:r>
-              <a:rPr lang="en-US" dirty="0">
+              <a:rPr lang="en-US" sz="1600" dirty="0">
                 <a:solidFill>
                   <a:srgbClr val="0000FF"/>
                 </a:solidFill>
@@ -10109,7 +10005,7 @@
               <a:t>double</a:t>
             </a:r>
             <a:r>
-              <a:rPr lang="en-US" dirty="0">
+              <a:rPr lang="en-US" sz="1600" dirty="0">
                 <a:solidFill>
                   <a:srgbClr val="000000"/>
                 </a:solidFill>
@@ -10118,16 +10014,16 @@
               <a:t> </a:t>
             </a:r>
             <a:r>
-              <a:rPr lang="en-US" dirty="0">
+              <a:rPr lang="en-US" sz="1600" dirty="0">
                 <a:solidFill>
                   <a:srgbClr val="808080"/>
                 </a:solidFill>
                 <a:latin typeface="Consolas" panose="020B0609020204030204" pitchFamily="49" charset="0"/>
               </a:rPr>
-              <a:t>height</a:t>
-            </a:r>
-            <a:r>
-              <a:rPr lang="en-US" dirty="0">
+              <a:t>h</a:t>
+            </a:r>
+            <a:r>
+              <a:rPr lang="en-US" sz="1600" dirty="0">
                 <a:solidFill>
                   <a:srgbClr val="000000"/>
                 </a:solidFill>
@@ -10141,40 +10037,103 @@
               <a:buNone/>
             </a:pPr>
             <a:r>
-              <a:rPr lang="en-US" dirty="0">
-                <a:solidFill>
-                  <a:srgbClr val="000000"/>
-                </a:solidFill>
-                <a:latin typeface="Consolas" panose="020B0609020204030204" pitchFamily="49" charset="0"/>
-              </a:rPr>
-              <a:t>    </a:t>
-            </a:r>
-            <a:r>
-              <a:rPr lang="en-US" dirty="0" err="1">
+              <a:rPr lang="en-US" sz="1600" dirty="0">
                 <a:solidFill>
                   <a:srgbClr val="2B91AF"/>
                 </a:solidFill>
                 <a:latin typeface="Consolas" panose="020B0609020204030204" pitchFamily="49" charset="0"/>
               </a:rPr>
+              <a:t>  </a:t>
+            </a:r>
+            <a:r>
+              <a:rPr lang="en-US" sz="1600" dirty="0" err="1">
+                <a:solidFill>
+                  <a:srgbClr val="2B91AF"/>
+                </a:solidFill>
+                <a:latin typeface="Consolas" panose="020B0609020204030204" pitchFamily="49" charset="0"/>
+              </a:rPr>
               <a:t>TRectangle</a:t>
             </a:r>
             <a:r>
-              <a:rPr lang="en-US" dirty="0">
-                <a:solidFill>
-                  <a:srgbClr val="000000"/>
-                </a:solidFill>
-                <a:latin typeface="Consolas" panose="020B0609020204030204" pitchFamily="49" charset="0"/>
-              </a:rPr>
-              <a:t> rectangle = </a:t>
-            </a:r>
-            <a:r>
-              <a:rPr lang="en-US" dirty="0" smtClean="0">
-                <a:solidFill>
-                  <a:srgbClr val="000000"/>
-                </a:solidFill>
-                <a:latin typeface="Consolas" panose="020B0609020204030204" pitchFamily="49" charset="0"/>
-              </a:rPr>
-              <a:t>{</a:t>
+              <a:rPr lang="en-US" sz="1600" dirty="0">
+                <a:solidFill>
+                  <a:srgbClr val="000000"/>
+                </a:solidFill>
+                <a:latin typeface="Consolas" panose="020B0609020204030204" pitchFamily="49" charset="0"/>
+              </a:rPr>
+              <a:t> x = {{</a:t>
+            </a:r>
+            <a:r>
+              <a:rPr lang="en-US" sz="1600" dirty="0" err="1">
+                <a:solidFill>
+                  <a:srgbClr val="000000"/>
+                </a:solidFill>
+                <a:latin typeface="Consolas" panose="020B0609020204030204" pitchFamily="49" charset="0"/>
+              </a:rPr>
+              <a:t>CalcArea</a:t>
+            </a:r>
+            <a:r>
+              <a:rPr lang="en-US" sz="1600" dirty="0">
+                <a:solidFill>
+                  <a:srgbClr val="000000"/>
+                </a:solidFill>
+                <a:latin typeface="Consolas" panose="020B0609020204030204" pitchFamily="49" charset="0"/>
+              </a:rPr>
+              <a:t>, </a:t>
+            </a:r>
+            <a:r>
+              <a:rPr lang="en-US" sz="1600" dirty="0" err="1">
+                <a:solidFill>
+                  <a:srgbClr val="000000"/>
+                </a:solidFill>
+                <a:latin typeface="Consolas" panose="020B0609020204030204" pitchFamily="49" charset="0"/>
+              </a:rPr>
+              <a:t>CalcPerimeter</a:t>
+            </a:r>
+            <a:r>
+              <a:rPr lang="en-US" sz="1600" dirty="0">
+                <a:solidFill>
+                  <a:srgbClr val="000000"/>
+                </a:solidFill>
+                <a:latin typeface="Consolas" panose="020B0609020204030204" pitchFamily="49" charset="0"/>
+              </a:rPr>
+              <a:t>}, </a:t>
+            </a:r>
+            <a:r>
+              <a:rPr lang="en-US" sz="1600" dirty="0">
+                <a:solidFill>
+                  <a:srgbClr val="808080"/>
+                </a:solidFill>
+                <a:latin typeface="Consolas" panose="020B0609020204030204" pitchFamily="49" charset="0"/>
+              </a:rPr>
+              <a:t>w</a:t>
+            </a:r>
+            <a:r>
+              <a:rPr lang="en-US" sz="1600" dirty="0">
+                <a:solidFill>
+                  <a:srgbClr val="000000"/>
+                </a:solidFill>
+                <a:latin typeface="Consolas" panose="020B0609020204030204" pitchFamily="49" charset="0"/>
+              </a:rPr>
+              <a:t>, </a:t>
+            </a:r>
+            <a:r>
+              <a:rPr lang="en-US" sz="1600" dirty="0">
+                <a:solidFill>
+                  <a:srgbClr val="808080"/>
+                </a:solidFill>
+                <a:latin typeface="Consolas" panose="020B0609020204030204" pitchFamily="49" charset="0"/>
+              </a:rPr>
+              <a:t>h</a:t>
+            </a:r>
+            <a:r>
+              <a:rPr lang="en-US" sz="1600" dirty="0">
+                <a:solidFill>
+                  <a:srgbClr val="000000"/>
+                </a:solidFill>
+                <a:latin typeface="Consolas" panose="020B0609020204030204" pitchFamily="49" charset="0"/>
+              </a:rPr>
+              <a:t>};</a:t>
             </a:r>
           </a:p>
           <a:p>
@@ -10182,58 +10141,31 @@
               <a:buNone/>
             </a:pPr>
             <a:r>
-              <a:rPr lang="en-US" dirty="0">
-                <a:solidFill>
-                  <a:srgbClr val="000000"/>
-                </a:solidFill>
-                <a:latin typeface="Consolas" panose="020B0609020204030204" pitchFamily="49" charset="0"/>
-              </a:rPr>
-              <a:t> </a:t>
-            </a:r>
-            <a:r>
-              <a:rPr lang="en-US" dirty="0" smtClean="0">
-                <a:solidFill>
-                  <a:srgbClr val="000000"/>
-                </a:solidFill>
-                <a:latin typeface="Consolas" panose="020B0609020204030204" pitchFamily="49" charset="0"/>
-              </a:rPr>
-              <a:t>       { </a:t>
-            </a:r>
-            <a:r>
-              <a:rPr lang="en-US" dirty="0" err="1" smtClean="0">
-                <a:solidFill>
-                  <a:srgbClr val="000000"/>
-                </a:solidFill>
-                <a:latin typeface="Consolas" panose="020B0609020204030204" pitchFamily="49" charset="0"/>
-              </a:rPr>
-              <a:t>RectangleCalcArea</a:t>
-            </a:r>
-            <a:r>
-              <a:rPr lang="en-US" dirty="0">
-                <a:solidFill>
-                  <a:srgbClr val="000000"/>
-                </a:solidFill>
-                <a:latin typeface="Consolas" panose="020B0609020204030204" pitchFamily="49" charset="0"/>
-              </a:rPr>
-              <a:t>, </a:t>
-            </a:r>
-            <a:r>
-              <a:rPr lang="en-US" dirty="0" err="1" smtClean="0">
-                <a:solidFill>
-                  <a:srgbClr val="000000"/>
-                </a:solidFill>
-                <a:latin typeface="Consolas" panose="020B0609020204030204" pitchFamily="49" charset="0"/>
-              </a:rPr>
-              <a:t>RectangleCalcPerimeter</a:t>
-            </a:r>
-            <a:r>
-              <a:rPr lang="en-US" dirty="0" smtClean="0">
-                <a:solidFill>
-                  <a:srgbClr val="000000"/>
-                </a:solidFill>
-                <a:latin typeface="Consolas" panose="020B0609020204030204" pitchFamily="49" charset="0"/>
-              </a:rPr>
-              <a:t>},</a:t>
+              <a:rPr lang="en-US" sz="1600" dirty="0">
+                <a:solidFill>
+                  <a:srgbClr val="000000"/>
+                </a:solidFill>
+                <a:latin typeface="Consolas" panose="020B0609020204030204" pitchFamily="49" charset="0"/>
+              </a:rPr>
+              <a:t>  </a:t>
+            </a:r>
+            <a:r>
+              <a:rPr lang="en-US" sz="1600" dirty="0">
+                <a:solidFill>
+                  <a:srgbClr val="0000FF"/>
+                </a:solidFill>
+                <a:latin typeface="Consolas" panose="020B0609020204030204" pitchFamily="49" charset="0"/>
+              </a:rPr>
+              <a:t>return</a:t>
+            </a:r>
+            <a:r>
+              <a:rPr lang="en-US" sz="1600" dirty="0">
+                <a:solidFill>
+                  <a:srgbClr val="000000"/>
+                </a:solidFill>
+                <a:latin typeface="Consolas" panose="020B0609020204030204" pitchFamily="49" charset="0"/>
+              </a:rPr>
+              <a:t> x;</a:t>
             </a:r>
           </a:p>
           <a:p>
@@ -10241,132 +10173,7 @@
               <a:buNone/>
             </a:pPr>
             <a:r>
-              <a:rPr lang="en-US" dirty="0">
-                <a:solidFill>
-                  <a:srgbClr val="000000"/>
-                </a:solidFill>
-                <a:latin typeface="Consolas" panose="020B0609020204030204" pitchFamily="49" charset="0"/>
-              </a:rPr>
-              <a:t> </a:t>
-            </a:r>
-            <a:r>
-              <a:rPr lang="en-US" dirty="0" smtClean="0">
-                <a:solidFill>
-                  <a:srgbClr val="000000"/>
-                </a:solidFill>
-                <a:latin typeface="Consolas" panose="020B0609020204030204" pitchFamily="49" charset="0"/>
-              </a:rPr>
-              <a:t>       </a:t>
-            </a:r>
-            <a:r>
-              <a:rPr lang="en-US" dirty="0">
-                <a:solidFill>
-                  <a:srgbClr val="808080"/>
-                </a:solidFill>
-                <a:latin typeface="Consolas" panose="020B0609020204030204" pitchFamily="49" charset="0"/>
-              </a:rPr>
-              <a:t>width</a:t>
-            </a:r>
-            <a:r>
-              <a:rPr lang="en-US" dirty="0" smtClean="0">
-                <a:solidFill>
-                  <a:srgbClr val="000000"/>
-                </a:solidFill>
-                <a:latin typeface="Consolas" panose="020B0609020204030204" pitchFamily="49" charset="0"/>
-              </a:rPr>
-              <a:t>,</a:t>
-            </a:r>
-          </a:p>
-          <a:p>
-            <a:pPr marL="0" indent="0">
-              <a:buNone/>
-            </a:pPr>
-            <a:r>
-              <a:rPr lang="en-US" dirty="0">
-                <a:solidFill>
-                  <a:srgbClr val="000000"/>
-                </a:solidFill>
-                <a:latin typeface="Consolas" panose="020B0609020204030204" pitchFamily="49" charset="0"/>
-              </a:rPr>
-              <a:t> </a:t>
-            </a:r>
-            <a:r>
-              <a:rPr lang="en-US" dirty="0" smtClean="0">
-                <a:solidFill>
-                  <a:srgbClr val="000000"/>
-                </a:solidFill>
-                <a:latin typeface="Consolas" panose="020B0609020204030204" pitchFamily="49" charset="0"/>
-              </a:rPr>
-              <a:t>       </a:t>
-            </a:r>
-            <a:r>
-              <a:rPr lang="en-US" dirty="0" smtClean="0">
-                <a:solidFill>
-                  <a:srgbClr val="808080"/>
-                </a:solidFill>
-                <a:latin typeface="Consolas" panose="020B0609020204030204" pitchFamily="49" charset="0"/>
-              </a:rPr>
-              <a:t>height</a:t>
-            </a:r>
-          </a:p>
-          <a:p>
-            <a:pPr marL="0" indent="0">
-              <a:buNone/>
-            </a:pPr>
-            <a:r>
-              <a:rPr lang="en-US" smtClean="0">
-                <a:solidFill>
-                  <a:srgbClr val="000000"/>
-                </a:solidFill>
-                <a:latin typeface="Consolas" panose="020B0609020204030204" pitchFamily="49" charset="0"/>
-              </a:rPr>
-              <a:t>    };</a:t>
-            </a:r>
-            <a:endParaRPr lang="en-US" dirty="0">
-              <a:solidFill>
-                <a:srgbClr val="000000"/>
-              </a:solidFill>
-              <a:latin typeface="Consolas" panose="020B0609020204030204" pitchFamily="49" charset="0"/>
-            </a:endParaRPr>
-          </a:p>
-          <a:p>
-            <a:pPr marL="0" indent="0">
-              <a:buNone/>
-            </a:pPr>
-            <a:r>
-              <a:rPr lang="en-US" dirty="0">
-                <a:solidFill>
-                  <a:srgbClr val="000000"/>
-                </a:solidFill>
-                <a:latin typeface="Consolas" panose="020B0609020204030204" pitchFamily="49" charset="0"/>
-              </a:rPr>
-              <a:t>    </a:t>
-            </a:r>
-            <a:r>
-              <a:rPr lang="en-US" dirty="0">
-                <a:solidFill>
-                  <a:srgbClr val="0000FF"/>
-                </a:solidFill>
-                <a:latin typeface="Consolas" panose="020B0609020204030204" pitchFamily="49" charset="0"/>
-              </a:rPr>
-              <a:t>return</a:t>
-            </a:r>
-            <a:r>
-              <a:rPr lang="en-US" dirty="0">
-                <a:solidFill>
-                  <a:srgbClr val="000000"/>
-                </a:solidFill>
-                <a:latin typeface="Consolas" panose="020B0609020204030204" pitchFamily="49" charset="0"/>
-              </a:rPr>
-              <a:t> rectangle;</a:t>
-            </a:r>
-          </a:p>
-          <a:p>
-            <a:pPr marL="0" indent="0">
-              <a:buNone/>
-            </a:pPr>
-            <a:r>
-              <a:rPr lang="ru-RU" dirty="0">
+              <a:rPr lang="ru-RU" sz="1600" dirty="0">
                 <a:solidFill>
                   <a:srgbClr val="000000"/>
                 </a:solidFill>
@@ -10376,7 +10183,7 @@
             </a:r>
           </a:p>
           <a:p>
-            <a:endParaRPr lang="ru-RU" dirty="0"/>
+            <a:endParaRPr lang="ru-RU" sz="1600" dirty="0"/>
           </a:p>
         </p:txBody>
       </p:sp>
@@ -10390,13 +10197,6 @@
   <p:clrMapOvr>
     <a:masterClrMapping/>
   </p:clrMapOvr>
-  <p:timing>
-    <p:tnLst>
-      <p:par>
-        <p:cTn id="1" dur="indefinite" restart="never" nodeType="tmRoot"/>
-      </p:par>
-    </p:tnLst>
-  </p:timing>
 </p:sld>
 </file>
 
@@ -10433,10 +10233,9 @@
           <a:lstStyle/>
           <a:p>
             <a:r>
-              <a:rPr lang="ru-RU" dirty="0" smtClean="0"/>
+              <a:rPr lang="ru-RU" dirty="0"/>
               <a:t>Заключение</a:t>
             </a:r>
-            <a:endParaRPr lang="ru-RU" dirty="0"/>
           </a:p>
         </p:txBody>
       </p:sp>
@@ -10549,13 +10348,8 @@
           <a:p>
             <a:r>
               <a:rPr lang="ru-RU" dirty="0"/>
-              <a:t>Примеры </a:t>
-            </a:r>
-            <a:r>
-              <a:rPr lang="ru-RU" dirty="0" smtClean="0"/>
-              <a:t>использования</a:t>
-            </a:r>
-            <a:endParaRPr lang="ru-RU" dirty="0"/>
+              <a:t>Примеры использования</a:t>
+            </a:r>
           </a:p>
         </p:txBody>
       </p:sp>
@@ -10569,13 +10363,6 @@
   <p:clrMapOvr>
     <a:masterClrMapping/>
   </p:clrMapOvr>
-  <p:timing>
-    <p:tnLst>
-      <p:par>
-        <p:cTn id="1" dur="indefinite" restart="never" nodeType="tmRoot"/>
-      </p:par>
-    </p:tnLst>
-  </p:timing>
 </p:sld>
 </file>
 
@@ -10612,10 +10399,9 @@
           <a:lstStyle/>
           <a:p>
             <a:r>
-              <a:rPr lang="ru-RU" dirty="0" smtClean="0"/>
+              <a:rPr lang="ru-RU" dirty="0"/>
               <a:t>План лекции</a:t>
             </a:r>
-            <a:endParaRPr lang="ru-RU" dirty="0"/>
           </a:p>
         </p:txBody>
       </p:sp>
@@ -10728,13 +10514,8 @@
           <a:p>
             <a:r>
               <a:rPr lang="ru-RU" dirty="0"/>
-              <a:t>Примеры </a:t>
-            </a:r>
-            <a:r>
-              <a:rPr lang="ru-RU" dirty="0" smtClean="0"/>
-              <a:t>использования</a:t>
-            </a:r>
-            <a:endParaRPr lang="ru-RU" dirty="0"/>
+              <a:t>Примеры использования</a:t>
+            </a:r>
           </a:p>
         </p:txBody>
       </p:sp>
@@ -10748,13 +10529,6 @@
   <p:clrMapOvr>
     <a:masterClrMapping/>
   </p:clrMapOvr>
-  <p:timing>
-    <p:tnLst>
-      <p:par>
-        <p:cTn id="1" dur="indefinite" restart="never" nodeType="tmRoot"/>
-      </p:par>
-    </p:tnLst>
-  </p:timing>
 </p:sld>
 </file>
 
@@ -10791,10 +10565,9 @@
           <a:lstStyle/>
           <a:p>
             <a:r>
-              <a:rPr lang="ru-RU" dirty="0" smtClean="0"/>
+              <a:rPr lang="ru-RU" dirty="0"/>
               <a:t>Структуры и объединения (повтор)</a:t>
             </a:r>
-            <a:endParaRPr lang="ru-RU" dirty="0"/>
           </a:p>
         </p:txBody>
       </p:sp>
@@ -10816,83 +10589,83 @@
           <a:lstStyle/>
           <a:p>
             <a:r>
-              <a:rPr lang="ru-RU" dirty="0" smtClean="0"/>
+              <a:rPr lang="ru-RU" dirty="0"/>
               <a:t>Структура – это последовательно размещенная в памяти непустая последовательность именованных элементов</a:t>
             </a:r>
           </a:p>
           <a:p>
-            <a:endParaRPr lang="ru-RU" dirty="0" smtClean="0"/>
-          </a:p>
-          <a:p>
-            <a:r>
-              <a:rPr lang="ru-RU" dirty="0" smtClean="0"/>
+            <a:endParaRPr lang="ru-RU" dirty="0"/>
+          </a:p>
+          <a:p>
+            <a:r>
+              <a:rPr lang="ru-RU" dirty="0"/>
               <a:t>Типы элементов</a:t>
             </a:r>
           </a:p>
           <a:p>
             <a:pPr lvl="1"/>
             <a:r>
-              <a:rPr lang="ru-RU" dirty="0" smtClean="0"/>
+              <a:rPr lang="ru-RU" dirty="0"/>
               <a:t>Могут быть разными</a:t>
             </a:r>
           </a:p>
           <a:p>
             <a:pPr lvl="1"/>
             <a:r>
-              <a:rPr lang="ru-RU" dirty="0" smtClean="0"/>
+              <a:rPr lang="ru-RU" dirty="0"/>
               <a:t>Все кроме последнего должны быть полными</a:t>
             </a:r>
           </a:p>
           <a:p>
             <a:pPr lvl="1"/>
             <a:r>
-              <a:rPr lang="ru-RU" dirty="0" smtClean="0"/>
+              <a:rPr lang="ru-RU" dirty="0"/>
               <a:t>Последний может быть полным или неполным типом-массивом</a:t>
             </a:r>
           </a:p>
           <a:p>
             <a:pPr lvl="2"/>
             <a:r>
-              <a:rPr lang="ru-RU" dirty="0" smtClean="0"/>
+              <a:rPr lang="ru-RU" dirty="0"/>
               <a:t>Например, </a:t>
             </a:r>
             <a:r>
-              <a:rPr lang="en-US" dirty="0" err="1" smtClean="0"/>
+              <a:rPr lang="en-US" dirty="0" err="1"/>
               <a:t>struct</a:t>
             </a:r>
             <a:r>
-              <a:rPr lang="en-US" dirty="0" smtClean="0"/>
+              <a:rPr lang="en-US" dirty="0"/>
               <a:t> </a:t>
             </a:r>
             <a:r>
-              <a:rPr lang="en-US" dirty="0" err="1" smtClean="0"/>
+              <a:rPr lang="en-US" dirty="0" err="1"/>
               <a:t>TCharBuffer</a:t>
             </a:r>
             <a:r>
-              <a:rPr lang="en-US" dirty="0" smtClean="0"/>
+              <a:rPr lang="en-US" dirty="0"/>
               <a:t> {</a:t>
             </a:r>
             <a:r>
-              <a:rPr lang="ru-RU" dirty="0" smtClean="0"/>
+              <a:rPr lang="ru-RU" dirty="0"/>
               <a:t> </a:t>
             </a:r>
             <a:r>
-              <a:rPr lang="en-US" dirty="0" err="1" smtClean="0"/>
+              <a:rPr lang="en-US" dirty="0" err="1"/>
               <a:t>int</a:t>
             </a:r>
             <a:r>
-              <a:rPr lang="en-US" dirty="0" smtClean="0"/>
+              <a:rPr lang="en-US" dirty="0"/>
               <a:t> Size; char Data[];</a:t>
             </a:r>
             <a:r>
-              <a:rPr lang="ru-RU" dirty="0" smtClean="0"/>
+              <a:rPr lang="ru-RU" dirty="0"/>
               <a:t> </a:t>
             </a:r>
             <a:r>
-              <a:rPr lang="en-US" dirty="0" smtClean="0"/>
+              <a:rPr lang="en-US" dirty="0"/>
               <a:t>};</a:t>
             </a:r>
-            <a:endParaRPr lang="ru-RU" dirty="0" smtClean="0"/>
+            <a:endParaRPr lang="ru-RU" dirty="0"/>
           </a:p>
         </p:txBody>
       </p:sp>
@@ -10914,12 +10687,8 @@
           <a:lstStyle/>
           <a:p>
             <a:r>
-              <a:rPr lang="ru-RU" dirty="0" smtClean="0"/>
-              <a:t>Объединение – это набор </a:t>
-            </a:r>
-            <a:r>
               <a:rPr lang="ru-RU" dirty="0"/>
-              <a:t>именованных значений, размещенных в памяти с перекрытием</a:t>
+              <a:t>Объединение – это набор именованных значений, размещенных в памяти с перекрытием</a:t>
             </a:r>
           </a:p>
           <a:p>
@@ -10961,13 +10730,6 @@
   <p:clrMapOvr>
     <a:masterClrMapping/>
   </p:clrMapOvr>
-  <p:timing>
-    <p:tnLst>
-      <p:par>
-        <p:cTn id="1" dur="indefinite" restart="never" nodeType="tmRoot"/>
-      </p:par>
-    </p:tnLst>
-  </p:timing>
 </p:sld>
 </file>
 
@@ -11006,23 +10768,23 @@
           <a:lstStyle/>
           <a:p>
             <a:r>
-              <a:rPr lang="ru-RU" dirty="0" smtClean="0"/>
+              <a:rPr lang="ru-RU" dirty="0"/>
               <a:t>Описание </a:t>
             </a:r>
             <a:r>
-              <a:rPr lang="en-US" dirty="0" err="1" smtClean="0"/>
+              <a:rPr lang="en-US" dirty="0" err="1"/>
               <a:t>struct</a:t>
             </a:r>
             <a:r>
-              <a:rPr lang="en-US" dirty="0" smtClean="0"/>
+              <a:rPr lang="en-US" dirty="0"/>
               <a:t> </a:t>
             </a:r>
             <a:r>
-              <a:rPr lang="ru-RU" dirty="0" smtClean="0"/>
+              <a:rPr lang="ru-RU" dirty="0"/>
               <a:t>и</a:t>
             </a:r>
             <a:r>
-              <a:rPr lang="en-US" dirty="0" smtClean="0"/>
+              <a:rPr lang="en-US" dirty="0"/>
               <a:t> union</a:t>
             </a:r>
             <a:endParaRPr lang="ru-RU" dirty="0"/>
@@ -12255,13 +12017,6 @@
   <p:clrMapOvr>
     <a:masterClrMapping/>
   </p:clrMapOvr>
-  <p:timing>
-    <p:tnLst>
-      <p:par>
-        <p:cTn id="1" dur="indefinite" restart="never" nodeType="tmRoot"/>
-      </p:par>
-    </p:tnLst>
-  </p:timing>
 </p:sld>
 </file>
 
@@ -12300,23 +12055,23 @@
           <a:lstStyle/>
           <a:p>
             <a:r>
-              <a:rPr lang="ru-RU" dirty="0" smtClean="0"/>
+              <a:rPr lang="ru-RU" dirty="0"/>
               <a:t>Описание </a:t>
             </a:r>
             <a:r>
-              <a:rPr lang="en-US" dirty="0" err="1" smtClean="0"/>
+              <a:rPr lang="en-US" dirty="0" err="1"/>
               <a:t>struct</a:t>
             </a:r>
             <a:r>
-              <a:rPr lang="en-US" dirty="0" smtClean="0"/>
+              <a:rPr lang="en-US" dirty="0"/>
               <a:t> </a:t>
             </a:r>
             <a:r>
-              <a:rPr lang="ru-RU" dirty="0" smtClean="0"/>
+              <a:rPr lang="ru-RU" dirty="0"/>
               <a:t>и</a:t>
             </a:r>
             <a:r>
-              <a:rPr lang="en-US" dirty="0" smtClean="0"/>
+              <a:rPr lang="en-US" dirty="0"/>
               <a:t> union</a:t>
             </a:r>
             <a:endParaRPr lang="ru-RU" dirty="0"/>
@@ -12341,11 +12096,11 @@
           <a:lstStyle/>
           <a:p>
             <a:r>
-              <a:rPr lang="ru-RU" dirty="0" smtClean="0"/>
+              <a:rPr lang="ru-RU" dirty="0"/>
               <a:t>Спецификатор</a:t>
             </a:r>
             <a:r>
-              <a:rPr lang="en-US" dirty="0" smtClean="0"/>
+              <a:rPr lang="en-US" dirty="0"/>
               <a:t> </a:t>
             </a:r>
             <a:r>
@@ -12361,16 +12116,12 @@
               <a:t>или </a:t>
             </a:r>
             <a:r>
-              <a:rPr lang="en-US" dirty="0" smtClean="0"/>
+              <a:rPr lang="en-US" dirty="0"/>
               <a:t>union</a:t>
             </a:r>
             <a:r>
-              <a:rPr lang="ru-RU" dirty="0" smtClean="0"/>
-              <a:t> </a:t>
-            </a:r>
-            <a:r>
               <a:rPr lang="ru-RU" dirty="0"/>
-              <a:t>(</a:t>
+              <a:t> (</a:t>
             </a:r>
             <a:r>
               <a:rPr lang="en-US" dirty="0" err="1"/>
@@ -12381,7 +12132,7 @@
               <a:t>-or-union-specifier</a:t>
             </a:r>
             <a:r>
-              <a:rPr lang="ru-RU" dirty="0" smtClean="0"/>
+              <a:rPr lang="ru-RU" dirty="0"/>
               <a:t>) обозначает тип </a:t>
             </a:r>
             <a:r>
@@ -12404,17 +12155,12 @@
               <a:rPr lang="ru-RU" dirty="0"/>
               <a:t> </a:t>
             </a:r>
-            <a:endParaRPr lang="ru-RU" dirty="0" smtClean="0"/>
           </a:p>
           <a:p>
             <a:pPr lvl="1"/>
             <a:r>
-              <a:rPr lang="ru-RU" dirty="0" smtClean="0"/>
-              <a:t>Если </a:t>
-            </a:r>
-            <a:r>
               <a:rPr lang="ru-RU" dirty="0"/>
-              <a:t>часть </a:t>
+              <a:t>Если часть </a:t>
             </a:r>
             <a:r>
               <a:rPr lang="en-US" dirty="0"/>
@@ -12429,46 +12175,34 @@
               <a:t>-declaration-list } </a:t>
             </a:r>
             <a:r>
-              <a:rPr lang="ru-RU" dirty="0" smtClean="0"/>
-              <a:t>присутствует, то этот тип неполный </a:t>
-            </a:r>
-            <a:r>
               <a:rPr lang="ru-RU" dirty="0"/>
-              <a:t>(см. «Типы языка С»)</a:t>
-            </a:r>
-            <a:r>
-              <a:rPr lang="ru-RU" dirty="0" smtClean="0"/>
-              <a:t>, пока не встретится</a:t>
-            </a:r>
-            <a:r>
-              <a:rPr lang="en-US" dirty="0" smtClean="0"/>
+              <a:t>присутствует, то этот тип неполный (см. «Типы языка С»), пока не встретится</a:t>
+            </a:r>
+            <a:r>
+              <a:rPr lang="en-US" dirty="0"/>
               <a:t> }</a:t>
             </a:r>
           </a:p>
           <a:p>
             <a:pPr lvl="2"/>
             <a:r>
-              <a:rPr lang="ru-RU" dirty="0" smtClean="0"/>
+              <a:rPr lang="ru-RU" dirty="0"/>
               <a:t>После </a:t>
             </a:r>
             <a:r>
-              <a:rPr lang="en-US" dirty="0" smtClean="0"/>
+              <a:rPr lang="en-US" dirty="0"/>
               <a:t>}</a:t>
             </a:r>
             <a:r>
-              <a:rPr lang="ru-RU" dirty="0" smtClean="0"/>
+              <a:rPr lang="ru-RU" dirty="0"/>
               <a:t> этот тип является полным</a:t>
             </a:r>
           </a:p>
           <a:p>
             <a:pPr lvl="1"/>
             <a:r>
-              <a:rPr lang="ru-RU" dirty="0" smtClean="0"/>
-              <a:t>Если </a:t>
-            </a:r>
-            <a:r>
               <a:rPr lang="ru-RU" dirty="0"/>
-              <a:t>часть </a:t>
+              <a:t>Если часть </a:t>
             </a:r>
             <a:r>
               <a:rPr lang="en-US" dirty="0"/>
@@ -12483,12 +12217,12 @@
               <a:t>-declaration-list } </a:t>
             </a:r>
             <a:r>
-              <a:rPr lang="ru-RU" dirty="0" smtClean="0"/>
+              <a:rPr lang="ru-RU" dirty="0"/>
               <a:t>отсутствует, то этот тип неполный</a:t>
             </a:r>
           </a:p>
           <a:p>
-            <a:endParaRPr lang="ru-RU" dirty="0" smtClean="0"/>
+            <a:endParaRPr lang="ru-RU" dirty="0"/>
           </a:p>
         </p:txBody>
       </p:sp>
@@ -12502,13 +12236,6 @@
   <p:clrMapOvr>
     <a:masterClrMapping/>
   </p:clrMapOvr>
-  <p:timing>
-    <p:tnLst>
-      <p:par>
-        <p:cTn id="1" dur="indefinite" restart="never" nodeType="tmRoot"/>
-      </p:par>
-    </p:tnLst>
-  </p:timing>
 </p:sld>
 </file>
 
@@ -12547,23 +12274,23 @@
           <a:lstStyle/>
           <a:p>
             <a:r>
-              <a:rPr lang="ru-RU" dirty="0" smtClean="0"/>
+              <a:rPr lang="ru-RU" dirty="0"/>
               <a:t>Предописание </a:t>
             </a:r>
             <a:r>
-              <a:rPr lang="en-US" dirty="0" err="1" smtClean="0"/>
+              <a:rPr lang="en-US" dirty="0" err="1"/>
               <a:t>struct</a:t>
             </a:r>
             <a:r>
-              <a:rPr lang="en-US" dirty="0" smtClean="0"/>
+              <a:rPr lang="en-US" dirty="0"/>
               <a:t> </a:t>
             </a:r>
             <a:r>
-              <a:rPr lang="ru-RU" dirty="0" smtClean="0"/>
+              <a:rPr lang="ru-RU" dirty="0"/>
               <a:t>и</a:t>
             </a:r>
             <a:r>
-              <a:rPr lang="en-US" dirty="0" smtClean="0"/>
+              <a:rPr lang="en-US" dirty="0"/>
               <a:t> union</a:t>
             </a:r>
             <a:endParaRPr lang="ru-RU" dirty="0"/>
@@ -12588,23 +12315,23 @@
           <a:lstStyle/>
           <a:p>
             <a:r>
-              <a:rPr lang="ru-RU" dirty="0" smtClean="0"/>
+              <a:rPr lang="ru-RU" dirty="0"/>
               <a:t>Конструкция вида </a:t>
             </a:r>
             <a:r>
-              <a:rPr lang="en-US" i="1" dirty="0" err="1" smtClean="0"/>
+              <a:rPr lang="en-US" i="1" dirty="0" err="1"/>
               <a:t>struct</a:t>
             </a:r>
             <a:r>
-              <a:rPr lang="en-US" i="1" dirty="0" smtClean="0"/>
+              <a:rPr lang="en-US" i="1" dirty="0"/>
               <a:t>-or-union identifier</a:t>
             </a:r>
             <a:r>
-              <a:rPr lang="ru-RU" i="1" dirty="0" smtClean="0"/>
+              <a:rPr lang="ru-RU" i="1" dirty="0"/>
               <a:t> ;</a:t>
             </a:r>
             <a:r>
-              <a:rPr lang="ru-RU" dirty="0" smtClean="0"/>
+              <a:rPr lang="ru-RU" dirty="0"/>
               <a:t> называется предописанием типа </a:t>
             </a:r>
             <a:r>
@@ -12625,11 +12352,7 @@
             </a:r>
             <a:r>
               <a:rPr lang="ru-RU" dirty="0"/>
-              <a:t> </a:t>
-            </a:r>
-            <a:r>
-              <a:rPr lang="ru-RU" dirty="0" smtClean="0"/>
-              <a:t>с тэгом </a:t>
+              <a:t> с тэгом </a:t>
             </a:r>
             <a:r>
               <a:rPr lang="en-US" dirty="0"/>
@@ -12639,29 +12362,19 @@
               <a:rPr lang="ru-RU" dirty="0"/>
               <a:t> </a:t>
             </a:r>
-            <a:endParaRPr lang="ru-RU" dirty="0" smtClean="0"/>
           </a:p>
           <a:p>
             <a:pPr lvl="1"/>
             <a:r>
-              <a:rPr lang="ru-RU" dirty="0" smtClean="0"/>
+              <a:rPr lang="ru-RU" dirty="0"/>
               <a:t>Предописаний с одним и тем же тэгом может быть несколько</a:t>
             </a:r>
-            <a:endParaRPr lang="ru-RU" dirty="0"/>
           </a:p>
           <a:p>
             <a:pPr lvl="1"/>
             <a:r>
-              <a:rPr lang="ru-RU" dirty="0" smtClean="0"/>
-              <a:t>Тип остается неполным до </a:t>
-            </a:r>
-            <a:r>
               <a:rPr lang="ru-RU" dirty="0"/>
-              <a:t>тех пор, пока компилятор не встретит его </a:t>
-            </a:r>
-            <a:r>
-              <a:rPr lang="ru-RU" dirty="0" smtClean="0"/>
-              <a:t>описание, содержащее часть </a:t>
+              <a:t>Тип остается неполным до тех пор, пока компилятор не встретит его описание, содержащее часть </a:t>
             </a:r>
             <a:r>
               <a:rPr lang="en-US" dirty="0"/>
@@ -12673,21 +12386,16 @@
             </a:r>
             <a:r>
               <a:rPr lang="en-US" dirty="0"/>
-              <a:t>-declaration-list </a:t>
-            </a:r>
-            <a:r>
-              <a:rPr lang="en-US" dirty="0" smtClean="0"/>
-              <a:t>}</a:t>
-            </a:r>
-            <a:endParaRPr lang="ru-RU" dirty="0" smtClean="0"/>
+              <a:t>-declaration-list }</a:t>
+            </a:r>
+            <a:endParaRPr lang="ru-RU" dirty="0"/>
           </a:p>
           <a:p>
             <a:pPr lvl="2"/>
             <a:r>
-              <a:rPr lang="ru-RU" dirty="0" smtClean="0"/>
+              <a:rPr lang="ru-RU" dirty="0"/>
               <a:t>Такое описание должно быть только одно</a:t>
             </a:r>
-            <a:endParaRPr lang="ru-RU" dirty="0"/>
           </a:p>
         </p:txBody>
       </p:sp>
@@ -12701,13 +12409,6 @@
   <p:clrMapOvr>
     <a:masterClrMapping/>
   </p:clrMapOvr>
-  <p:timing>
-    <p:tnLst>
-      <p:par>
-        <p:cTn id="1" dur="indefinite" restart="never" nodeType="tmRoot"/>
-      </p:par>
-    </p:tnLst>
-  </p:timing>
 </p:sld>
 </file>
 
@@ -12746,19 +12447,19 @@
           <a:lstStyle/>
           <a:p>
             <a:r>
-              <a:rPr lang="ru-RU" dirty="0" smtClean="0"/>
+              <a:rPr lang="ru-RU" dirty="0"/>
               <a:t>Анонимные типы </a:t>
             </a:r>
             <a:r>
-              <a:rPr lang="en-US" dirty="0" err="1" smtClean="0"/>
+              <a:rPr lang="en-US" dirty="0" err="1"/>
               <a:t>struct</a:t>
             </a:r>
             <a:r>
-              <a:rPr lang="ru-RU" dirty="0" smtClean="0"/>
+              <a:rPr lang="ru-RU" dirty="0"/>
               <a:t> и </a:t>
             </a:r>
             <a:r>
-              <a:rPr lang="en-US" dirty="0" smtClean="0"/>
+              <a:rPr lang="en-US" dirty="0"/>
               <a:t>union</a:t>
             </a:r>
             <a:endParaRPr lang="ru-RU" dirty="0"/>
@@ -12783,28 +12484,8 @@
           <a:lstStyle/>
           <a:p>
             <a:r>
-              <a:rPr lang="ru-RU" dirty="0" smtClean="0"/>
+              <a:rPr lang="ru-RU" dirty="0"/>
               <a:t>Конструкция вида </a:t>
-            </a:r>
-            <a:r>
-              <a:rPr lang="en-US" dirty="0" err="1" smtClean="0"/>
-              <a:t>struct</a:t>
-            </a:r>
-            <a:r>
-              <a:rPr lang="en-US" dirty="0" smtClean="0"/>
-              <a:t>-or-union { </a:t>
-            </a:r>
-            <a:r>
-              <a:rPr lang="en-US" dirty="0" err="1" smtClean="0"/>
-              <a:t>struct</a:t>
-            </a:r>
-            <a:r>
-              <a:rPr lang="en-US" dirty="0" smtClean="0"/>
-              <a:t>-declaration-list }</a:t>
-            </a:r>
-            <a:r>
-              <a:rPr lang="ru-RU" dirty="0" smtClean="0"/>
-              <a:t> обозначает анонимный тип </a:t>
             </a:r>
             <a:r>
               <a:rPr lang="en-US" dirty="0" err="1"/>
@@ -12812,6 +12493,26 @@
             </a:r>
             <a:r>
               <a:rPr lang="en-US" dirty="0"/>
+              <a:t>-or-union { </a:t>
+            </a:r>
+            <a:r>
+              <a:rPr lang="en-US" dirty="0" err="1"/>
+              <a:t>struct</a:t>
+            </a:r>
+            <a:r>
+              <a:rPr lang="en-US" dirty="0"/>
+              <a:t>-declaration-list }</a:t>
+            </a:r>
+            <a:r>
+              <a:rPr lang="ru-RU" dirty="0"/>
+              <a:t> обозначает анонимный тип </a:t>
+            </a:r>
+            <a:r>
+              <a:rPr lang="en-US" dirty="0" err="1"/>
+              <a:t>struct</a:t>
+            </a:r>
+            <a:r>
+              <a:rPr lang="en-US" dirty="0"/>
               <a:t> </a:t>
             </a:r>
             <a:r>
@@ -12831,77 +12532,77 @@
           <a:p>
             <a:pPr lvl="1"/>
             <a:r>
-              <a:rPr lang="en-US" dirty="0" err="1" smtClean="0"/>
+              <a:rPr lang="en-US" dirty="0" err="1"/>
               <a:t>struct</a:t>
             </a:r>
             <a:r>
-              <a:rPr lang="en-US" dirty="0" smtClean="0"/>
+              <a:rPr lang="en-US" dirty="0"/>
               <a:t> {</a:t>
             </a:r>
             <a:r>
-              <a:rPr lang="en-US" dirty="0" err="1" smtClean="0"/>
+              <a:rPr lang="en-US" dirty="0" err="1"/>
               <a:t>int</a:t>
             </a:r>
             <a:r>
-              <a:rPr lang="en-US" dirty="0" smtClean="0"/>
+              <a:rPr lang="en-US" dirty="0"/>
               <a:t> x, y;} point;</a:t>
             </a:r>
             <a:r>
-              <a:rPr lang="ru-RU" dirty="0" smtClean="0"/>
+              <a:rPr lang="ru-RU" dirty="0"/>
               <a:t> </a:t>
             </a:r>
             <a:r>
-              <a:rPr lang="en-US" dirty="0" smtClean="0"/>
+              <a:rPr lang="en-US" dirty="0"/>
               <a:t>// point </a:t>
             </a:r>
             <a:r>
-              <a:rPr lang="ru-RU" dirty="0" smtClean="0"/>
+              <a:rPr lang="ru-RU" dirty="0"/>
               <a:t>имеет анонимный тип </a:t>
             </a:r>
             <a:r>
-              <a:rPr lang="en-US" dirty="0" err="1" smtClean="0"/>
+              <a:rPr lang="en-US" dirty="0" err="1"/>
               <a:t>struct</a:t>
             </a:r>
-            <a:endParaRPr lang="ru-RU" dirty="0" smtClean="0"/>
-          </a:p>
-          <a:p>
-            <a:endParaRPr lang="ru-RU" dirty="0" smtClean="0"/>
-          </a:p>
-          <a:p>
-            <a:r>
-              <a:rPr lang="ru-RU" dirty="0" smtClean="0"/>
+            <a:endParaRPr lang="ru-RU" dirty="0"/>
+          </a:p>
+          <a:p>
+            <a:endParaRPr lang="ru-RU" dirty="0"/>
+          </a:p>
+          <a:p>
+            <a:r>
+              <a:rPr lang="ru-RU" dirty="0"/>
               <a:t>Анонимный тип </a:t>
             </a:r>
             <a:r>
-              <a:rPr lang="en-US" dirty="0" err="1" smtClean="0"/>
+              <a:rPr lang="en-US" dirty="0" err="1"/>
               <a:t>struct</a:t>
             </a:r>
             <a:r>
-              <a:rPr lang="ru-RU" dirty="0" smtClean="0"/>
+              <a:rPr lang="ru-RU" dirty="0"/>
               <a:t> (соотв. </a:t>
             </a:r>
             <a:r>
-              <a:rPr lang="en-US" dirty="0" smtClean="0"/>
+              <a:rPr lang="en-US" dirty="0"/>
               <a:t>union</a:t>
             </a:r>
             <a:r>
-              <a:rPr lang="ru-RU" dirty="0" smtClean="0"/>
+              <a:rPr lang="ru-RU" dirty="0"/>
               <a:t>)</a:t>
             </a:r>
             <a:r>
-              <a:rPr lang="en-US" dirty="0" smtClean="0"/>
+              <a:rPr lang="en-US" dirty="0"/>
               <a:t> </a:t>
             </a:r>
             <a:r>
-              <a:rPr lang="ru-RU" dirty="0" smtClean="0"/>
+              <a:rPr lang="ru-RU" dirty="0"/>
               <a:t>не может быть преобразован ни к какому другому типу </a:t>
             </a:r>
             <a:r>
-              <a:rPr lang="en-US" dirty="0" err="1" smtClean="0"/>
+              <a:rPr lang="en-US" dirty="0" err="1"/>
               <a:t>struct</a:t>
             </a:r>
             <a:r>
-              <a:rPr lang="en-US" dirty="0" smtClean="0"/>
+              <a:rPr lang="en-US" dirty="0"/>
               <a:t> </a:t>
             </a:r>
             <a:r>
@@ -12913,25 +12614,20 @@
               <a:t>union</a:t>
             </a:r>
             <a:r>
-              <a:rPr lang="ru-RU" dirty="0" smtClean="0"/>
+              <a:rPr lang="ru-RU" dirty="0"/>
               <a:t>)</a:t>
             </a:r>
-            <a:endParaRPr lang="en-US" dirty="0" smtClean="0"/>
+            <a:endParaRPr lang="en-US" dirty="0"/>
           </a:p>
           <a:p>
             <a:pPr lvl="1"/>
             <a:r>
               <a:rPr lang="ru-RU" dirty="0"/>
-              <a:t>В</a:t>
-            </a:r>
-            <a:r>
-              <a:rPr lang="ru-RU" dirty="0" smtClean="0"/>
-              <a:t> том числе анонимному</a:t>
-            </a:r>
+              <a:t>В том числе анонимному</a:t>
+            </a:r>
+          </a:p>
+          <a:p>
             <a:endParaRPr lang="ru-RU" dirty="0"/>
-          </a:p>
-          <a:p>
-            <a:endParaRPr lang="ru-RU" dirty="0" smtClean="0"/>
           </a:p>
           <a:p>
             <a:pPr marL="125730" indent="0">
@@ -12951,13 +12647,6 @@
   <p:clrMapOvr>
     <a:masterClrMapping/>
   </p:clrMapOvr>
-  <p:timing>
-    <p:tnLst>
-      <p:par>
-        <p:cTn id="1" dur="indefinite" restart="never" nodeType="tmRoot"/>
-      </p:par>
-    </p:tnLst>
-  </p:timing>
 </p:sld>
 </file>
 
@@ -12996,11 +12685,11 @@
           <a:lstStyle/>
           <a:p>
             <a:r>
-              <a:rPr lang="ru-RU" sz="3600" dirty="0" smtClean="0"/>
+              <a:rPr lang="ru-RU" sz="3600" dirty="0"/>
               <a:t>Примеры использования анонимных </a:t>
             </a:r>
             <a:r>
-              <a:rPr lang="en-US" sz="3600" dirty="0" err="1" smtClean="0"/>
+              <a:rPr lang="en-US" sz="3600" dirty="0" err="1"/>
               <a:t>struct</a:t>
             </a:r>
             <a:endParaRPr lang="ru-RU" sz="3600" dirty="0"/>
@@ -13058,60 +12747,24 @@
                 </a:solidFill>
                 <a:latin typeface="Consolas" panose="020B0609020204030204" pitchFamily="49" charset="0"/>
               </a:rPr>
-              <a:t> </a:t>
-            </a:r>
-            <a:r>
-              <a:rPr lang="en-US" dirty="0" smtClean="0">
-                <a:solidFill>
-                  <a:srgbClr val="000000"/>
-                </a:solidFill>
-                <a:latin typeface="Consolas" panose="020B0609020204030204" pitchFamily="49" charset="0"/>
-              </a:rPr>
-              <a:t>X, Y; </a:t>
-            </a:r>
-            <a:r>
+              <a:t> X, Y; } p, q;</a:t>
+            </a:r>
+            <a:br>
               <a:rPr lang="en-US" dirty="0">
                 <a:solidFill>
                   <a:srgbClr val="000000"/>
                 </a:solidFill>
                 <a:latin typeface="Consolas" panose="020B0609020204030204" pitchFamily="49" charset="0"/>
               </a:rPr>
-              <a:t>} p, q</a:t>
-            </a:r>
-            <a:r>
-              <a:rPr lang="en-US" dirty="0" smtClean="0">
-                <a:solidFill>
-                  <a:srgbClr val="000000"/>
-                </a:solidFill>
-                <a:latin typeface="Consolas" panose="020B0609020204030204" pitchFamily="49" charset="0"/>
-              </a:rPr>
-              <a:t>;</a:t>
-            </a:r>
-            <a:br>
-              <a:rPr lang="en-US" dirty="0" smtClean="0">
-                <a:solidFill>
-                  <a:srgbClr val="000000"/>
-                </a:solidFill>
-                <a:latin typeface="Consolas" panose="020B0609020204030204" pitchFamily="49" charset="0"/>
-              </a:rPr>
             </a:br>
             <a:r>
-              <a:rPr lang="en-US" dirty="0" smtClean="0">
-                <a:solidFill>
-                  <a:srgbClr val="000000"/>
-                </a:solidFill>
-                <a:latin typeface="Consolas" panose="020B0609020204030204" pitchFamily="49" charset="0"/>
-              </a:rPr>
-              <a:t>p </a:t>
-            </a:r>
-            <a:r>
               <a:rPr lang="en-US" dirty="0">
                 <a:solidFill>
                   <a:srgbClr val="000000"/>
                 </a:solidFill>
                 <a:latin typeface="Consolas" panose="020B0609020204030204" pitchFamily="49" charset="0"/>
               </a:rPr>
-              <a:t>= q; </a:t>
+              <a:t>p = q; </a:t>
             </a:r>
             <a:r>
               <a:rPr lang="en-US" dirty="0">
@@ -13139,7 +12792,7 @@
           </a:p>
           <a:p>
             <a:r>
-              <a:rPr lang="en-US" dirty="0" err="1" smtClean="0">
+              <a:rPr lang="en-US" dirty="0" err="1">
                 <a:solidFill>
                   <a:srgbClr val="0000FF"/>
                 </a:solidFill>
@@ -13148,7 +12801,7 @@
               <a:t>typedef</a:t>
             </a:r>
             <a:r>
-              <a:rPr lang="en-US" dirty="0" smtClean="0">
+              <a:rPr lang="en-US" dirty="0">
                 <a:solidFill>
                   <a:srgbClr val="0000FF"/>
                 </a:solidFill>
@@ -13157,7 +12810,7 @@
               <a:t> </a:t>
             </a:r>
             <a:r>
-              <a:rPr lang="en-US" dirty="0" err="1" smtClean="0">
+              <a:rPr lang="en-US" dirty="0" err="1">
                 <a:solidFill>
                   <a:srgbClr val="0000FF"/>
                 </a:solidFill>
@@ -13166,7 +12819,7 @@
               <a:t>struct</a:t>
             </a:r>
             <a:r>
-              <a:rPr lang="en-US" dirty="0" smtClean="0">
+              <a:rPr lang="en-US" dirty="0">
                 <a:solidFill>
                   <a:srgbClr val="000000"/>
                 </a:solidFill>
@@ -13190,113 +12843,16 @@
                 </a:solidFill>
                 <a:latin typeface="Consolas" panose="020B0609020204030204" pitchFamily="49" charset="0"/>
               </a:rPr>
-              <a:t> </a:t>
-            </a:r>
-            <a:r>
-              <a:rPr lang="en-US" dirty="0" smtClean="0">
-                <a:solidFill>
-                  <a:srgbClr val="000000"/>
-                </a:solidFill>
-                <a:latin typeface="Consolas" panose="020B0609020204030204" pitchFamily="49" charset="0"/>
-              </a:rPr>
-              <a:t>X, Y; </a:t>
-            </a:r>
-            <a:r>
-              <a:rPr lang="en-US" dirty="0">
-                <a:solidFill>
-                  <a:srgbClr val="000000"/>
-                </a:solidFill>
-                <a:latin typeface="Consolas" panose="020B0609020204030204" pitchFamily="49" charset="0"/>
-              </a:rPr>
-              <a:t>} </a:t>
-            </a:r>
-            <a:r>
-              <a:rPr lang="en-US" dirty="0" err="1" smtClean="0">
+              <a:t> X, Y; } </a:t>
+            </a:r>
+            <a:r>
+              <a:rPr lang="en-US" dirty="0" err="1">
                 <a:solidFill>
                   <a:srgbClr val="2B91AF"/>
                 </a:solidFill>
                 <a:latin typeface="Consolas" panose="020B0609020204030204" pitchFamily="49" charset="0"/>
               </a:rPr>
               <a:t>TPoint</a:t>
-            </a:r>
-            <a:r>
-              <a:rPr lang="en-US" dirty="0" smtClean="0">
-                <a:solidFill>
-                  <a:srgbClr val="000000"/>
-                </a:solidFill>
-                <a:latin typeface="Consolas" panose="020B0609020204030204" pitchFamily="49" charset="0"/>
-              </a:rPr>
-              <a:t>;</a:t>
-            </a:r>
-            <a:br>
-              <a:rPr lang="en-US" dirty="0" smtClean="0">
-                <a:solidFill>
-                  <a:srgbClr val="000000"/>
-                </a:solidFill>
-                <a:latin typeface="Consolas" panose="020B0609020204030204" pitchFamily="49" charset="0"/>
-              </a:rPr>
-            </a:br>
-            <a:r>
-              <a:rPr lang="en-US" dirty="0" err="1">
-                <a:solidFill>
-                  <a:srgbClr val="2B91AF"/>
-                </a:solidFill>
-                <a:latin typeface="Consolas" panose="020B0609020204030204" pitchFamily="49" charset="0"/>
-              </a:rPr>
-              <a:t>TPoint</a:t>
-            </a:r>
-            <a:r>
-              <a:rPr lang="en-US" dirty="0">
-                <a:solidFill>
-                  <a:srgbClr val="2B91AF"/>
-                </a:solidFill>
-                <a:latin typeface="Consolas" panose="020B0609020204030204" pitchFamily="49" charset="0"/>
-              </a:rPr>
-              <a:t> </a:t>
-            </a:r>
-            <a:r>
-              <a:rPr lang="en-US" dirty="0" smtClean="0">
-                <a:solidFill>
-                  <a:srgbClr val="000000"/>
-                </a:solidFill>
-                <a:latin typeface="Consolas" panose="020B0609020204030204" pitchFamily="49" charset="0"/>
-              </a:rPr>
-              <a:t>p;</a:t>
-            </a:r>
-            <a:br>
-              <a:rPr lang="en-US" dirty="0" smtClean="0">
-                <a:solidFill>
-                  <a:srgbClr val="000000"/>
-                </a:solidFill>
-                <a:latin typeface="Consolas" panose="020B0609020204030204" pitchFamily="49" charset="0"/>
-              </a:rPr>
-            </a:br>
-            <a:r>
-              <a:rPr lang="en-US" dirty="0" err="1">
-                <a:solidFill>
-                  <a:srgbClr val="2B91AF"/>
-                </a:solidFill>
-                <a:latin typeface="Consolas" panose="020B0609020204030204" pitchFamily="49" charset="0"/>
-              </a:rPr>
-              <a:t>TPoint</a:t>
-            </a:r>
-            <a:r>
-              <a:rPr lang="en-US" dirty="0">
-                <a:solidFill>
-                  <a:srgbClr val="2B91AF"/>
-                </a:solidFill>
-                <a:latin typeface="Consolas" panose="020B0609020204030204" pitchFamily="49" charset="0"/>
-              </a:rPr>
-              <a:t> </a:t>
-            </a:r>
-            <a:r>
-              <a:rPr lang="en-US" dirty="0" smtClean="0">
-                <a:solidFill>
-                  <a:srgbClr val="000000"/>
-                </a:solidFill>
-                <a:latin typeface="Consolas" panose="020B0609020204030204" pitchFamily="49" charset="0"/>
-              </a:rPr>
-              <a:t>q</a:t>
             </a:r>
             <a:r>
               <a:rPr lang="en-US" dirty="0">
@@ -13316,22 +12872,83 @@
               </a:rPr>
             </a:br>
             <a:r>
-              <a:rPr lang="en-US" dirty="0" smtClean="0">
-                <a:solidFill>
-                  <a:srgbClr val="000000"/>
-                </a:solidFill>
-                <a:latin typeface="Consolas" panose="020B0609020204030204" pitchFamily="49" charset="0"/>
-              </a:rPr>
-              <a:t>p </a:t>
+              <a:rPr lang="en-US" dirty="0" err="1">
+                <a:solidFill>
+                  <a:srgbClr val="2B91AF"/>
+                </a:solidFill>
+                <a:latin typeface="Consolas" panose="020B0609020204030204" pitchFamily="49" charset="0"/>
+              </a:rPr>
+              <a:t>TPoint</a:t>
             </a:r>
             <a:r>
               <a:rPr lang="en-US" dirty="0">
                 <a:solidFill>
-                  <a:srgbClr val="000000"/>
-                </a:solidFill>
-                <a:latin typeface="Consolas" panose="020B0609020204030204" pitchFamily="49" charset="0"/>
-              </a:rPr>
-              <a:t>= q; </a:t>
+                  <a:srgbClr val="2B91AF"/>
+                </a:solidFill>
+                <a:latin typeface="Consolas" panose="020B0609020204030204" pitchFamily="49" charset="0"/>
+              </a:rPr>
+              <a:t> </a:t>
+            </a:r>
+            <a:r>
+              <a:rPr lang="en-US" dirty="0">
+                <a:solidFill>
+                  <a:srgbClr val="000000"/>
+                </a:solidFill>
+                <a:latin typeface="Consolas" panose="020B0609020204030204" pitchFamily="49" charset="0"/>
+              </a:rPr>
+              <a:t>p;</a:t>
+            </a:r>
+            <a:br>
+              <a:rPr lang="en-US" dirty="0">
+                <a:solidFill>
+                  <a:srgbClr val="000000"/>
+                </a:solidFill>
+                <a:latin typeface="Consolas" panose="020B0609020204030204" pitchFamily="49" charset="0"/>
+              </a:rPr>
+            </a:br>
+            <a:r>
+              <a:rPr lang="en-US" dirty="0" err="1">
+                <a:solidFill>
+                  <a:srgbClr val="2B91AF"/>
+                </a:solidFill>
+                <a:latin typeface="Consolas" panose="020B0609020204030204" pitchFamily="49" charset="0"/>
+              </a:rPr>
+              <a:t>TPoint</a:t>
+            </a:r>
+            <a:r>
+              <a:rPr lang="en-US" dirty="0">
+                <a:solidFill>
+                  <a:srgbClr val="2B91AF"/>
+                </a:solidFill>
+                <a:latin typeface="Consolas" panose="020B0609020204030204" pitchFamily="49" charset="0"/>
+              </a:rPr>
+              <a:t> </a:t>
+            </a:r>
+            <a:r>
+              <a:rPr lang="en-US" dirty="0">
+                <a:solidFill>
+                  <a:srgbClr val="000000"/>
+                </a:solidFill>
+                <a:latin typeface="Consolas" panose="020B0609020204030204" pitchFamily="49" charset="0"/>
+              </a:rPr>
+              <a:t>q;</a:t>
+            </a:r>
+            <a:br>
+              <a:rPr lang="en-US" dirty="0">
+                <a:solidFill>
+                  <a:srgbClr val="000000"/>
+                </a:solidFill>
+                <a:latin typeface="Consolas" panose="020B0609020204030204" pitchFamily="49" charset="0"/>
+              </a:rPr>
+            </a:br>
+            <a:r>
+              <a:rPr lang="en-US" dirty="0">
+                <a:solidFill>
+                  <a:srgbClr val="000000"/>
+                </a:solidFill>
+                <a:latin typeface="Consolas" panose="020B0609020204030204" pitchFamily="49" charset="0"/>
+              </a:rPr>
+              <a:t>p = q; </a:t>
             </a:r>
             <a:r>
               <a:rPr lang="en-US" dirty="0">
@@ -13392,37 +13009,54 @@
                 </a:solidFill>
                 <a:latin typeface="Consolas" panose="020B0609020204030204" pitchFamily="49" charset="0"/>
               </a:rPr>
-              <a:t> </a:t>
-            </a:r>
-            <a:r>
-              <a:rPr lang="en-US" dirty="0" smtClean="0">
-                <a:solidFill>
-                  <a:srgbClr val="000000"/>
-                </a:solidFill>
-                <a:latin typeface="Consolas" panose="020B0609020204030204" pitchFamily="49" charset="0"/>
-              </a:rPr>
-              <a:t>X, Y; </a:t>
-            </a:r>
-            <a:r>
+              <a:t> X, Y; } p;</a:t>
+            </a:r>
+            <a:br>
               <a:rPr lang="en-US" dirty="0">
                 <a:solidFill>
                   <a:srgbClr val="000000"/>
                 </a:solidFill>
                 <a:latin typeface="Consolas" panose="020B0609020204030204" pitchFamily="49" charset="0"/>
               </a:rPr>
-              <a:t>} p</a:t>
-            </a:r>
-            <a:r>
-              <a:rPr lang="en-US" dirty="0" smtClean="0">
-                <a:solidFill>
-                  <a:srgbClr val="000000"/>
-                </a:solidFill>
-                <a:latin typeface="Consolas" panose="020B0609020204030204" pitchFamily="49" charset="0"/>
-              </a:rPr>
-              <a:t>;</a:t>
+            </a:br>
+            <a:r>
+              <a:rPr lang="en-US" dirty="0" err="1">
+                <a:solidFill>
+                  <a:srgbClr val="0000FF"/>
+                </a:solidFill>
+                <a:latin typeface="Consolas" panose="020B0609020204030204" pitchFamily="49" charset="0"/>
+              </a:rPr>
+              <a:t>struct</a:t>
+            </a:r>
+            <a:r>
+              <a:rPr lang="en-US" dirty="0">
+                <a:solidFill>
+                  <a:srgbClr val="000000"/>
+                </a:solidFill>
+                <a:latin typeface="Consolas" panose="020B0609020204030204" pitchFamily="49" charset="0"/>
+              </a:rPr>
+              <a:t> { </a:t>
+            </a:r>
+            <a:r>
+              <a:rPr lang="en-US" dirty="0" err="1">
+                <a:solidFill>
+                  <a:srgbClr val="0000FF"/>
+                </a:solidFill>
+                <a:latin typeface="Consolas" panose="020B0609020204030204" pitchFamily="49" charset="0"/>
+              </a:rPr>
+              <a:t>int</a:t>
+            </a:r>
+            <a:r>
+              <a:rPr lang="en-US" dirty="0">
+                <a:solidFill>
+                  <a:srgbClr val="000000"/>
+                </a:solidFill>
+                <a:latin typeface="Consolas" panose="020B0609020204030204" pitchFamily="49" charset="0"/>
+              </a:rPr>
+              <a:t> X, Y; } q;</a:t>
             </a:r>
             <a:br>
-              <a:rPr lang="en-US" dirty="0" smtClean="0">
+              <a:rPr lang="en-US" dirty="0">
                 <a:solidFill>
                   <a:srgbClr val="000000"/>
                 </a:solidFill>
@@ -13430,102 +13064,13 @@
               </a:rPr>
             </a:br>
             <a:r>
-              <a:rPr lang="en-US" dirty="0" err="1" smtClean="0">
-                <a:solidFill>
-                  <a:srgbClr val="0000FF"/>
-                </a:solidFill>
-                <a:latin typeface="Consolas" panose="020B0609020204030204" pitchFamily="49" charset="0"/>
-              </a:rPr>
-              <a:t>struct</a:t>
-            </a:r>
-            <a:r>
-              <a:rPr lang="en-US" dirty="0" smtClean="0">
-                <a:solidFill>
-                  <a:srgbClr val="000000"/>
-                </a:solidFill>
-                <a:latin typeface="Consolas" panose="020B0609020204030204" pitchFamily="49" charset="0"/>
-              </a:rPr>
-              <a:t> </a:t>
-            </a:r>
-            <a:r>
               <a:rPr lang="en-US" dirty="0">
                 <a:solidFill>
                   <a:srgbClr val="000000"/>
                 </a:solidFill>
                 <a:latin typeface="Consolas" panose="020B0609020204030204" pitchFamily="49" charset="0"/>
               </a:rPr>
-              <a:t>{ </a:t>
-            </a:r>
-            <a:r>
-              <a:rPr lang="en-US" dirty="0" err="1">
-                <a:solidFill>
-                  <a:srgbClr val="0000FF"/>
-                </a:solidFill>
-                <a:latin typeface="Consolas" panose="020B0609020204030204" pitchFamily="49" charset="0"/>
-              </a:rPr>
-              <a:t>int</a:t>
-            </a:r>
-            <a:r>
-              <a:rPr lang="en-US" dirty="0">
-                <a:solidFill>
-                  <a:srgbClr val="000000"/>
-                </a:solidFill>
-                <a:latin typeface="Consolas" panose="020B0609020204030204" pitchFamily="49" charset="0"/>
-              </a:rPr>
-              <a:t> </a:t>
-            </a:r>
-            <a:r>
-              <a:rPr lang="en-US" dirty="0" smtClean="0">
-                <a:solidFill>
-                  <a:srgbClr val="000000"/>
-                </a:solidFill>
-                <a:latin typeface="Consolas" panose="020B0609020204030204" pitchFamily="49" charset="0"/>
-              </a:rPr>
-              <a:t>X, Y; </a:t>
-            </a:r>
-            <a:r>
-              <a:rPr lang="en-US" dirty="0">
-                <a:solidFill>
-                  <a:srgbClr val="000000"/>
-                </a:solidFill>
-                <a:latin typeface="Consolas" panose="020B0609020204030204" pitchFamily="49" charset="0"/>
-              </a:rPr>
-              <a:t>} q</a:t>
-            </a:r>
-            <a:r>
-              <a:rPr lang="en-US" dirty="0" smtClean="0">
-                <a:solidFill>
-                  <a:srgbClr val="000000"/>
-                </a:solidFill>
-                <a:latin typeface="Consolas" panose="020B0609020204030204" pitchFamily="49" charset="0"/>
-              </a:rPr>
-              <a:t>;</a:t>
-            </a:r>
-            <a:br>
-              <a:rPr lang="en-US" dirty="0" smtClean="0">
-                <a:solidFill>
-                  <a:srgbClr val="000000"/>
-                </a:solidFill>
-                <a:latin typeface="Consolas" panose="020B0609020204030204" pitchFamily="49" charset="0"/>
-              </a:rPr>
-            </a:br>
-            <a:r>
-              <a:rPr lang="en-US" dirty="0" smtClean="0">
-                <a:solidFill>
-                  <a:srgbClr val="000000"/>
-                </a:solidFill>
-                <a:latin typeface="Consolas" panose="020B0609020204030204" pitchFamily="49" charset="0"/>
-              </a:rPr>
-              <a:t>p </a:t>
-            </a:r>
-            <a:r>
-              <a:rPr lang="en-US" dirty="0">
-                <a:solidFill>
-                  <a:srgbClr val="000000"/>
-                </a:solidFill>
-                <a:latin typeface="Consolas" panose="020B0609020204030204" pitchFamily="49" charset="0"/>
-              </a:rPr>
-              <a:t>= q; </a:t>
+              <a:t>p = q; </a:t>
             </a:r>
             <a:r>
               <a:rPr lang="en-US" dirty="0">
@@ -13600,7 +13145,7 @@
             <a:pPr marL="68580" indent="0">
               <a:buNone/>
             </a:pPr>
-            <a:endParaRPr lang="ru-RU" dirty="0" smtClean="0"/>
+            <a:endParaRPr lang="ru-RU" dirty="0"/>
           </a:p>
         </p:txBody>
       </p:sp>
@@ -13614,13 +13159,6 @@
   <p:clrMapOvr>
     <a:masterClrMapping/>
   </p:clrMapOvr>
-  <p:timing>
-    <p:tnLst>
-      <p:par>
-        <p:cTn id="1" dur="indefinite" restart="never" nodeType="tmRoot"/>
-      </p:par>
-    </p:tnLst>
-  </p:timing>
 </p:sld>
 </file>
 
@@ -13657,11 +13195,11 @@
           <a:lstStyle/>
           <a:p>
             <a:r>
-              <a:rPr lang="ru-RU" dirty="0" smtClean="0"/>
+              <a:rPr lang="ru-RU" dirty="0"/>
               <a:t>Инициализация </a:t>
             </a:r>
             <a:r>
-              <a:rPr lang="en-US" dirty="0" err="1" smtClean="0"/>
+              <a:rPr lang="en-US" dirty="0" err="1"/>
               <a:t>struct</a:t>
             </a:r>
             <a:endParaRPr lang="ru-RU" dirty="0"/>
@@ -13686,120 +13224,21 @@
           <a:lstStyle/>
           <a:p>
             <a:r>
-              <a:rPr lang="ru-RU" dirty="0" smtClean="0"/>
+              <a:rPr lang="ru-RU" dirty="0"/>
               <a:t>Описание переменных типа структура может задавать начальные значения полей структуры</a:t>
             </a:r>
           </a:p>
           <a:p>
             <a:pPr lvl="1"/>
-            <a:endParaRPr lang="ru-RU" dirty="0" smtClean="0"/>
-          </a:p>
-          <a:p>
-            <a:r>
-              <a:rPr lang="ru-RU" dirty="0" smtClean="0"/>
+            <a:endParaRPr lang="ru-RU" dirty="0"/>
+          </a:p>
+          <a:p>
+            <a:r>
+              <a:rPr lang="ru-RU" dirty="0"/>
               <a:t>С89</a:t>
             </a:r>
             <a:br>
-              <a:rPr lang="ru-RU" dirty="0" smtClean="0"/>
-            </a:br>
-            <a:r>
-              <a:rPr lang="ru-RU" dirty="0" smtClean="0"/>
-              <a:t>	</a:t>
-            </a:r>
-            <a:r>
-              <a:rPr lang="en-US" dirty="0" err="1" smtClean="0"/>
-              <a:t>struct</a:t>
-            </a:r>
-            <a:r>
-              <a:rPr lang="en-US" dirty="0" smtClean="0"/>
-              <a:t> S { T1 E1; … TN EN; } V</a:t>
-            </a:r>
-            <a:r>
-              <a:rPr lang="ru-RU" dirty="0" smtClean="0"/>
-              <a:t> = </a:t>
-            </a:r>
-            <a:r>
-              <a:rPr lang="en-US" dirty="0" smtClean="0"/>
-              <a:t>{</a:t>
-            </a:r>
-            <a:r>
-              <a:rPr lang="ru-RU" dirty="0" smtClean="0"/>
-              <a:t> И1, </a:t>
-            </a:r>
-            <a:r>
-              <a:rPr lang="en-US" dirty="0" smtClean="0"/>
-              <a:t>…</a:t>
-            </a:r>
-            <a:r>
               <a:rPr lang="ru-RU" dirty="0"/>
-              <a:t>,</a:t>
-            </a:r>
-            <a:r>
-              <a:rPr lang="ru-RU" dirty="0" smtClean="0"/>
-              <a:t> ИК </a:t>
-            </a:r>
-            <a:r>
-              <a:rPr lang="en-US" dirty="0" smtClean="0"/>
-              <a:t>};</a:t>
-            </a:r>
-          </a:p>
-          <a:p>
-            <a:pPr lvl="1"/>
-            <a:r>
-              <a:rPr lang="ru-RU" dirty="0" smtClean="0"/>
-              <a:t>если </a:t>
-            </a:r>
-            <a:r>
-              <a:rPr lang="en-US" dirty="0" smtClean="0"/>
-              <a:t>K &gt; N</a:t>
-            </a:r>
-            <a:r>
-              <a:rPr lang="ru-RU" dirty="0" smtClean="0"/>
-              <a:t>, то ошибка компиляции</a:t>
-            </a:r>
-            <a:endParaRPr lang="en-US" dirty="0" smtClean="0"/>
-          </a:p>
-          <a:p>
-            <a:pPr lvl="1"/>
-            <a:r>
-              <a:rPr lang="ru-RU" dirty="0" smtClean="0"/>
-              <a:t>И1 – инициализатор поля Е1 и т.д.</a:t>
-            </a:r>
-          </a:p>
-          <a:p>
-            <a:pPr lvl="1"/>
-            <a:r>
-              <a:rPr lang="ru-RU" dirty="0" smtClean="0"/>
-              <a:t>Память, отведённая под значения полей после поля </a:t>
-            </a:r>
-            <a:r>
-              <a:rPr lang="en-US" dirty="0" smtClean="0"/>
-              <a:t>EK</a:t>
-            </a:r>
-            <a:r>
-              <a:rPr lang="ru-RU" dirty="0" smtClean="0"/>
-              <a:t>, заполняется байтом 0</a:t>
-            </a:r>
-          </a:p>
-          <a:p>
-            <a:pPr lvl="1"/>
-            <a:endParaRPr lang="ru-RU" dirty="0" smtClean="0"/>
-          </a:p>
-          <a:p>
-            <a:r>
-              <a:rPr lang="ru-RU" dirty="0" smtClean="0"/>
-              <a:t>С99</a:t>
-            </a:r>
-            <a:r>
-              <a:rPr lang="en-US" dirty="0" smtClean="0"/>
-              <a:t> </a:t>
-            </a:r>
-            <a:r>
-              <a:rPr lang="ru-RU" dirty="0" smtClean="0"/>
-              <a:t>и С11</a:t>
-            </a:r>
-            <a:br>
-              <a:rPr lang="ru-RU" dirty="0" smtClean="0"/>
             </a:br>
             <a:r>
               <a:rPr lang="ru-RU" dirty="0"/>
@@ -13815,27 +13254,122 @@
             </a:r>
             <a:r>
               <a:rPr lang="ru-RU" dirty="0"/>
+              <a:t> = </a:t>
+            </a:r>
+            <a:r>
+              <a:rPr lang="en-US" dirty="0"/>
+              <a:t>{</a:t>
+            </a:r>
+            <a:r>
+              <a:rPr lang="ru-RU" dirty="0"/>
+              <a:t> И1, </a:t>
+            </a:r>
+            <a:r>
+              <a:rPr lang="en-US" dirty="0"/>
+              <a:t>…</a:t>
+            </a:r>
+            <a:r>
+              <a:rPr lang="ru-RU" dirty="0"/>
+              <a:t>, ИК </a:t>
+            </a:r>
+            <a:r>
+              <a:rPr lang="en-US" dirty="0"/>
+              <a:t>};</a:t>
+            </a:r>
+          </a:p>
+          <a:p>
+            <a:pPr lvl="1"/>
+            <a:r>
+              <a:rPr lang="ru-RU" dirty="0"/>
+              <a:t>если </a:t>
+            </a:r>
+            <a:r>
+              <a:rPr lang="en-US" dirty="0"/>
+              <a:t>K &gt; N</a:t>
+            </a:r>
+            <a:r>
+              <a:rPr lang="ru-RU" dirty="0"/>
+              <a:t>, то ошибка компиляции</a:t>
+            </a:r>
+            <a:endParaRPr lang="en-US" dirty="0"/>
+          </a:p>
+          <a:p>
+            <a:pPr lvl="1"/>
+            <a:r>
+              <a:rPr lang="ru-RU" dirty="0"/>
+              <a:t>И1 – инициализатор поля Е1 и т.д.</a:t>
+            </a:r>
+          </a:p>
+          <a:p>
+            <a:pPr lvl="1"/>
+            <a:r>
+              <a:rPr lang="ru-RU" dirty="0"/>
+              <a:t>Память, отведённая под значения полей после поля </a:t>
+            </a:r>
+            <a:r>
+              <a:rPr lang="en-US" dirty="0"/>
+              <a:t>EK</a:t>
+            </a:r>
+            <a:r>
+              <a:rPr lang="ru-RU" dirty="0"/>
+              <a:t>, заполняется байтом 0</a:t>
+            </a:r>
+          </a:p>
+          <a:p>
+            <a:pPr lvl="1"/>
+            <a:endParaRPr lang="ru-RU" dirty="0"/>
+          </a:p>
+          <a:p>
+            <a:r>
+              <a:rPr lang="ru-RU" dirty="0"/>
+              <a:t>С99</a:t>
+            </a:r>
+            <a:r>
+              <a:rPr lang="en-US" dirty="0"/>
               <a:t> </a:t>
             </a:r>
             <a:r>
-              <a:rPr lang="ru-RU" dirty="0" smtClean="0"/>
-              <a:t>=</a:t>
-            </a:r>
-            <a:r>
-              <a:rPr lang="en-US" dirty="0" smtClean="0"/>
+              <a:rPr lang="ru-RU" dirty="0"/>
+              <a:t>и С11</a:t>
+            </a:r>
+            <a:br>
+              <a:rPr lang="ru-RU" dirty="0"/>
+            </a:br>
+            <a:r>
+              <a:rPr lang="ru-RU" dirty="0"/>
+              <a:t>	</a:t>
+            </a:r>
+            <a:r>
+              <a:rPr lang="en-US" dirty="0" err="1"/>
+              <a:t>struct</a:t>
+            </a:r>
+            <a:r>
+              <a:rPr lang="en-US" dirty="0"/>
+              <a:t> S { T1 E1; … TN EN; } V</a:t>
+            </a:r>
+            <a:r>
+              <a:rPr lang="ru-RU" dirty="0"/>
+              <a:t> =</a:t>
+            </a:r>
+            <a:r>
+              <a:rPr lang="en-US" dirty="0"/>
               <a:t> {</a:t>
             </a:r>
             <a:r>
-              <a:rPr lang="ru-RU" dirty="0" smtClean="0"/>
+              <a:rPr lang="ru-RU" dirty="0"/>
               <a:t> </a:t>
             </a:r>
             <a:r>
-              <a:rPr lang="en-US" dirty="0" smtClean="0"/>
+              <a:rPr lang="en-US" dirty="0"/>
               <a:t>.E1 = </a:t>
             </a:r>
             <a:r>
-              <a:rPr lang="ru-RU" dirty="0" smtClean="0"/>
-              <a:t>И1</a:t>
+              <a:rPr lang="ru-RU" dirty="0"/>
+              <a:t>И1, </a:t>
+            </a:r>
+            <a:r>
+              <a:rPr lang="en-US" dirty="0"/>
+              <a:t>…</a:t>
             </a:r>
             <a:r>
               <a:rPr lang="ru-RU" dirty="0"/>
@@ -13843,18 +13377,10 @@
             </a:r>
             <a:r>
               <a:rPr lang="en-US" dirty="0"/>
-              <a:t>…</a:t>
+              <a:t>.EK = </a:t>
             </a:r>
             <a:r>
               <a:rPr lang="ru-RU" dirty="0"/>
-              <a:t>, </a:t>
-            </a:r>
-            <a:r>
-              <a:rPr lang="en-US" dirty="0" smtClean="0"/>
-              <a:t>.EK = </a:t>
-            </a:r>
-            <a:r>
-              <a:rPr lang="ru-RU" dirty="0" smtClean="0"/>
               <a:t>ИК </a:t>
             </a:r>
             <a:r>
@@ -13863,7 +13389,7 @@
             </a:r>
           </a:p>
           <a:p>
-            <a:endParaRPr lang="ru-RU" dirty="0" smtClean="0"/>
+            <a:endParaRPr lang="ru-RU" dirty="0"/>
           </a:p>
         </p:txBody>
       </p:sp>
@@ -13877,13 +13403,6 @@
   <p:clrMapOvr>
     <a:masterClrMapping/>
   </p:clrMapOvr>
-  <p:timing>
-    <p:tnLst>
-      <p:par>
-        <p:cTn id="1" dur="indefinite" restart="never" nodeType="tmRoot"/>
-      </p:par>
-    </p:tnLst>
-  </p:timing>
 </p:sld>
 </file>
 
